--- a/Stability of Perovskite Materials using Machine Learning.pptx
+++ b/Stability of Perovskite Materials using Machine Learning.pptx
@@ -1,29 +1,31 @@
 
 <file path=ppt/presentation.xml><?xml version="1.0" encoding="utf-8"?>
-<p:presentation xmlns:a="http://schemas.openxmlformats.org/drawingml/2006/main" xmlns:r="http://schemas.openxmlformats.org/officeDocument/2006/relationships" xmlns:mc="http://schemas.openxmlformats.org/markup-compatibility/2006" xmlns:mv="urn:schemas-microsoft-com:mac:vml" xmlns:p="http://schemas.openxmlformats.org/presentationml/2006/main" xmlns:c="http://schemas.openxmlformats.org/drawingml/2006/chart" xmlns:dgm="http://schemas.openxmlformats.org/drawingml/2006/diagram" xmlns:o="urn:schemas-microsoft-com:office:office" xmlns:v="urn:schemas-microsoft-com:vml" xmlns:pvml="urn:schemas-microsoft-com:office:powerpoint" xmlns:com="http://schemas.openxmlformats.org/drawingml/2006/compatibility" xmlns:p14="http://schemas.microsoft.com/office/powerpoint/2010/main" xmlns:p15="http://schemas.microsoft.com/office/powerpoint/2012/main" xmlns:ahyp="http://schemas.microsoft.com/office/drawing/2018/hyperlinkcolor" autoCompressPictures="0" strictFirstAndLastChars="0" saveSubsetFonts="1">
+<p:presentation xmlns:a="http://schemas.openxmlformats.org/drawingml/2006/main" xmlns:r="http://schemas.openxmlformats.org/officeDocument/2006/relationships" xmlns:p="http://schemas.openxmlformats.org/presentationml/2006/main" strictFirstAndLastChars="0" saveSubsetFonts="1" autoCompressPictures="0">
   <p:sldMasterIdLst>
-    <p:sldMasterId id="2147483659" r:id="rId4"/>
+    <p:sldMasterId id="2147483659" r:id="rId1"/>
   </p:sldMasterIdLst>
   <p:notesMasterIdLst>
-    <p:notesMasterId r:id="rId5"/>
+    <p:notesMasterId r:id="rId15"/>
   </p:notesMasterIdLst>
   <p:sldIdLst>
-    <p:sldId id="256" r:id="rId6"/>
-    <p:sldId id="257" r:id="rId7"/>
-    <p:sldId id="258" r:id="rId8"/>
-    <p:sldId id="259" r:id="rId9"/>
-    <p:sldId id="260" r:id="rId10"/>
-    <p:sldId id="261" r:id="rId11"/>
-    <p:sldId id="262" r:id="rId12"/>
-    <p:sldId id="263" r:id="rId13"/>
-    <p:sldId id="264" r:id="rId14"/>
-    <p:sldId id="265" r:id="rId15"/>
-    <p:sldId id="266" r:id="rId16"/>
+    <p:sldId id="256" r:id="rId2"/>
+    <p:sldId id="257" r:id="rId3"/>
+    <p:sldId id="258" r:id="rId4"/>
+    <p:sldId id="259" r:id="rId5"/>
+    <p:sldId id="260" r:id="rId6"/>
+    <p:sldId id="261" r:id="rId7"/>
+    <p:sldId id="262" r:id="rId8"/>
+    <p:sldId id="263" r:id="rId9"/>
+    <p:sldId id="267" r:id="rId10"/>
+    <p:sldId id="264" r:id="rId11"/>
+    <p:sldId id="265" r:id="rId12"/>
+    <p:sldId id="268" r:id="rId13"/>
+    <p:sldId id="266" r:id="rId14"/>
   </p:sldIdLst>
-  <p:sldSz cy="5143500" cx="9144000"/>
+  <p:sldSz cx="9144000" cy="5143500" type="screen16x9"/>
   <p:notesSz cx="6858000" cy="9144000"/>
   <p:defaultTextStyle>
-    <a:defPPr lvl="0" marR="0" rtl="0" algn="l">
+    <a:defPPr marR="0" lvl="0" algn="l" rtl="0">
       <a:lnSpc>
         <a:spcPct val="100000"/>
       </a:lnSpc>
@@ -34,7 +36,7 @@
         <a:spcPts val="0"/>
       </a:spcAft>
     </a:defPPr>
-    <a:lvl1pPr lvl="0" marR="0" rtl="0" algn="l">
+    <a:lvl1pPr marR="0" lvl="0" algn="l" rtl="0">
       <a:lnSpc>
         <a:spcPct val="100000"/>
       </a:lnSpc>
@@ -48,7 +50,7 @@
         <a:srgbClr val="000000"/>
       </a:buClr>
       <a:buFont typeface="Arial"/>
-      <a:defRPr b="0" i="0" sz="1400" u="none" cap="none" strike="noStrike">
+      <a:defRPr sz="1400" b="0" i="0" u="none" strike="noStrike" cap="none">
         <a:solidFill>
           <a:srgbClr val="000000"/>
         </a:solidFill>
@@ -58,7 +60,7 @@
         <a:sym typeface="Arial"/>
       </a:defRPr>
     </a:lvl1pPr>
-    <a:lvl2pPr lvl="1" marR="0" rtl="0" algn="l">
+    <a:lvl2pPr marR="0" lvl="1" algn="l" rtl="0">
       <a:lnSpc>
         <a:spcPct val="100000"/>
       </a:lnSpc>
@@ -72,7 +74,7 @@
         <a:srgbClr val="000000"/>
       </a:buClr>
       <a:buFont typeface="Arial"/>
-      <a:defRPr b="0" i="0" sz="1400" u="none" cap="none" strike="noStrike">
+      <a:defRPr sz="1400" b="0" i="0" u="none" strike="noStrike" cap="none">
         <a:solidFill>
           <a:srgbClr val="000000"/>
         </a:solidFill>
@@ -82,7 +84,7 @@
         <a:sym typeface="Arial"/>
       </a:defRPr>
     </a:lvl2pPr>
-    <a:lvl3pPr lvl="2" marR="0" rtl="0" algn="l">
+    <a:lvl3pPr marR="0" lvl="2" algn="l" rtl="0">
       <a:lnSpc>
         <a:spcPct val="100000"/>
       </a:lnSpc>
@@ -96,7 +98,7 @@
         <a:srgbClr val="000000"/>
       </a:buClr>
       <a:buFont typeface="Arial"/>
-      <a:defRPr b="0" i="0" sz="1400" u="none" cap="none" strike="noStrike">
+      <a:defRPr sz="1400" b="0" i="0" u="none" strike="noStrike" cap="none">
         <a:solidFill>
           <a:srgbClr val="000000"/>
         </a:solidFill>
@@ -106,7 +108,7 @@
         <a:sym typeface="Arial"/>
       </a:defRPr>
     </a:lvl3pPr>
-    <a:lvl4pPr lvl="3" marR="0" rtl="0" algn="l">
+    <a:lvl4pPr marR="0" lvl="3" algn="l" rtl="0">
       <a:lnSpc>
         <a:spcPct val="100000"/>
       </a:lnSpc>
@@ -120,7 +122,7 @@
         <a:srgbClr val="000000"/>
       </a:buClr>
       <a:buFont typeface="Arial"/>
-      <a:defRPr b="0" i="0" sz="1400" u="none" cap="none" strike="noStrike">
+      <a:defRPr sz="1400" b="0" i="0" u="none" strike="noStrike" cap="none">
         <a:solidFill>
           <a:srgbClr val="000000"/>
         </a:solidFill>
@@ -130,7 +132,7 @@
         <a:sym typeface="Arial"/>
       </a:defRPr>
     </a:lvl4pPr>
-    <a:lvl5pPr lvl="4" marR="0" rtl="0" algn="l">
+    <a:lvl5pPr marR="0" lvl="4" algn="l" rtl="0">
       <a:lnSpc>
         <a:spcPct val="100000"/>
       </a:lnSpc>
@@ -144,7 +146,7 @@
         <a:srgbClr val="000000"/>
       </a:buClr>
       <a:buFont typeface="Arial"/>
-      <a:defRPr b="0" i="0" sz="1400" u="none" cap="none" strike="noStrike">
+      <a:defRPr sz="1400" b="0" i="0" u="none" strike="noStrike" cap="none">
         <a:solidFill>
           <a:srgbClr val="000000"/>
         </a:solidFill>
@@ -154,7 +156,7 @@
         <a:sym typeface="Arial"/>
       </a:defRPr>
     </a:lvl5pPr>
-    <a:lvl6pPr lvl="5" marR="0" rtl="0" algn="l">
+    <a:lvl6pPr marR="0" lvl="5" algn="l" rtl="0">
       <a:lnSpc>
         <a:spcPct val="100000"/>
       </a:lnSpc>
@@ -168,7 +170,7 @@
         <a:srgbClr val="000000"/>
       </a:buClr>
       <a:buFont typeface="Arial"/>
-      <a:defRPr b="0" i="0" sz="1400" u="none" cap="none" strike="noStrike">
+      <a:defRPr sz="1400" b="0" i="0" u="none" strike="noStrike" cap="none">
         <a:solidFill>
           <a:srgbClr val="000000"/>
         </a:solidFill>
@@ -178,7 +180,7 @@
         <a:sym typeface="Arial"/>
       </a:defRPr>
     </a:lvl6pPr>
-    <a:lvl7pPr lvl="6" marR="0" rtl="0" algn="l">
+    <a:lvl7pPr marR="0" lvl="6" algn="l" rtl="0">
       <a:lnSpc>
         <a:spcPct val="100000"/>
       </a:lnSpc>
@@ -192,7 +194,7 @@
         <a:srgbClr val="000000"/>
       </a:buClr>
       <a:buFont typeface="Arial"/>
-      <a:defRPr b="0" i="0" sz="1400" u="none" cap="none" strike="noStrike">
+      <a:defRPr sz="1400" b="0" i="0" u="none" strike="noStrike" cap="none">
         <a:solidFill>
           <a:srgbClr val="000000"/>
         </a:solidFill>
@@ -202,7 +204,7 @@
         <a:sym typeface="Arial"/>
       </a:defRPr>
     </a:lvl7pPr>
-    <a:lvl8pPr lvl="7" marR="0" rtl="0" algn="l">
+    <a:lvl8pPr marR="0" lvl="7" algn="l" rtl="0">
       <a:lnSpc>
         <a:spcPct val="100000"/>
       </a:lnSpc>
@@ -216,7 +218,7 @@
         <a:srgbClr val="000000"/>
       </a:buClr>
       <a:buFont typeface="Arial"/>
-      <a:defRPr b="0" i="0" sz="1400" u="none" cap="none" strike="noStrike">
+      <a:defRPr sz="1400" b="0" i="0" u="none" strike="noStrike" cap="none">
         <a:solidFill>
           <a:srgbClr val="000000"/>
         </a:solidFill>
@@ -226,7 +228,7 @@
         <a:sym typeface="Arial"/>
       </a:defRPr>
     </a:lvl8pPr>
-    <a:lvl9pPr lvl="8" marR="0" rtl="0" algn="l">
+    <a:lvl9pPr marR="0" lvl="8" algn="l" rtl="0">
       <a:lnSpc>
         <a:spcPct val="100000"/>
       </a:lnSpc>
@@ -240,7 +242,7 @@
         <a:srgbClr val="000000"/>
       </a:buClr>
       <a:buFont typeface="Arial"/>
-      <a:defRPr b="0" i="0" sz="1400" u="none" cap="none" strike="noStrike">
+      <a:defRPr sz="1400" b="0" i="0" u="none" strike="noStrike" cap="none">
         <a:solidFill>
           <a:srgbClr val="000000"/>
         </a:solidFill>
@@ -253,7 +255,7 @@
   </p:defaultTextStyle>
   <p:extLst>
     <p:ext uri="{EFAFB233-063F-42B5-8137-9DF3F51BA10A}">
-      <p15:sldGuideLst>
+      <p15:sldGuideLst xmlns:p15="http://schemas.microsoft.com/office/powerpoint/2012/main">
         <p15:guide id="1" orient="horz" pos="1620">
           <p15:clr>
             <a:srgbClr val="A4A3A4"/>
@@ -271,11 +273,16 @@
 </file>
 
 <file path=ppt/notesMasters/notesMaster1.xml><?xml version="1.0" encoding="utf-8"?>
-<p:notesMaster xmlns:a="http://schemas.openxmlformats.org/drawingml/2006/main" xmlns:r="http://schemas.openxmlformats.org/officeDocument/2006/relationships" xmlns:mc="http://schemas.openxmlformats.org/markup-compatibility/2006" xmlns:mv="urn:schemas-microsoft-com:mac:vml" xmlns:p="http://schemas.openxmlformats.org/presentationml/2006/main" xmlns:c="http://schemas.openxmlformats.org/drawingml/2006/chart" xmlns:dgm="http://schemas.openxmlformats.org/drawingml/2006/diagram" xmlns:o="urn:schemas-microsoft-com:office:office" xmlns:v="urn:schemas-microsoft-com:vml" xmlns:pvml="urn:schemas-microsoft-com:office:powerpoint" xmlns:com="http://schemas.openxmlformats.org/drawingml/2006/compatibility" xmlns:p14="http://schemas.microsoft.com/office/powerpoint/2010/main" xmlns:p15="http://schemas.microsoft.com/office/powerpoint/2012/main" xmlns:ahyp="http://schemas.microsoft.com/office/drawing/2018/hyperlinkcolor">
+<p:notesMaster xmlns:a="http://schemas.openxmlformats.org/drawingml/2006/main" xmlns:r="http://schemas.openxmlformats.org/officeDocument/2006/relationships" xmlns:p="http://schemas.openxmlformats.org/presentationml/2006/main">
   <p:cSld>
+    <p:bg>
+      <p:bgRef idx="1001">
+        <a:schemeClr val="bg1"/>
+      </p:bgRef>
+    </p:bg>
     <p:spTree>
       <p:nvGrpSpPr>
-        <p:cNvPr id="2" name="Shape 2"/>
+        <p:cNvPr id="1" name="Shape 2"/>
         <p:cNvGrpSpPr/>
         <p:nvPr/>
       </p:nvGrpSpPr>
@@ -290,9 +297,11 @@
       <p:sp>
         <p:nvSpPr>
           <p:cNvPr id="3" name="Google Shape;3;n"/>
-          <p:cNvSpPr/>
+          <p:cNvSpPr>
+            <a:spLocks noGrp="1" noRot="1" noChangeAspect="1"/>
+          </p:cNvSpPr>
           <p:nvPr>
-            <p:ph idx="2" type="sldImg"/>
+            <p:ph type="sldImg" idx="2"/>
           </p:nvPr>
         </p:nvSpPr>
         <p:spPr>
@@ -301,9 +310,13 @@
             <a:ext cx="6096075" cy="3429000"/>
           </a:xfrm>
           <a:custGeom>
-            <a:rect b="b" l="l" r="r" t="t"/>
+            <a:avLst/>
+            <a:gdLst/>
+            <a:ahLst/>
+            <a:cxnLst/>
+            <a:rect l="l" t="t" r="r" b="b"/>
             <a:pathLst>
-              <a:path extrusionOk="0" h="120000" w="120000">
+              <a:path w="120000" h="120000" extrusionOk="0">
                 <a:moveTo>
                   <a:pt x="0" y="0"/>
                 </a:moveTo>
@@ -321,23 +334,25 @@
             </a:pathLst>
           </a:custGeom>
           <a:noFill/>
-          <a:ln cap="flat" cmpd="sng" w="9525">
+          <a:ln w="9525" cap="flat" cmpd="sng">
             <a:solidFill>
               <a:srgbClr val="000000"/>
             </a:solidFill>
             <a:prstDash val="solid"/>
             <a:round/>
-            <a:headEnd len="sm" w="sm" type="none"/>
-            <a:tailEnd len="sm" w="sm" type="none"/>
+            <a:headEnd type="none" w="sm" len="sm"/>
+            <a:tailEnd type="none" w="sm" len="sm"/>
           </a:ln>
         </p:spPr>
       </p:sp>
       <p:sp>
         <p:nvSpPr>
           <p:cNvPr id="4" name="Google Shape;4;n"/>
-          <p:cNvSpPr txBox="1"/>
+          <p:cNvSpPr txBox="1">
+            <a:spLocks noGrp="1"/>
+          </p:cNvSpPr>
           <p:nvPr>
-            <p:ph idx="1" type="body"/>
+            <p:ph type="body" idx="1"/>
           </p:nvPr>
         </p:nvSpPr>
         <p:spPr>
@@ -354,11 +369,11 @@
           </a:ln>
         </p:spPr>
         <p:txBody>
-          <a:bodyPr anchorCtr="0" anchor="t" bIns="91425" lIns="91425" spcFirstLastPara="1" rIns="91425" wrap="square" tIns="91425">
+          <a:bodyPr spcFirstLastPara="1" wrap="square" lIns="91425" tIns="91425" rIns="91425" bIns="91425" anchor="t" anchorCtr="0">
             <a:noAutofit/>
           </a:bodyPr>
           <a:lstStyle>
-            <a:lvl1pPr indent="-298450" lvl="0" marL="457200">
+            <a:lvl1pPr marL="457200" lvl="0" indent="-298450">
               <a:spcBef>
                 <a:spcPts val="0"/>
               </a:spcBef>
@@ -369,7 +384,7 @@
               <a:buChar char="●"/>
               <a:defRPr sz="1100"/>
             </a:lvl1pPr>
-            <a:lvl2pPr indent="-298450" lvl="1" marL="914400">
+            <a:lvl2pPr marL="914400" lvl="1" indent="-298450">
               <a:spcBef>
                 <a:spcPts val="0"/>
               </a:spcBef>
@@ -380,7 +395,7 @@
               <a:buChar char="○"/>
               <a:defRPr sz="1100"/>
             </a:lvl2pPr>
-            <a:lvl3pPr indent="-298450" lvl="2" marL="1371600">
+            <a:lvl3pPr marL="1371600" lvl="2" indent="-298450">
               <a:spcBef>
                 <a:spcPts val="0"/>
               </a:spcBef>
@@ -391,7 +406,7 @@
               <a:buChar char="■"/>
               <a:defRPr sz="1100"/>
             </a:lvl3pPr>
-            <a:lvl4pPr indent="-298450" lvl="3" marL="1828800">
+            <a:lvl4pPr marL="1828800" lvl="3" indent="-298450">
               <a:spcBef>
                 <a:spcPts val="0"/>
               </a:spcBef>
@@ -402,7 +417,7 @@
               <a:buChar char="●"/>
               <a:defRPr sz="1100"/>
             </a:lvl4pPr>
-            <a:lvl5pPr indent="-298450" lvl="4" marL="2286000">
+            <a:lvl5pPr marL="2286000" lvl="4" indent="-298450">
               <a:spcBef>
                 <a:spcPts val="0"/>
               </a:spcBef>
@@ -413,7 +428,7 @@
               <a:buChar char="○"/>
               <a:defRPr sz="1100"/>
             </a:lvl5pPr>
-            <a:lvl6pPr indent="-298450" lvl="5" marL="2743200">
+            <a:lvl6pPr marL="2743200" lvl="5" indent="-298450">
               <a:spcBef>
                 <a:spcPts val="0"/>
               </a:spcBef>
@@ -424,7 +439,7 @@
               <a:buChar char="■"/>
               <a:defRPr sz="1100"/>
             </a:lvl6pPr>
-            <a:lvl7pPr indent="-298450" lvl="6" marL="3200400">
+            <a:lvl7pPr marL="3200400" lvl="6" indent="-298450">
               <a:spcBef>
                 <a:spcPts val="0"/>
               </a:spcBef>
@@ -435,7 +450,7 @@
               <a:buChar char="●"/>
               <a:defRPr sz="1100"/>
             </a:lvl7pPr>
-            <a:lvl8pPr indent="-298450" lvl="7" marL="3657600">
+            <a:lvl8pPr marL="3657600" lvl="7" indent="-298450">
               <a:spcBef>
                 <a:spcPts val="0"/>
               </a:spcBef>
@@ -446,7 +461,7 @@
               <a:buChar char="○"/>
               <a:defRPr sz="1100"/>
             </a:lvl8pPr>
-            <a:lvl9pPr indent="-298450" lvl="8" marL="4114800">
+            <a:lvl9pPr marL="4114800" lvl="8" indent="-298450">
               <a:spcBef>
                 <a:spcPts val="0"/>
               </a:spcBef>
@@ -458,14 +473,16 @@
               <a:defRPr sz="1100"/>
             </a:lvl9pPr>
           </a:lstStyle>
-          <a:p/>
+          <a:p>
+            <a:endParaRPr/>
+          </a:p>
         </p:txBody>
       </p:sp>
     </p:spTree>
   </p:cSld>
-  <p:clrMap accent1="accent1" accent2="accent2" accent3="accent3" accent4="accent4" accent5="accent5" accent6="accent6" bg1="lt1" bg2="dk2" tx1="dk1" tx2="lt2" folHlink="folHlink" hlink="hlink"/>
+  <p:clrMap bg1="lt1" tx1="dk1" bg2="dk2" tx2="lt2" accent1="accent1" accent2="accent2" accent3="accent3" accent4="accent4" accent5="accent5" accent6="accent6" hlink="hlink" folHlink="folHlink"/>
   <p:notesStyle>
-    <a:defPPr lvl="0" marR="0" rtl="0" algn="l">
+    <a:defPPr marR="0" lvl="0" algn="l" rtl="0">
       <a:lnSpc>
         <a:spcPct val="100000"/>
       </a:lnSpc>
@@ -476,7 +493,7 @@
         <a:spcPts val="0"/>
       </a:spcAft>
     </a:defPPr>
-    <a:lvl1pPr lvl="0" marR="0" rtl="0" algn="l">
+    <a:lvl1pPr marR="0" lvl="0" algn="l" rtl="0">
       <a:lnSpc>
         <a:spcPct val="100000"/>
       </a:lnSpc>
@@ -490,7 +507,7 @@
         <a:srgbClr val="000000"/>
       </a:buClr>
       <a:buFont typeface="Arial"/>
-      <a:defRPr b="0" i="0" sz="1400" u="none" cap="none" strike="noStrike">
+      <a:defRPr sz="1400" b="0" i="0" u="none" strike="noStrike" cap="none">
         <a:solidFill>
           <a:srgbClr val="000000"/>
         </a:solidFill>
@@ -500,7 +517,7 @@
         <a:sym typeface="Arial"/>
       </a:defRPr>
     </a:lvl1pPr>
-    <a:lvl2pPr lvl="1" marR="0" rtl="0" algn="l">
+    <a:lvl2pPr marR="0" lvl="1" algn="l" rtl="0">
       <a:lnSpc>
         <a:spcPct val="100000"/>
       </a:lnSpc>
@@ -514,7 +531,7 @@
         <a:srgbClr val="000000"/>
       </a:buClr>
       <a:buFont typeface="Arial"/>
-      <a:defRPr b="0" i="0" sz="1400" u="none" cap="none" strike="noStrike">
+      <a:defRPr sz="1400" b="0" i="0" u="none" strike="noStrike" cap="none">
         <a:solidFill>
           <a:srgbClr val="000000"/>
         </a:solidFill>
@@ -524,7 +541,7 @@
         <a:sym typeface="Arial"/>
       </a:defRPr>
     </a:lvl2pPr>
-    <a:lvl3pPr lvl="2" marR="0" rtl="0" algn="l">
+    <a:lvl3pPr marR="0" lvl="2" algn="l" rtl="0">
       <a:lnSpc>
         <a:spcPct val="100000"/>
       </a:lnSpc>
@@ -538,7 +555,7 @@
         <a:srgbClr val="000000"/>
       </a:buClr>
       <a:buFont typeface="Arial"/>
-      <a:defRPr b="0" i="0" sz="1400" u="none" cap="none" strike="noStrike">
+      <a:defRPr sz="1400" b="0" i="0" u="none" strike="noStrike" cap="none">
         <a:solidFill>
           <a:srgbClr val="000000"/>
         </a:solidFill>
@@ -548,7 +565,7 @@
         <a:sym typeface="Arial"/>
       </a:defRPr>
     </a:lvl3pPr>
-    <a:lvl4pPr lvl="3" marR="0" rtl="0" algn="l">
+    <a:lvl4pPr marR="0" lvl="3" algn="l" rtl="0">
       <a:lnSpc>
         <a:spcPct val="100000"/>
       </a:lnSpc>
@@ -562,7 +579,7 @@
         <a:srgbClr val="000000"/>
       </a:buClr>
       <a:buFont typeface="Arial"/>
-      <a:defRPr b="0" i="0" sz="1400" u="none" cap="none" strike="noStrike">
+      <a:defRPr sz="1400" b="0" i="0" u="none" strike="noStrike" cap="none">
         <a:solidFill>
           <a:srgbClr val="000000"/>
         </a:solidFill>
@@ -572,7 +589,7 @@
         <a:sym typeface="Arial"/>
       </a:defRPr>
     </a:lvl4pPr>
-    <a:lvl5pPr lvl="4" marR="0" rtl="0" algn="l">
+    <a:lvl5pPr marR="0" lvl="4" algn="l" rtl="0">
       <a:lnSpc>
         <a:spcPct val="100000"/>
       </a:lnSpc>
@@ -586,7 +603,7 @@
         <a:srgbClr val="000000"/>
       </a:buClr>
       <a:buFont typeface="Arial"/>
-      <a:defRPr b="0" i="0" sz="1400" u="none" cap="none" strike="noStrike">
+      <a:defRPr sz="1400" b="0" i="0" u="none" strike="noStrike" cap="none">
         <a:solidFill>
           <a:srgbClr val="000000"/>
         </a:solidFill>
@@ -596,7 +613,7 @@
         <a:sym typeface="Arial"/>
       </a:defRPr>
     </a:lvl5pPr>
-    <a:lvl6pPr lvl="5" marR="0" rtl="0" algn="l">
+    <a:lvl6pPr marR="0" lvl="5" algn="l" rtl="0">
       <a:lnSpc>
         <a:spcPct val="100000"/>
       </a:lnSpc>
@@ -610,7 +627,7 @@
         <a:srgbClr val="000000"/>
       </a:buClr>
       <a:buFont typeface="Arial"/>
-      <a:defRPr b="0" i="0" sz="1400" u="none" cap="none" strike="noStrike">
+      <a:defRPr sz="1400" b="0" i="0" u="none" strike="noStrike" cap="none">
         <a:solidFill>
           <a:srgbClr val="000000"/>
         </a:solidFill>
@@ -620,7 +637,7 @@
         <a:sym typeface="Arial"/>
       </a:defRPr>
     </a:lvl6pPr>
-    <a:lvl7pPr lvl="6" marR="0" rtl="0" algn="l">
+    <a:lvl7pPr marR="0" lvl="6" algn="l" rtl="0">
       <a:lnSpc>
         <a:spcPct val="100000"/>
       </a:lnSpc>
@@ -634,7 +651,7 @@
         <a:srgbClr val="000000"/>
       </a:buClr>
       <a:buFont typeface="Arial"/>
-      <a:defRPr b="0" i="0" sz="1400" u="none" cap="none" strike="noStrike">
+      <a:defRPr sz="1400" b="0" i="0" u="none" strike="noStrike" cap="none">
         <a:solidFill>
           <a:srgbClr val="000000"/>
         </a:solidFill>
@@ -644,7 +661,7 @@
         <a:sym typeface="Arial"/>
       </a:defRPr>
     </a:lvl7pPr>
-    <a:lvl8pPr lvl="7" marR="0" rtl="0" algn="l">
+    <a:lvl8pPr marR="0" lvl="7" algn="l" rtl="0">
       <a:lnSpc>
         <a:spcPct val="100000"/>
       </a:lnSpc>
@@ -658,7 +675,7 @@
         <a:srgbClr val="000000"/>
       </a:buClr>
       <a:buFont typeface="Arial"/>
-      <a:defRPr b="0" i="0" sz="1400" u="none" cap="none" strike="noStrike">
+      <a:defRPr sz="1400" b="0" i="0" u="none" strike="noStrike" cap="none">
         <a:solidFill>
           <a:srgbClr val="000000"/>
         </a:solidFill>
@@ -668,7 +685,7 @@
         <a:sym typeface="Arial"/>
       </a:defRPr>
     </a:lvl8pPr>
-    <a:lvl9pPr lvl="8" marR="0" rtl="0" algn="l">
+    <a:lvl9pPr marR="0" lvl="8" algn="l" rtl="0">
       <a:lnSpc>
         <a:spcPct val="100000"/>
       </a:lnSpc>
@@ -682,7 +699,7 @@
         <a:srgbClr val="000000"/>
       </a:buClr>
       <a:buFont typeface="Arial"/>
-      <a:defRPr b="0" i="0" sz="1400" u="none" cap="none" strike="noStrike">
+      <a:defRPr sz="1400" b="0" i="0" u="none" strike="noStrike" cap="none">
         <a:solidFill>
           <a:srgbClr val="000000"/>
         </a:solidFill>
@@ -697,11 +714,11 @@
 </file>
 
 <file path=ppt/notesSlides/notesSlide1.xml><?xml version="1.0" encoding="utf-8"?>
-<p:notes xmlns:a="http://schemas.openxmlformats.org/drawingml/2006/main" xmlns:r="http://schemas.openxmlformats.org/officeDocument/2006/relationships" xmlns:mc="http://schemas.openxmlformats.org/markup-compatibility/2006" xmlns:mv="urn:schemas-microsoft-com:mac:vml" xmlns:p="http://schemas.openxmlformats.org/presentationml/2006/main" xmlns:c="http://schemas.openxmlformats.org/drawingml/2006/chart" xmlns:dgm="http://schemas.openxmlformats.org/drawingml/2006/diagram" xmlns:o="urn:schemas-microsoft-com:office:office" xmlns:v="urn:schemas-microsoft-com:vml" xmlns:pvml="urn:schemas-microsoft-com:office:powerpoint" xmlns:com="http://schemas.openxmlformats.org/drawingml/2006/compatibility" xmlns:p14="http://schemas.microsoft.com/office/powerpoint/2010/main" xmlns:p15="http://schemas.microsoft.com/office/powerpoint/2012/main" xmlns:ahyp="http://schemas.microsoft.com/office/drawing/2018/hyperlinkcolor" showMasterPhAnim="0" showMasterSp="0">
+<p:notes xmlns:a="http://schemas.openxmlformats.org/drawingml/2006/main" xmlns:r="http://schemas.openxmlformats.org/officeDocument/2006/relationships" xmlns:p="http://schemas.openxmlformats.org/presentationml/2006/main" showMasterSp="0" showMasterPhAnim="0">
   <p:cSld>
     <p:spTree>
       <p:nvGrpSpPr>
-        <p:cNvPr id="50" name="Shape 50"/>
+        <p:cNvPr id="1" name="Shape 50"/>
         <p:cNvGrpSpPr/>
         <p:nvPr/>
       </p:nvGrpSpPr>
@@ -716,9 +733,11 @@
       <p:sp>
         <p:nvSpPr>
           <p:cNvPr id="51" name="Google Shape;51;p:notes"/>
-          <p:cNvSpPr/>
+          <p:cNvSpPr>
+            <a:spLocks noGrp="1" noRot="1" noChangeAspect="1"/>
+          </p:cNvSpPr>
           <p:nvPr>
-            <p:ph idx="2" type="sldImg"/>
+            <p:ph type="sldImg" idx="2"/>
           </p:nvPr>
         </p:nvSpPr>
         <p:spPr>
@@ -727,9 +746,13 @@
             <a:ext cx="6096075" cy="3429000"/>
           </a:xfrm>
           <a:custGeom>
-            <a:rect b="b" l="l" r="r" t="t"/>
+            <a:avLst/>
+            <a:gdLst/>
+            <a:ahLst/>
+            <a:cxnLst/>
+            <a:rect l="l" t="t" r="r" b="b"/>
             <a:pathLst>
-              <a:path extrusionOk="0" h="120000" w="120000">
+              <a:path w="120000" h="120000" extrusionOk="0">
                 <a:moveTo>
                   <a:pt x="0" y="0"/>
                 </a:moveTo>
@@ -751,9 +774,11 @@
       <p:sp>
         <p:nvSpPr>
           <p:cNvPr id="52" name="Google Shape;52;p:notes"/>
-          <p:cNvSpPr txBox="1"/>
+          <p:cNvSpPr txBox="1">
+            <a:spLocks noGrp="1"/>
+          </p:cNvSpPr>
           <p:nvPr>
-            <p:ph idx="1" type="body"/>
+            <p:ph type="body" idx="1"/>
           </p:nvPr>
         </p:nvSpPr>
         <p:spPr>
@@ -766,12 +791,12 @@
           </a:prstGeom>
         </p:spPr>
         <p:txBody>
-          <a:bodyPr anchorCtr="0" anchor="t" bIns="91425" lIns="91425" spcFirstLastPara="1" rIns="91425" wrap="square" tIns="91425">
+          <a:bodyPr spcFirstLastPara="1" wrap="square" lIns="91425" tIns="91425" rIns="91425" bIns="91425" anchor="t" anchorCtr="0">
             <a:noAutofit/>
           </a:bodyPr>
           <a:lstStyle/>
           <a:p>
-            <a:pPr indent="0" lvl="0" marL="0" rtl="0" algn="l">
+            <a:pPr marL="0" lvl="0" indent="0" algn="l" rtl="0">
               <a:spcBef>
                 <a:spcPts val="0"/>
               </a:spcBef>
@@ -780,9 +805,6 @@
               </a:spcAft>
               <a:buNone/>
             </a:pPr>
-            <a:r>
-              <a:t/>
-            </a:r>
             <a:endParaRPr/>
           </a:p>
         </p:txBody>
@@ -796,11 +818,11 @@
 </file>
 
 <file path=ppt/notesSlides/notesSlide10.xml><?xml version="1.0" encoding="utf-8"?>
-<p:notes xmlns:a="http://schemas.openxmlformats.org/drawingml/2006/main" xmlns:r="http://schemas.openxmlformats.org/officeDocument/2006/relationships" xmlns:mc="http://schemas.openxmlformats.org/markup-compatibility/2006" xmlns:mv="urn:schemas-microsoft-com:mac:vml" xmlns:p="http://schemas.openxmlformats.org/presentationml/2006/main" xmlns:c="http://schemas.openxmlformats.org/drawingml/2006/chart" xmlns:dgm="http://schemas.openxmlformats.org/drawingml/2006/diagram" xmlns:o="urn:schemas-microsoft-com:office:office" xmlns:v="urn:schemas-microsoft-com:vml" xmlns:pvml="urn:schemas-microsoft-com:office:powerpoint" xmlns:com="http://schemas.openxmlformats.org/drawingml/2006/compatibility" xmlns:p14="http://schemas.microsoft.com/office/powerpoint/2010/main" xmlns:p15="http://schemas.microsoft.com/office/powerpoint/2012/main" xmlns:ahyp="http://schemas.microsoft.com/office/drawing/2018/hyperlinkcolor" showMasterPhAnim="0" showMasterSp="0">
+<p:notes xmlns:a="http://schemas.openxmlformats.org/drawingml/2006/main" xmlns:r="http://schemas.openxmlformats.org/officeDocument/2006/relationships" xmlns:p="http://schemas.openxmlformats.org/presentationml/2006/main" showMasterSp="0" showMasterPhAnim="0">
   <p:cSld>
     <p:spTree>
       <p:nvGrpSpPr>
-        <p:cNvPr id="111" name="Shape 111"/>
+        <p:cNvPr id="1" name="Shape 111"/>
         <p:cNvGrpSpPr/>
         <p:nvPr/>
       </p:nvGrpSpPr>
@@ -815,9 +837,11 @@
       <p:sp>
         <p:nvSpPr>
           <p:cNvPr id="112" name="Google Shape;112;g1240b0026f6_0_143:notes"/>
-          <p:cNvSpPr/>
+          <p:cNvSpPr>
+            <a:spLocks noGrp="1" noRot="1" noChangeAspect="1"/>
+          </p:cNvSpPr>
           <p:nvPr>
-            <p:ph idx="2" type="sldImg"/>
+            <p:ph type="sldImg" idx="2"/>
           </p:nvPr>
         </p:nvSpPr>
         <p:spPr>
@@ -826,9 +850,13 @@
             <a:ext cx="6096000" cy="3429000"/>
           </a:xfrm>
           <a:custGeom>
-            <a:rect b="b" l="l" r="r" t="t"/>
+            <a:avLst/>
+            <a:gdLst/>
+            <a:ahLst/>
+            <a:cxnLst/>
+            <a:rect l="l" t="t" r="r" b="b"/>
             <a:pathLst>
-              <a:path extrusionOk="0" h="120000" w="120000">
+              <a:path w="120000" h="120000" extrusionOk="0">
                 <a:moveTo>
                   <a:pt x="0" y="0"/>
                 </a:moveTo>
@@ -850,9 +878,11 @@
       <p:sp>
         <p:nvSpPr>
           <p:cNvPr id="113" name="Google Shape;113;g1240b0026f6_0_143:notes"/>
-          <p:cNvSpPr txBox="1"/>
+          <p:cNvSpPr txBox="1">
+            <a:spLocks noGrp="1"/>
+          </p:cNvSpPr>
           <p:nvPr>
-            <p:ph idx="1" type="body"/>
+            <p:ph type="body" idx="1"/>
           </p:nvPr>
         </p:nvSpPr>
         <p:spPr>
@@ -865,12 +895,12 @@
           </a:prstGeom>
         </p:spPr>
         <p:txBody>
-          <a:bodyPr anchorCtr="0" anchor="t" bIns="91425" lIns="91425" spcFirstLastPara="1" rIns="91425" wrap="square" tIns="91425">
+          <a:bodyPr spcFirstLastPara="1" wrap="square" lIns="91425" tIns="91425" rIns="91425" bIns="91425" anchor="t" anchorCtr="0">
             <a:noAutofit/>
           </a:bodyPr>
           <a:lstStyle/>
           <a:p>
-            <a:pPr indent="0" lvl="0" marL="0" rtl="0" algn="l">
+            <a:pPr marL="0" lvl="0" indent="0" algn="l" rtl="0">
               <a:spcBef>
                 <a:spcPts val="0"/>
               </a:spcBef>
@@ -879,9 +909,6 @@
               </a:spcAft>
               <a:buNone/>
             </a:pPr>
-            <a:r>
-              <a:t/>
-            </a:r>
             <a:endParaRPr/>
           </a:p>
         </p:txBody>
@@ -895,11 +922,11 @@
 </file>
 
 <file path=ppt/notesSlides/notesSlide11.xml><?xml version="1.0" encoding="utf-8"?>
-<p:notes xmlns:a="http://schemas.openxmlformats.org/drawingml/2006/main" xmlns:r="http://schemas.openxmlformats.org/officeDocument/2006/relationships" xmlns:mc="http://schemas.openxmlformats.org/markup-compatibility/2006" xmlns:mv="urn:schemas-microsoft-com:mac:vml" xmlns:p="http://schemas.openxmlformats.org/presentationml/2006/main" xmlns:c="http://schemas.openxmlformats.org/drawingml/2006/chart" xmlns:dgm="http://schemas.openxmlformats.org/drawingml/2006/diagram" xmlns:o="urn:schemas-microsoft-com:office:office" xmlns:v="urn:schemas-microsoft-com:vml" xmlns:pvml="urn:schemas-microsoft-com:office:powerpoint" xmlns:com="http://schemas.openxmlformats.org/drawingml/2006/compatibility" xmlns:p14="http://schemas.microsoft.com/office/powerpoint/2010/main" xmlns:p15="http://schemas.microsoft.com/office/powerpoint/2012/main" xmlns:ahyp="http://schemas.microsoft.com/office/drawing/2018/hyperlinkcolor" showMasterPhAnim="0" showMasterSp="0">
+<p:notes xmlns:a="http://schemas.openxmlformats.org/drawingml/2006/main" xmlns:r="http://schemas.openxmlformats.org/officeDocument/2006/relationships" xmlns:p="http://schemas.openxmlformats.org/presentationml/2006/main" showMasterSp="0" showMasterPhAnim="0">
   <p:cSld>
     <p:spTree>
       <p:nvGrpSpPr>
-        <p:cNvPr id="118" name="Shape 118"/>
+        <p:cNvPr id="1" name="Shape 118"/>
         <p:cNvGrpSpPr/>
         <p:nvPr/>
       </p:nvGrpSpPr>
@@ -914,9 +941,11 @@
       <p:sp>
         <p:nvSpPr>
           <p:cNvPr id="119" name="Google Shape;119;g1240b0026f6_0_149:notes"/>
-          <p:cNvSpPr/>
+          <p:cNvSpPr>
+            <a:spLocks noGrp="1" noRot="1" noChangeAspect="1"/>
+          </p:cNvSpPr>
           <p:nvPr>
-            <p:ph idx="2" type="sldImg"/>
+            <p:ph type="sldImg" idx="2"/>
           </p:nvPr>
         </p:nvSpPr>
         <p:spPr>
@@ -925,9 +954,13 @@
             <a:ext cx="6096000" cy="3429000"/>
           </a:xfrm>
           <a:custGeom>
-            <a:rect b="b" l="l" r="r" t="t"/>
+            <a:avLst/>
+            <a:gdLst/>
+            <a:ahLst/>
+            <a:cxnLst/>
+            <a:rect l="l" t="t" r="r" b="b"/>
             <a:pathLst>
-              <a:path extrusionOk="0" h="120000" w="120000">
+              <a:path w="120000" h="120000" extrusionOk="0">
                 <a:moveTo>
                   <a:pt x="0" y="0"/>
                 </a:moveTo>
@@ -949,9 +982,11 @@
       <p:sp>
         <p:nvSpPr>
           <p:cNvPr id="120" name="Google Shape;120;g1240b0026f6_0_149:notes"/>
-          <p:cNvSpPr txBox="1"/>
+          <p:cNvSpPr txBox="1">
+            <a:spLocks noGrp="1"/>
+          </p:cNvSpPr>
           <p:nvPr>
-            <p:ph idx="1" type="body"/>
+            <p:ph type="body" idx="1"/>
           </p:nvPr>
         </p:nvSpPr>
         <p:spPr>
@@ -964,12 +999,12 @@
           </a:prstGeom>
         </p:spPr>
         <p:txBody>
-          <a:bodyPr anchorCtr="0" anchor="t" bIns="91425" lIns="91425" spcFirstLastPara="1" rIns="91425" wrap="square" tIns="91425">
+          <a:bodyPr spcFirstLastPara="1" wrap="square" lIns="91425" tIns="91425" rIns="91425" bIns="91425" anchor="t" anchorCtr="0">
             <a:noAutofit/>
           </a:bodyPr>
           <a:lstStyle/>
           <a:p>
-            <a:pPr indent="0" lvl="0" marL="0" rtl="0" algn="l">
+            <a:pPr marL="0" lvl="0" indent="0" algn="l" rtl="0">
               <a:spcBef>
                 <a:spcPts val="0"/>
               </a:spcBef>
@@ -978,9 +1013,6 @@
               </a:spcAft>
               <a:buNone/>
             </a:pPr>
-            <a:r>
-              <a:t/>
-            </a:r>
             <a:endParaRPr/>
           </a:p>
         </p:txBody>
@@ -994,11 +1026,11 @@
 </file>
 
 <file path=ppt/notesSlides/notesSlide2.xml><?xml version="1.0" encoding="utf-8"?>
-<p:notes xmlns:a="http://schemas.openxmlformats.org/drawingml/2006/main" xmlns:r="http://schemas.openxmlformats.org/officeDocument/2006/relationships" xmlns:mc="http://schemas.openxmlformats.org/markup-compatibility/2006" xmlns:mv="urn:schemas-microsoft-com:mac:vml" xmlns:p="http://schemas.openxmlformats.org/presentationml/2006/main" xmlns:c="http://schemas.openxmlformats.org/drawingml/2006/chart" xmlns:dgm="http://schemas.openxmlformats.org/drawingml/2006/diagram" xmlns:o="urn:schemas-microsoft-com:office:office" xmlns:v="urn:schemas-microsoft-com:vml" xmlns:pvml="urn:schemas-microsoft-com:office:powerpoint" xmlns:com="http://schemas.openxmlformats.org/drawingml/2006/compatibility" xmlns:p14="http://schemas.microsoft.com/office/powerpoint/2010/main" xmlns:p15="http://schemas.microsoft.com/office/powerpoint/2012/main" xmlns:ahyp="http://schemas.microsoft.com/office/drawing/2018/hyperlinkcolor" showMasterPhAnim="0" showMasterSp="0">
+<p:notes xmlns:a="http://schemas.openxmlformats.org/drawingml/2006/main" xmlns:r="http://schemas.openxmlformats.org/officeDocument/2006/relationships" xmlns:p="http://schemas.openxmlformats.org/presentationml/2006/main" showMasterSp="0" showMasterPhAnim="0">
   <p:cSld>
     <p:spTree>
       <p:nvGrpSpPr>
-        <p:cNvPr id="56" name="Shape 56"/>
+        <p:cNvPr id="1" name="Shape 56"/>
         <p:cNvGrpSpPr/>
         <p:nvPr/>
       </p:nvGrpSpPr>
@@ -1013,9 +1045,11 @@
       <p:sp>
         <p:nvSpPr>
           <p:cNvPr id="57" name="Google Shape;57;g1240b0026f6_0_90:notes"/>
-          <p:cNvSpPr/>
+          <p:cNvSpPr>
+            <a:spLocks noGrp="1" noRot="1" noChangeAspect="1"/>
+          </p:cNvSpPr>
           <p:nvPr>
-            <p:ph idx="2" type="sldImg"/>
+            <p:ph type="sldImg" idx="2"/>
           </p:nvPr>
         </p:nvSpPr>
         <p:spPr>
@@ -1024,9 +1058,13 @@
             <a:ext cx="6096000" cy="3429000"/>
           </a:xfrm>
           <a:custGeom>
-            <a:rect b="b" l="l" r="r" t="t"/>
+            <a:avLst/>
+            <a:gdLst/>
+            <a:ahLst/>
+            <a:cxnLst/>
+            <a:rect l="l" t="t" r="r" b="b"/>
             <a:pathLst>
-              <a:path extrusionOk="0" h="120000" w="120000">
+              <a:path w="120000" h="120000" extrusionOk="0">
                 <a:moveTo>
                   <a:pt x="0" y="0"/>
                 </a:moveTo>
@@ -1048,9 +1086,11 @@
       <p:sp>
         <p:nvSpPr>
           <p:cNvPr id="58" name="Google Shape;58;g1240b0026f6_0_90:notes"/>
-          <p:cNvSpPr txBox="1"/>
+          <p:cNvSpPr txBox="1">
+            <a:spLocks noGrp="1"/>
+          </p:cNvSpPr>
           <p:nvPr>
-            <p:ph idx="1" type="body"/>
+            <p:ph type="body" idx="1"/>
           </p:nvPr>
         </p:nvSpPr>
         <p:spPr>
@@ -1063,12 +1103,12 @@
           </a:prstGeom>
         </p:spPr>
         <p:txBody>
-          <a:bodyPr anchorCtr="0" anchor="t" bIns="91425" lIns="91425" spcFirstLastPara="1" rIns="91425" wrap="square" tIns="91425">
+          <a:bodyPr spcFirstLastPara="1" wrap="square" lIns="91425" tIns="91425" rIns="91425" bIns="91425" anchor="t" anchorCtr="0">
             <a:noAutofit/>
           </a:bodyPr>
           <a:lstStyle/>
           <a:p>
-            <a:pPr indent="0" lvl="0" marL="0" rtl="0" algn="l">
+            <a:pPr marL="0" lvl="0" indent="0" algn="l" rtl="0">
               <a:spcBef>
                 <a:spcPts val="0"/>
               </a:spcBef>
@@ -1077,9 +1117,6 @@
               </a:spcAft>
               <a:buNone/>
             </a:pPr>
-            <a:r>
-              <a:t/>
-            </a:r>
             <a:endParaRPr/>
           </a:p>
         </p:txBody>
@@ -1093,11 +1130,11 @@
 </file>
 
 <file path=ppt/notesSlides/notesSlide3.xml><?xml version="1.0" encoding="utf-8"?>
-<p:notes xmlns:a="http://schemas.openxmlformats.org/drawingml/2006/main" xmlns:r="http://schemas.openxmlformats.org/officeDocument/2006/relationships" xmlns:mc="http://schemas.openxmlformats.org/markup-compatibility/2006" xmlns:mv="urn:schemas-microsoft-com:mac:vml" xmlns:p="http://schemas.openxmlformats.org/presentationml/2006/main" xmlns:c="http://schemas.openxmlformats.org/drawingml/2006/chart" xmlns:dgm="http://schemas.openxmlformats.org/drawingml/2006/diagram" xmlns:o="urn:schemas-microsoft-com:office:office" xmlns:v="urn:schemas-microsoft-com:vml" xmlns:pvml="urn:schemas-microsoft-com:office:powerpoint" xmlns:com="http://schemas.openxmlformats.org/drawingml/2006/compatibility" xmlns:p14="http://schemas.microsoft.com/office/powerpoint/2010/main" xmlns:p15="http://schemas.microsoft.com/office/powerpoint/2012/main" xmlns:ahyp="http://schemas.microsoft.com/office/drawing/2018/hyperlinkcolor" showMasterPhAnim="0" showMasterSp="0">
+<p:notes xmlns:a="http://schemas.openxmlformats.org/drawingml/2006/main" xmlns:r="http://schemas.openxmlformats.org/officeDocument/2006/relationships" xmlns:p="http://schemas.openxmlformats.org/presentationml/2006/main" showMasterSp="0" showMasterPhAnim="0">
   <p:cSld>
     <p:spTree>
       <p:nvGrpSpPr>
-        <p:cNvPr id="62" name="Shape 62"/>
+        <p:cNvPr id="1" name="Shape 62"/>
         <p:cNvGrpSpPr/>
         <p:nvPr/>
       </p:nvGrpSpPr>
@@ -1112,9 +1149,11 @@
       <p:sp>
         <p:nvSpPr>
           <p:cNvPr id="63" name="Google Shape;63;g1240b0026f6_0_95:notes"/>
-          <p:cNvSpPr/>
+          <p:cNvSpPr>
+            <a:spLocks noGrp="1" noRot="1" noChangeAspect="1"/>
+          </p:cNvSpPr>
           <p:nvPr>
-            <p:ph idx="2" type="sldImg"/>
+            <p:ph type="sldImg" idx="2"/>
           </p:nvPr>
         </p:nvSpPr>
         <p:spPr>
@@ -1123,9 +1162,13 @@
             <a:ext cx="6096000" cy="3429000"/>
           </a:xfrm>
           <a:custGeom>
-            <a:rect b="b" l="l" r="r" t="t"/>
+            <a:avLst/>
+            <a:gdLst/>
+            <a:ahLst/>
+            <a:cxnLst/>
+            <a:rect l="l" t="t" r="r" b="b"/>
             <a:pathLst>
-              <a:path extrusionOk="0" h="120000" w="120000">
+              <a:path w="120000" h="120000" extrusionOk="0">
                 <a:moveTo>
                   <a:pt x="0" y="0"/>
                 </a:moveTo>
@@ -1147,9 +1190,11 @@
       <p:sp>
         <p:nvSpPr>
           <p:cNvPr id="64" name="Google Shape;64;g1240b0026f6_0_95:notes"/>
-          <p:cNvSpPr txBox="1"/>
+          <p:cNvSpPr txBox="1">
+            <a:spLocks noGrp="1"/>
+          </p:cNvSpPr>
           <p:nvPr>
-            <p:ph idx="1" type="body"/>
+            <p:ph type="body" idx="1"/>
           </p:nvPr>
         </p:nvSpPr>
         <p:spPr>
@@ -1162,12 +1207,12 @@
           </a:prstGeom>
         </p:spPr>
         <p:txBody>
-          <a:bodyPr anchorCtr="0" anchor="t" bIns="91425" lIns="91425" spcFirstLastPara="1" rIns="91425" wrap="square" tIns="91425">
+          <a:bodyPr spcFirstLastPara="1" wrap="square" lIns="91425" tIns="91425" rIns="91425" bIns="91425" anchor="t" anchorCtr="0">
             <a:noAutofit/>
           </a:bodyPr>
           <a:lstStyle/>
           <a:p>
-            <a:pPr indent="0" lvl="0" marL="0" rtl="0" algn="l">
+            <a:pPr marL="0" lvl="0" indent="0" algn="l" rtl="0">
               <a:spcBef>
                 <a:spcPts val="0"/>
               </a:spcBef>
@@ -1176,9 +1221,6 @@
               </a:spcAft>
               <a:buNone/>
             </a:pPr>
-            <a:r>
-              <a:t/>
-            </a:r>
             <a:endParaRPr/>
           </a:p>
         </p:txBody>
@@ -1192,11 +1234,11 @@
 </file>
 
 <file path=ppt/notesSlides/notesSlide4.xml><?xml version="1.0" encoding="utf-8"?>
-<p:notes xmlns:a="http://schemas.openxmlformats.org/drawingml/2006/main" xmlns:r="http://schemas.openxmlformats.org/officeDocument/2006/relationships" xmlns:mc="http://schemas.openxmlformats.org/markup-compatibility/2006" xmlns:mv="urn:schemas-microsoft-com:mac:vml" xmlns:p="http://schemas.openxmlformats.org/presentationml/2006/main" xmlns:c="http://schemas.openxmlformats.org/drawingml/2006/chart" xmlns:dgm="http://schemas.openxmlformats.org/drawingml/2006/diagram" xmlns:o="urn:schemas-microsoft-com:office:office" xmlns:v="urn:schemas-microsoft-com:vml" xmlns:pvml="urn:schemas-microsoft-com:office:powerpoint" xmlns:com="http://schemas.openxmlformats.org/drawingml/2006/compatibility" xmlns:p14="http://schemas.microsoft.com/office/powerpoint/2010/main" xmlns:p15="http://schemas.microsoft.com/office/powerpoint/2012/main" xmlns:ahyp="http://schemas.microsoft.com/office/drawing/2018/hyperlinkcolor" showMasterPhAnim="0" showMasterSp="0">
+<p:notes xmlns:a="http://schemas.openxmlformats.org/drawingml/2006/main" xmlns:r="http://schemas.openxmlformats.org/officeDocument/2006/relationships" xmlns:p="http://schemas.openxmlformats.org/presentationml/2006/main" showMasterSp="0" showMasterPhAnim="0">
   <p:cSld>
     <p:spTree>
       <p:nvGrpSpPr>
-        <p:cNvPr id="68" name="Shape 68"/>
+        <p:cNvPr id="1" name="Shape 68"/>
         <p:cNvGrpSpPr/>
         <p:nvPr/>
       </p:nvGrpSpPr>
@@ -1211,9 +1253,11 @@
       <p:sp>
         <p:nvSpPr>
           <p:cNvPr id="69" name="Google Shape;69;g1240b0026f6_0_136:notes"/>
-          <p:cNvSpPr/>
+          <p:cNvSpPr>
+            <a:spLocks noGrp="1" noRot="1" noChangeAspect="1"/>
+          </p:cNvSpPr>
           <p:nvPr>
-            <p:ph idx="2" type="sldImg"/>
+            <p:ph type="sldImg" idx="2"/>
           </p:nvPr>
         </p:nvSpPr>
         <p:spPr>
@@ -1222,9 +1266,13 @@
             <a:ext cx="6096000" cy="3429000"/>
           </a:xfrm>
           <a:custGeom>
-            <a:rect b="b" l="l" r="r" t="t"/>
+            <a:avLst/>
+            <a:gdLst/>
+            <a:ahLst/>
+            <a:cxnLst/>
+            <a:rect l="l" t="t" r="r" b="b"/>
             <a:pathLst>
-              <a:path extrusionOk="0" h="120000" w="120000">
+              <a:path w="120000" h="120000" extrusionOk="0">
                 <a:moveTo>
                   <a:pt x="0" y="0"/>
                 </a:moveTo>
@@ -1246,9 +1294,11 @@
       <p:sp>
         <p:nvSpPr>
           <p:cNvPr id="70" name="Google Shape;70;g1240b0026f6_0_136:notes"/>
-          <p:cNvSpPr txBox="1"/>
+          <p:cNvSpPr txBox="1">
+            <a:spLocks noGrp="1"/>
+          </p:cNvSpPr>
           <p:nvPr>
-            <p:ph idx="1" type="body"/>
+            <p:ph type="body" idx="1"/>
           </p:nvPr>
         </p:nvSpPr>
         <p:spPr>
@@ -1261,12 +1311,12 @@
           </a:prstGeom>
         </p:spPr>
         <p:txBody>
-          <a:bodyPr anchorCtr="0" anchor="t" bIns="91425" lIns="91425" spcFirstLastPara="1" rIns="91425" wrap="square" tIns="91425">
+          <a:bodyPr spcFirstLastPara="1" wrap="square" lIns="91425" tIns="91425" rIns="91425" bIns="91425" anchor="t" anchorCtr="0">
             <a:noAutofit/>
           </a:bodyPr>
           <a:lstStyle/>
           <a:p>
-            <a:pPr indent="0" lvl="0" marL="0" rtl="0" algn="l">
+            <a:pPr marL="0" lvl="0" indent="0" algn="l" rtl="0">
               <a:spcBef>
                 <a:spcPts val="0"/>
               </a:spcBef>
@@ -1275,9 +1325,6 @@
               </a:spcAft>
               <a:buNone/>
             </a:pPr>
-            <a:r>
-              <a:t/>
-            </a:r>
             <a:endParaRPr/>
           </a:p>
         </p:txBody>
@@ -1291,11 +1338,11 @@
 </file>
 
 <file path=ppt/notesSlides/notesSlide5.xml><?xml version="1.0" encoding="utf-8"?>
-<p:notes xmlns:a="http://schemas.openxmlformats.org/drawingml/2006/main" xmlns:r="http://schemas.openxmlformats.org/officeDocument/2006/relationships" xmlns:mc="http://schemas.openxmlformats.org/markup-compatibility/2006" xmlns:mv="urn:schemas-microsoft-com:mac:vml" xmlns:p="http://schemas.openxmlformats.org/presentationml/2006/main" xmlns:c="http://schemas.openxmlformats.org/drawingml/2006/chart" xmlns:dgm="http://schemas.openxmlformats.org/drawingml/2006/diagram" xmlns:o="urn:schemas-microsoft-com:office:office" xmlns:v="urn:schemas-microsoft-com:vml" xmlns:pvml="urn:schemas-microsoft-com:office:powerpoint" xmlns:com="http://schemas.openxmlformats.org/drawingml/2006/compatibility" xmlns:p14="http://schemas.microsoft.com/office/powerpoint/2010/main" xmlns:p15="http://schemas.microsoft.com/office/powerpoint/2012/main" xmlns:ahyp="http://schemas.microsoft.com/office/drawing/2018/hyperlinkcolor" showMasterPhAnim="0" showMasterSp="0">
+<p:notes xmlns:a="http://schemas.openxmlformats.org/drawingml/2006/main" xmlns:r="http://schemas.openxmlformats.org/officeDocument/2006/relationships" xmlns:p="http://schemas.openxmlformats.org/presentationml/2006/main" showMasterSp="0" showMasterPhAnim="0">
   <p:cSld>
     <p:spTree>
       <p:nvGrpSpPr>
-        <p:cNvPr id="73" name="Shape 73"/>
+        <p:cNvPr id="1" name="Shape 73"/>
         <p:cNvGrpSpPr/>
         <p:nvPr/>
       </p:nvGrpSpPr>
@@ -1310,9 +1357,11 @@
       <p:sp>
         <p:nvSpPr>
           <p:cNvPr id="74" name="Google Shape;74;g1240b0026f6_0_100:notes"/>
-          <p:cNvSpPr/>
+          <p:cNvSpPr>
+            <a:spLocks noGrp="1" noRot="1" noChangeAspect="1"/>
+          </p:cNvSpPr>
           <p:nvPr>
-            <p:ph idx="2" type="sldImg"/>
+            <p:ph type="sldImg" idx="2"/>
           </p:nvPr>
         </p:nvSpPr>
         <p:spPr>
@@ -1321,9 +1370,13 @@
             <a:ext cx="6096000" cy="3429000"/>
           </a:xfrm>
           <a:custGeom>
-            <a:rect b="b" l="l" r="r" t="t"/>
+            <a:avLst/>
+            <a:gdLst/>
+            <a:ahLst/>
+            <a:cxnLst/>
+            <a:rect l="l" t="t" r="r" b="b"/>
             <a:pathLst>
-              <a:path extrusionOk="0" h="120000" w="120000">
+              <a:path w="120000" h="120000" extrusionOk="0">
                 <a:moveTo>
                   <a:pt x="0" y="0"/>
                 </a:moveTo>
@@ -1345,9 +1398,11 @@
       <p:sp>
         <p:nvSpPr>
           <p:cNvPr id="75" name="Google Shape;75;g1240b0026f6_0_100:notes"/>
-          <p:cNvSpPr txBox="1"/>
+          <p:cNvSpPr txBox="1">
+            <a:spLocks noGrp="1"/>
+          </p:cNvSpPr>
           <p:nvPr>
-            <p:ph idx="1" type="body"/>
+            <p:ph type="body" idx="1"/>
           </p:nvPr>
         </p:nvSpPr>
         <p:spPr>
@@ -1360,12 +1415,12 @@
           </a:prstGeom>
         </p:spPr>
         <p:txBody>
-          <a:bodyPr anchorCtr="0" anchor="t" bIns="91425" lIns="91425" spcFirstLastPara="1" rIns="91425" wrap="square" tIns="91425">
+          <a:bodyPr spcFirstLastPara="1" wrap="square" lIns="91425" tIns="91425" rIns="91425" bIns="91425" anchor="t" anchorCtr="0">
             <a:noAutofit/>
           </a:bodyPr>
           <a:lstStyle/>
           <a:p>
-            <a:pPr indent="0" lvl="0" marL="0" rtl="0" algn="l">
+            <a:pPr marL="0" lvl="0" indent="0" algn="l" rtl="0">
               <a:spcBef>
                 <a:spcPts val="0"/>
               </a:spcBef>
@@ -1374,9 +1429,6 @@
               </a:spcAft>
               <a:buNone/>
             </a:pPr>
-            <a:r>
-              <a:t/>
-            </a:r>
             <a:endParaRPr/>
           </a:p>
         </p:txBody>
@@ -1390,11 +1442,11 @@
 </file>
 
 <file path=ppt/notesSlides/notesSlide6.xml><?xml version="1.0" encoding="utf-8"?>
-<p:notes xmlns:a="http://schemas.openxmlformats.org/drawingml/2006/main" xmlns:r="http://schemas.openxmlformats.org/officeDocument/2006/relationships" xmlns:mc="http://schemas.openxmlformats.org/markup-compatibility/2006" xmlns:mv="urn:schemas-microsoft-com:mac:vml" xmlns:p="http://schemas.openxmlformats.org/presentationml/2006/main" xmlns:c="http://schemas.openxmlformats.org/drawingml/2006/chart" xmlns:dgm="http://schemas.openxmlformats.org/drawingml/2006/diagram" xmlns:o="urn:schemas-microsoft-com:office:office" xmlns:v="urn:schemas-microsoft-com:vml" xmlns:pvml="urn:schemas-microsoft-com:office:powerpoint" xmlns:com="http://schemas.openxmlformats.org/drawingml/2006/compatibility" xmlns:p14="http://schemas.microsoft.com/office/powerpoint/2010/main" xmlns:p15="http://schemas.microsoft.com/office/powerpoint/2012/main" xmlns:ahyp="http://schemas.microsoft.com/office/drawing/2018/hyperlinkcolor" showMasterPhAnim="0" showMasterSp="0">
+<p:notes xmlns:a="http://schemas.openxmlformats.org/drawingml/2006/main" xmlns:r="http://schemas.openxmlformats.org/officeDocument/2006/relationships" xmlns:p="http://schemas.openxmlformats.org/presentationml/2006/main" showMasterSp="0" showMasterPhAnim="0">
   <p:cSld>
     <p:spTree>
       <p:nvGrpSpPr>
-        <p:cNvPr id="81" name="Shape 81"/>
+        <p:cNvPr id="1" name="Shape 81"/>
         <p:cNvGrpSpPr/>
         <p:nvPr/>
       </p:nvGrpSpPr>
@@ -1409,20 +1461,26 @@
       <p:sp>
         <p:nvSpPr>
           <p:cNvPr id="82" name="Google Shape;82;g1240b0026f6_0_110:notes"/>
-          <p:cNvSpPr/>
+          <p:cNvSpPr>
+            <a:spLocks noGrp="1" noRot="1" noChangeAspect="1"/>
+          </p:cNvSpPr>
           <p:nvPr>
-            <p:ph idx="2" type="sldImg"/>
+            <p:ph type="sldImg" idx="2"/>
           </p:nvPr>
         </p:nvSpPr>
         <p:spPr>
           <a:xfrm>
-            <a:off x="381300" y="685800"/>
+            <a:off x="381000" y="685800"/>
             <a:ext cx="6096000" cy="3429000"/>
           </a:xfrm>
           <a:custGeom>
-            <a:rect b="b" l="l" r="r" t="t"/>
+            <a:avLst/>
+            <a:gdLst/>
+            <a:ahLst/>
+            <a:cxnLst/>
+            <a:rect l="l" t="t" r="r" b="b"/>
             <a:pathLst>
-              <a:path extrusionOk="0" h="120000" w="120000">
+              <a:path w="120000" h="120000" extrusionOk="0">
                 <a:moveTo>
                   <a:pt x="0" y="0"/>
                 </a:moveTo>
@@ -1444,9 +1502,11 @@
       <p:sp>
         <p:nvSpPr>
           <p:cNvPr id="83" name="Google Shape;83;g1240b0026f6_0_110:notes"/>
-          <p:cNvSpPr txBox="1"/>
+          <p:cNvSpPr txBox="1">
+            <a:spLocks noGrp="1"/>
+          </p:cNvSpPr>
           <p:nvPr>
-            <p:ph idx="1" type="body"/>
+            <p:ph type="body" idx="1"/>
           </p:nvPr>
         </p:nvSpPr>
         <p:spPr>
@@ -1459,12 +1519,12 @@
           </a:prstGeom>
         </p:spPr>
         <p:txBody>
-          <a:bodyPr anchorCtr="0" anchor="t" bIns="91425" lIns="91425" spcFirstLastPara="1" rIns="91425" wrap="square" tIns="91425">
+          <a:bodyPr spcFirstLastPara="1" wrap="square" lIns="91425" tIns="91425" rIns="91425" bIns="91425" anchor="t" anchorCtr="0">
             <a:noAutofit/>
           </a:bodyPr>
           <a:lstStyle/>
           <a:p>
-            <a:pPr indent="0" lvl="0" marL="0" rtl="0" algn="l">
+            <a:pPr marL="0" lvl="0" indent="0" algn="l" rtl="0">
               <a:spcBef>
                 <a:spcPts val="0"/>
               </a:spcBef>
@@ -1473,9 +1533,6 @@
               </a:spcAft>
               <a:buNone/>
             </a:pPr>
-            <a:r>
-              <a:t/>
-            </a:r>
             <a:endParaRPr/>
           </a:p>
         </p:txBody>
@@ -1489,11 +1546,11 @@
 </file>
 
 <file path=ppt/notesSlides/notesSlide7.xml><?xml version="1.0" encoding="utf-8"?>
-<p:notes xmlns:a="http://schemas.openxmlformats.org/drawingml/2006/main" xmlns:r="http://schemas.openxmlformats.org/officeDocument/2006/relationships" xmlns:mc="http://schemas.openxmlformats.org/markup-compatibility/2006" xmlns:mv="urn:schemas-microsoft-com:mac:vml" xmlns:p="http://schemas.openxmlformats.org/presentationml/2006/main" xmlns:c="http://schemas.openxmlformats.org/drawingml/2006/chart" xmlns:dgm="http://schemas.openxmlformats.org/drawingml/2006/diagram" xmlns:o="urn:schemas-microsoft-com:office:office" xmlns:v="urn:schemas-microsoft-com:vml" xmlns:pvml="urn:schemas-microsoft-com:office:powerpoint" xmlns:com="http://schemas.openxmlformats.org/drawingml/2006/compatibility" xmlns:p14="http://schemas.microsoft.com/office/powerpoint/2010/main" xmlns:p15="http://schemas.microsoft.com/office/powerpoint/2012/main" xmlns:ahyp="http://schemas.microsoft.com/office/drawing/2018/hyperlinkcolor" showMasterPhAnim="0" showMasterSp="0">
+<p:notes xmlns:a="http://schemas.openxmlformats.org/drawingml/2006/main" xmlns:r="http://schemas.openxmlformats.org/officeDocument/2006/relationships" xmlns:p="http://schemas.openxmlformats.org/presentationml/2006/main" showMasterSp="0" showMasterPhAnim="0">
   <p:cSld>
     <p:spTree>
       <p:nvGrpSpPr>
-        <p:cNvPr id="86" name="Shape 86"/>
+        <p:cNvPr id="1" name="Shape 86"/>
         <p:cNvGrpSpPr/>
         <p:nvPr/>
       </p:nvGrpSpPr>
@@ -1508,9 +1565,11 @@
       <p:sp>
         <p:nvSpPr>
           <p:cNvPr id="87" name="Google Shape;87;g1240b0026f6_0_115:notes"/>
-          <p:cNvSpPr/>
+          <p:cNvSpPr>
+            <a:spLocks noGrp="1" noRot="1" noChangeAspect="1"/>
+          </p:cNvSpPr>
           <p:nvPr>
-            <p:ph idx="2" type="sldImg"/>
+            <p:ph type="sldImg" idx="2"/>
           </p:nvPr>
         </p:nvSpPr>
         <p:spPr>
@@ -1519,9 +1578,13 @@
             <a:ext cx="6096000" cy="3429000"/>
           </a:xfrm>
           <a:custGeom>
-            <a:rect b="b" l="l" r="r" t="t"/>
+            <a:avLst/>
+            <a:gdLst/>
+            <a:ahLst/>
+            <a:cxnLst/>
+            <a:rect l="l" t="t" r="r" b="b"/>
             <a:pathLst>
-              <a:path extrusionOk="0" h="120000" w="120000">
+              <a:path w="120000" h="120000" extrusionOk="0">
                 <a:moveTo>
                   <a:pt x="0" y="0"/>
                 </a:moveTo>
@@ -1543,9 +1606,11 @@
       <p:sp>
         <p:nvSpPr>
           <p:cNvPr id="88" name="Google Shape;88;g1240b0026f6_0_115:notes"/>
-          <p:cNvSpPr txBox="1"/>
+          <p:cNvSpPr txBox="1">
+            <a:spLocks noGrp="1"/>
+          </p:cNvSpPr>
           <p:nvPr>
-            <p:ph idx="1" type="body"/>
+            <p:ph type="body" idx="1"/>
           </p:nvPr>
         </p:nvSpPr>
         <p:spPr>
@@ -1558,12 +1623,12 @@
           </a:prstGeom>
         </p:spPr>
         <p:txBody>
-          <a:bodyPr anchorCtr="0" anchor="t" bIns="91425" lIns="91425" spcFirstLastPara="1" rIns="91425" wrap="square" tIns="91425">
+          <a:bodyPr spcFirstLastPara="1" wrap="square" lIns="91425" tIns="91425" rIns="91425" bIns="91425" anchor="t" anchorCtr="0">
             <a:noAutofit/>
           </a:bodyPr>
           <a:lstStyle/>
           <a:p>
-            <a:pPr indent="0" lvl="0" marL="0" rtl="0" algn="l">
+            <a:pPr marL="0" lvl="0" indent="0" algn="l" rtl="0">
               <a:spcBef>
                 <a:spcPts val="0"/>
               </a:spcBef>
@@ -1572,9 +1637,6 @@
               </a:spcAft>
               <a:buNone/>
             </a:pPr>
-            <a:r>
-              <a:t/>
-            </a:r>
             <a:endParaRPr/>
           </a:p>
         </p:txBody>
@@ -1588,11 +1650,11 @@
 </file>
 
 <file path=ppt/notesSlides/notesSlide8.xml><?xml version="1.0" encoding="utf-8"?>
-<p:notes xmlns:a="http://schemas.openxmlformats.org/drawingml/2006/main" xmlns:r="http://schemas.openxmlformats.org/officeDocument/2006/relationships" xmlns:mc="http://schemas.openxmlformats.org/markup-compatibility/2006" xmlns:mv="urn:schemas-microsoft-com:mac:vml" xmlns:p="http://schemas.openxmlformats.org/presentationml/2006/main" xmlns:c="http://schemas.openxmlformats.org/drawingml/2006/chart" xmlns:dgm="http://schemas.openxmlformats.org/drawingml/2006/diagram" xmlns:o="urn:schemas-microsoft-com:office:office" xmlns:v="urn:schemas-microsoft-com:vml" xmlns:pvml="urn:schemas-microsoft-com:office:powerpoint" xmlns:com="http://schemas.openxmlformats.org/drawingml/2006/compatibility" xmlns:p14="http://schemas.microsoft.com/office/powerpoint/2010/main" xmlns:p15="http://schemas.microsoft.com/office/powerpoint/2012/main" xmlns:ahyp="http://schemas.microsoft.com/office/drawing/2018/hyperlinkcolor" showMasterPhAnim="0" showMasterSp="0">
+<p:notes xmlns:a="http://schemas.openxmlformats.org/drawingml/2006/main" xmlns:r="http://schemas.openxmlformats.org/officeDocument/2006/relationships" xmlns:p="http://schemas.openxmlformats.org/presentationml/2006/main" showMasterSp="0" showMasterPhAnim="0">
   <p:cSld>
     <p:spTree>
       <p:nvGrpSpPr>
-        <p:cNvPr id="96" name="Shape 96"/>
+        <p:cNvPr id="1" name="Shape 96"/>
         <p:cNvGrpSpPr/>
         <p:nvPr/>
       </p:nvGrpSpPr>
@@ -1607,9 +1669,11 @@
       <p:sp>
         <p:nvSpPr>
           <p:cNvPr id="97" name="Google Shape;97;g1240b0026f6_0_125:notes"/>
-          <p:cNvSpPr/>
+          <p:cNvSpPr>
+            <a:spLocks noGrp="1" noRot="1" noChangeAspect="1"/>
+          </p:cNvSpPr>
           <p:nvPr>
-            <p:ph idx="2" type="sldImg"/>
+            <p:ph type="sldImg" idx="2"/>
           </p:nvPr>
         </p:nvSpPr>
         <p:spPr>
@@ -1618,9 +1682,13 @@
             <a:ext cx="6096000" cy="3429000"/>
           </a:xfrm>
           <a:custGeom>
-            <a:rect b="b" l="l" r="r" t="t"/>
+            <a:avLst/>
+            <a:gdLst/>
+            <a:ahLst/>
+            <a:cxnLst/>
+            <a:rect l="l" t="t" r="r" b="b"/>
             <a:pathLst>
-              <a:path extrusionOk="0" h="120000" w="120000">
+              <a:path w="120000" h="120000" extrusionOk="0">
                 <a:moveTo>
                   <a:pt x="0" y="0"/>
                 </a:moveTo>
@@ -1642,9 +1710,11 @@
       <p:sp>
         <p:nvSpPr>
           <p:cNvPr id="98" name="Google Shape;98;g1240b0026f6_0_125:notes"/>
-          <p:cNvSpPr txBox="1"/>
+          <p:cNvSpPr txBox="1">
+            <a:spLocks noGrp="1"/>
+          </p:cNvSpPr>
           <p:nvPr>
-            <p:ph idx="1" type="body"/>
+            <p:ph type="body" idx="1"/>
           </p:nvPr>
         </p:nvSpPr>
         <p:spPr>
@@ -1657,12 +1727,12 @@
           </a:prstGeom>
         </p:spPr>
         <p:txBody>
-          <a:bodyPr anchorCtr="0" anchor="t" bIns="91425" lIns="91425" spcFirstLastPara="1" rIns="91425" wrap="square" tIns="91425">
+          <a:bodyPr spcFirstLastPara="1" wrap="square" lIns="91425" tIns="91425" rIns="91425" bIns="91425" anchor="t" anchorCtr="0">
             <a:noAutofit/>
           </a:bodyPr>
           <a:lstStyle/>
           <a:p>
-            <a:pPr indent="0" lvl="0" marL="0" rtl="0" algn="l">
+            <a:pPr marL="0" lvl="0" indent="0" algn="l" rtl="0">
               <a:spcBef>
                 <a:spcPts val="0"/>
               </a:spcBef>
@@ -1671,9 +1741,6 @@
               </a:spcAft>
               <a:buNone/>
             </a:pPr>
-            <a:r>
-              <a:t/>
-            </a:r>
             <a:endParaRPr/>
           </a:p>
         </p:txBody>
@@ -1687,11 +1754,11 @@
 </file>
 
 <file path=ppt/notesSlides/notesSlide9.xml><?xml version="1.0" encoding="utf-8"?>
-<p:notes xmlns:a="http://schemas.openxmlformats.org/drawingml/2006/main" xmlns:r="http://schemas.openxmlformats.org/officeDocument/2006/relationships" xmlns:mc="http://schemas.openxmlformats.org/markup-compatibility/2006" xmlns:mv="urn:schemas-microsoft-com:mac:vml" xmlns:p="http://schemas.openxmlformats.org/presentationml/2006/main" xmlns:c="http://schemas.openxmlformats.org/drawingml/2006/chart" xmlns:dgm="http://schemas.openxmlformats.org/drawingml/2006/diagram" xmlns:o="urn:schemas-microsoft-com:office:office" xmlns:v="urn:schemas-microsoft-com:vml" xmlns:pvml="urn:schemas-microsoft-com:office:powerpoint" xmlns:com="http://schemas.openxmlformats.org/drawingml/2006/compatibility" xmlns:p14="http://schemas.microsoft.com/office/powerpoint/2010/main" xmlns:p15="http://schemas.microsoft.com/office/powerpoint/2012/main" xmlns:ahyp="http://schemas.microsoft.com/office/drawing/2018/hyperlinkcolor" showMasterPhAnim="0" showMasterSp="0">
+<p:notes xmlns:a="http://schemas.openxmlformats.org/drawingml/2006/main" xmlns:r="http://schemas.openxmlformats.org/officeDocument/2006/relationships" xmlns:p="http://schemas.openxmlformats.org/presentationml/2006/main" showMasterSp="0" showMasterPhAnim="0">
   <p:cSld>
     <p:spTree>
       <p:nvGrpSpPr>
-        <p:cNvPr id="103" name="Shape 103"/>
+        <p:cNvPr id="1" name="Shape 103"/>
         <p:cNvGrpSpPr/>
         <p:nvPr/>
       </p:nvGrpSpPr>
@@ -1706,20 +1773,26 @@
       <p:sp>
         <p:nvSpPr>
           <p:cNvPr id="104" name="Google Shape;104;g1240b0026f6_0_131:notes"/>
-          <p:cNvSpPr/>
+          <p:cNvSpPr>
+            <a:spLocks noGrp="1" noRot="1" noChangeAspect="1"/>
+          </p:cNvSpPr>
           <p:nvPr>
-            <p:ph idx="2" type="sldImg"/>
+            <p:ph type="sldImg" idx="2"/>
           </p:nvPr>
         </p:nvSpPr>
         <p:spPr>
           <a:xfrm>
-            <a:off x="381300" y="685800"/>
+            <a:off x="381000" y="685800"/>
             <a:ext cx="6096000" cy="3429000"/>
           </a:xfrm>
           <a:custGeom>
-            <a:rect b="b" l="l" r="r" t="t"/>
+            <a:avLst/>
+            <a:gdLst/>
+            <a:ahLst/>
+            <a:cxnLst/>
+            <a:rect l="l" t="t" r="r" b="b"/>
             <a:pathLst>
-              <a:path extrusionOk="0" h="120000" w="120000">
+              <a:path w="120000" h="120000" extrusionOk="0">
                 <a:moveTo>
                   <a:pt x="0" y="0"/>
                 </a:moveTo>
@@ -1741,9 +1814,11 @@
       <p:sp>
         <p:nvSpPr>
           <p:cNvPr id="105" name="Google Shape;105;g1240b0026f6_0_131:notes"/>
-          <p:cNvSpPr txBox="1"/>
+          <p:cNvSpPr txBox="1">
+            <a:spLocks noGrp="1"/>
+          </p:cNvSpPr>
           <p:nvPr>
-            <p:ph idx="1" type="body"/>
+            <p:ph type="body" idx="1"/>
           </p:nvPr>
         </p:nvSpPr>
         <p:spPr>
@@ -1756,12 +1831,12 @@
           </a:prstGeom>
         </p:spPr>
         <p:txBody>
-          <a:bodyPr anchorCtr="0" anchor="t" bIns="91425" lIns="91425" spcFirstLastPara="1" rIns="91425" wrap="square" tIns="91425">
+          <a:bodyPr spcFirstLastPara="1" wrap="square" lIns="91425" tIns="91425" rIns="91425" bIns="91425" anchor="t" anchorCtr="0">
             <a:noAutofit/>
           </a:bodyPr>
           <a:lstStyle/>
           <a:p>
-            <a:pPr indent="0" lvl="0" marL="0" rtl="0" algn="l">
+            <a:pPr marL="0" lvl="0" indent="0" algn="l" rtl="0">
               <a:spcBef>
                 <a:spcPts val="0"/>
               </a:spcBef>
@@ -1770,9 +1845,6 @@
               </a:spcAft>
               <a:buNone/>
             </a:pPr>
-            <a:r>
-              <a:t/>
-            </a:r>
             <a:endParaRPr/>
           </a:p>
         </p:txBody>
@@ -1786,11 +1858,11 @@
 </file>
 
 <file path=ppt/slideLayouts/slideLayout1.xml><?xml version="1.0" encoding="utf-8"?>
-<p:sldLayout xmlns:a="http://schemas.openxmlformats.org/drawingml/2006/main" xmlns:r="http://schemas.openxmlformats.org/officeDocument/2006/relationships" xmlns:mc="http://schemas.openxmlformats.org/markup-compatibility/2006" xmlns:mv="urn:schemas-microsoft-com:mac:vml" xmlns:p="http://schemas.openxmlformats.org/presentationml/2006/main" xmlns:c="http://schemas.openxmlformats.org/drawingml/2006/chart" xmlns:dgm="http://schemas.openxmlformats.org/drawingml/2006/diagram" xmlns:o="urn:schemas-microsoft-com:office:office" xmlns:v="urn:schemas-microsoft-com:vml" xmlns:pvml="urn:schemas-microsoft-com:office:powerpoint" xmlns:com="http://schemas.openxmlformats.org/drawingml/2006/compatibility" xmlns:p14="http://schemas.microsoft.com/office/powerpoint/2010/main" xmlns:p15="http://schemas.microsoft.com/office/powerpoint/2012/main" xmlns:ahyp="http://schemas.microsoft.com/office/drawing/2018/hyperlinkcolor" matchingName="Title slide" type="title">
+<p:sldLayout xmlns:a="http://schemas.openxmlformats.org/drawingml/2006/main" xmlns:r="http://schemas.openxmlformats.org/officeDocument/2006/relationships" xmlns:p="http://schemas.openxmlformats.org/presentationml/2006/main" matchingName="Title slide" type="title">
   <p:cSld name="TITLE">
     <p:spTree>
       <p:nvGrpSpPr>
-        <p:cNvPr id="9" name="Shape 9"/>
+        <p:cNvPr id="1" name="Shape 9"/>
         <p:cNvGrpSpPr/>
         <p:nvPr/>
       </p:nvGrpSpPr>
@@ -1805,7 +1877,9 @@
       <p:sp>
         <p:nvSpPr>
           <p:cNvPr id="10" name="Google Shape;10;p2"/>
-          <p:cNvSpPr txBox="1"/>
+          <p:cNvSpPr txBox="1">
+            <a:spLocks noGrp="1"/>
+          </p:cNvSpPr>
           <p:nvPr>
             <p:ph type="ctrTitle"/>
           </p:nvPr>
@@ -1820,7 +1894,7 @@
           </a:prstGeom>
         </p:spPr>
         <p:txBody>
-          <a:bodyPr anchorCtr="0" anchor="b" bIns="91425" lIns="91425" spcFirstLastPara="1" rIns="91425" wrap="square" tIns="91425">
+          <a:bodyPr spcFirstLastPara="1" wrap="square" lIns="91425" tIns="91425" rIns="91425" bIns="91425" anchor="b" anchorCtr="0">
             <a:normAutofit/>
           </a:bodyPr>
           <a:lstStyle>
@@ -1924,15 +1998,19 @@
               <a:defRPr sz="5200"/>
             </a:lvl9pPr>
           </a:lstStyle>
-          <a:p/>
+          <a:p>
+            <a:endParaRPr/>
+          </a:p>
         </p:txBody>
       </p:sp>
       <p:sp>
         <p:nvSpPr>
           <p:cNvPr id="11" name="Google Shape;11;p2"/>
-          <p:cNvSpPr txBox="1"/>
+          <p:cNvSpPr txBox="1">
+            <a:spLocks noGrp="1"/>
+          </p:cNvSpPr>
           <p:nvPr>
-            <p:ph idx="1" type="subTitle"/>
+            <p:ph type="subTitle" idx="1"/>
           </p:nvPr>
         </p:nvSpPr>
         <p:spPr>
@@ -1945,7 +2023,7 @@
           </a:prstGeom>
         </p:spPr>
         <p:txBody>
-          <a:bodyPr anchorCtr="0" anchor="t" bIns="91425" lIns="91425" spcFirstLastPara="1" rIns="91425" wrap="square" tIns="91425">
+          <a:bodyPr spcFirstLastPara="1" wrap="square" lIns="91425" tIns="91425" rIns="91425" bIns="91425" anchor="t" anchorCtr="0">
             <a:normAutofit/>
           </a:bodyPr>
           <a:lstStyle>
@@ -2076,15 +2154,19 @@
               <a:defRPr sz="2800"/>
             </a:lvl9pPr>
           </a:lstStyle>
-          <a:p/>
+          <a:p>
+            <a:endParaRPr/>
+          </a:p>
         </p:txBody>
       </p:sp>
       <p:sp>
         <p:nvSpPr>
           <p:cNvPr id="12" name="Google Shape;12;p2"/>
-          <p:cNvSpPr txBox="1"/>
+          <p:cNvSpPr txBox="1">
+            <a:spLocks noGrp="1"/>
+          </p:cNvSpPr>
           <p:nvPr>
-            <p:ph idx="12" type="sldNum"/>
+            <p:ph type="sldNum" idx="12"/>
           </p:nvPr>
         </p:nvSpPr>
         <p:spPr>
@@ -2097,7 +2179,7 @@
           </a:prstGeom>
         </p:spPr>
         <p:txBody>
-          <a:bodyPr anchorCtr="0" anchor="ctr" bIns="91425" lIns="91425" spcFirstLastPara="1" rIns="91425" wrap="square" tIns="91425">
+          <a:bodyPr spcFirstLastPara="1" wrap="square" lIns="91425" tIns="91425" rIns="91425" bIns="91425" anchor="ctr" anchorCtr="0">
             <a:normAutofit/>
           </a:bodyPr>
           <a:lstStyle>
@@ -2139,7 +2221,7 @@
             </a:lvl9pPr>
           </a:lstStyle>
           <a:p>
-            <a:pPr indent="0" lvl="0" marL="0" rtl="0" algn="r">
+            <a:pPr marL="0" lvl="0" indent="0" algn="r" rtl="0">
               <a:spcBef>
                 <a:spcPts val="0"/>
               </a:spcBef>
@@ -2165,11 +2247,11 @@
 </file>
 
 <file path=ppt/slideLayouts/slideLayout10.xml><?xml version="1.0" encoding="utf-8"?>
-<p:sldLayout xmlns:a="http://schemas.openxmlformats.org/drawingml/2006/main" xmlns:r="http://schemas.openxmlformats.org/officeDocument/2006/relationships" xmlns:mc="http://schemas.openxmlformats.org/markup-compatibility/2006" xmlns:mv="urn:schemas-microsoft-com:mac:vml" xmlns:p="http://schemas.openxmlformats.org/presentationml/2006/main" xmlns:c="http://schemas.openxmlformats.org/drawingml/2006/chart" xmlns:dgm="http://schemas.openxmlformats.org/drawingml/2006/diagram" xmlns:o="urn:schemas-microsoft-com:office:office" xmlns:v="urn:schemas-microsoft-com:vml" xmlns:pvml="urn:schemas-microsoft-com:office:powerpoint" xmlns:com="http://schemas.openxmlformats.org/drawingml/2006/compatibility" xmlns:p14="http://schemas.microsoft.com/office/powerpoint/2010/main" xmlns:p15="http://schemas.microsoft.com/office/powerpoint/2012/main" xmlns:ahyp="http://schemas.microsoft.com/office/drawing/2018/hyperlinkcolor" matchingName="Big number">
+<p:sldLayout xmlns:a="http://schemas.openxmlformats.org/drawingml/2006/main" xmlns:r="http://schemas.openxmlformats.org/officeDocument/2006/relationships" xmlns:p="http://schemas.openxmlformats.org/presentationml/2006/main" matchingName="Big number">
   <p:cSld name="BIG_NUMBER">
     <p:spTree>
       <p:nvGrpSpPr>
-        <p:cNvPr id="44" name="Shape 44"/>
+        <p:cNvPr id="1" name="Shape 44"/>
         <p:cNvGrpSpPr/>
         <p:nvPr/>
       </p:nvGrpSpPr>
@@ -2184,9 +2266,11 @@
       <p:sp>
         <p:nvSpPr>
           <p:cNvPr id="45" name="Google Shape;45;p11"/>
-          <p:cNvSpPr txBox="1"/>
+          <p:cNvSpPr txBox="1">
+            <a:spLocks noGrp="1"/>
+          </p:cNvSpPr>
           <p:nvPr>
-            <p:ph hasCustomPrompt="1" type="title"/>
+            <p:ph type="title" hasCustomPrompt="1"/>
           </p:nvPr>
         </p:nvSpPr>
         <p:spPr>
@@ -2199,7 +2283,7 @@
           </a:prstGeom>
         </p:spPr>
         <p:txBody>
-          <a:bodyPr anchorCtr="0" anchor="b" bIns="91425" lIns="91425" spcFirstLastPara="1" rIns="91425" wrap="square" tIns="91425">
+          <a:bodyPr spcFirstLastPara="1" wrap="square" lIns="91425" tIns="91425" rIns="91425" bIns="91425" anchor="b" anchorCtr="0">
             <a:normAutofit/>
           </a:bodyPr>
           <a:lstStyle>
@@ -2313,9 +2397,11 @@
       <p:sp>
         <p:nvSpPr>
           <p:cNvPr id="46" name="Google Shape;46;p11"/>
-          <p:cNvSpPr txBox="1"/>
+          <p:cNvSpPr txBox="1">
+            <a:spLocks noGrp="1"/>
+          </p:cNvSpPr>
           <p:nvPr>
-            <p:ph idx="1" type="body"/>
+            <p:ph type="body" idx="1"/>
           </p:nvPr>
         </p:nvSpPr>
         <p:spPr>
@@ -2328,11 +2414,11 @@
           </a:prstGeom>
         </p:spPr>
         <p:txBody>
-          <a:bodyPr anchorCtr="0" anchor="t" bIns="91425" lIns="91425" spcFirstLastPara="1" rIns="91425" wrap="square" tIns="91425">
+          <a:bodyPr spcFirstLastPara="1" wrap="square" lIns="91425" tIns="91425" rIns="91425" bIns="91425" anchor="t" anchorCtr="0">
             <a:normAutofit/>
           </a:bodyPr>
           <a:lstStyle>
-            <a:lvl1pPr indent="-342900" lvl="0" marL="457200" algn="ctr">
+            <a:lvl1pPr marL="457200" lvl="0" indent="-342900" algn="ctr">
               <a:spcBef>
                 <a:spcPts val="0"/>
               </a:spcBef>
@@ -2343,7 +2429,7 @@
               <a:buChar char="●"/>
               <a:defRPr/>
             </a:lvl1pPr>
-            <a:lvl2pPr indent="-317500" lvl="1" marL="914400" algn="ctr">
+            <a:lvl2pPr marL="914400" lvl="1" indent="-317500" algn="ctr">
               <a:spcBef>
                 <a:spcPts val="0"/>
               </a:spcBef>
@@ -2354,7 +2440,7 @@
               <a:buChar char="○"/>
               <a:defRPr/>
             </a:lvl2pPr>
-            <a:lvl3pPr indent="-317500" lvl="2" marL="1371600" algn="ctr">
+            <a:lvl3pPr marL="1371600" lvl="2" indent="-317500" algn="ctr">
               <a:spcBef>
                 <a:spcPts val="0"/>
               </a:spcBef>
@@ -2365,7 +2451,7 @@
               <a:buChar char="■"/>
               <a:defRPr/>
             </a:lvl3pPr>
-            <a:lvl4pPr indent="-317500" lvl="3" marL="1828800" algn="ctr">
+            <a:lvl4pPr marL="1828800" lvl="3" indent="-317500" algn="ctr">
               <a:spcBef>
                 <a:spcPts val="0"/>
               </a:spcBef>
@@ -2376,7 +2462,7 @@
               <a:buChar char="●"/>
               <a:defRPr/>
             </a:lvl4pPr>
-            <a:lvl5pPr indent="-317500" lvl="4" marL="2286000" algn="ctr">
+            <a:lvl5pPr marL="2286000" lvl="4" indent="-317500" algn="ctr">
               <a:spcBef>
                 <a:spcPts val="0"/>
               </a:spcBef>
@@ -2387,7 +2473,7 @@
               <a:buChar char="○"/>
               <a:defRPr/>
             </a:lvl5pPr>
-            <a:lvl6pPr indent="-317500" lvl="5" marL="2743200" algn="ctr">
+            <a:lvl6pPr marL="2743200" lvl="5" indent="-317500" algn="ctr">
               <a:spcBef>
                 <a:spcPts val="0"/>
               </a:spcBef>
@@ -2398,7 +2484,7 @@
               <a:buChar char="■"/>
               <a:defRPr/>
             </a:lvl6pPr>
-            <a:lvl7pPr indent="-317500" lvl="6" marL="3200400" algn="ctr">
+            <a:lvl7pPr marL="3200400" lvl="6" indent="-317500" algn="ctr">
               <a:spcBef>
                 <a:spcPts val="0"/>
               </a:spcBef>
@@ -2409,7 +2495,7 @@
               <a:buChar char="●"/>
               <a:defRPr/>
             </a:lvl7pPr>
-            <a:lvl8pPr indent="-317500" lvl="7" marL="3657600" algn="ctr">
+            <a:lvl8pPr marL="3657600" lvl="7" indent="-317500" algn="ctr">
               <a:spcBef>
                 <a:spcPts val="0"/>
               </a:spcBef>
@@ -2420,7 +2506,7 @@
               <a:buChar char="○"/>
               <a:defRPr/>
             </a:lvl8pPr>
-            <a:lvl9pPr indent="-317500" lvl="8" marL="4114800" algn="ctr">
+            <a:lvl9pPr marL="4114800" lvl="8" indent="-317500" algn="ctr">
               <a:spcBef>
                 <a:spcPts val="0"/>
               </a:spcBef>
@@ -2432,15 +2518,19 @@
               <a:defRPr/>
             </a:lvl9pPr>
           </a:lstStyle>
-          <a:p/>
+          <a:p>
+            <a:endParaRPr/>
+          </a:p>
         </p:txBody>
       </p:sp>
       <p:sp>
         <p:nvSpPr>
           <p:cNvPr id="47" name="Google Shape;47;p11"/>
-          <p:cNvSpPr txBox="1"/>
+          <p:cNvSpPr txBox="1">
+            <a:spLocks noGrp="1"/>
+          </p:cNvSpPr>
           <p:nvPr>
-            <p:ph idx="12" type="sldNum"/>
+            <p:ph type="sldNum" idx="12"/>
           </p:nvPr>
         </p:nvSpPr>
         <p:spPr>
@@ -2453,7 +2543,7 @@
           </a:prstGeom>
         </p:spPr>
         <p:txBody>
-          <a:bodyPr anchorCtr="0" anchor="ctr" bIns="91425" lIns="91425" spcFirstLastPara="1" rIns="91425" wrap="square" tIns="91425">
+          <a:bodyPr spcFirstLastPara="1" wrap="square" lIns="91425" tIns="91425" rIns="91425" bIns="91425" anchor="ctr" anchorCtr="0">
             <a:normAutofit/>
           </a:bodyPr>
           <a:lstStyle>
@@ -2495,7 +2585,7 @@
             </a:lvl9pPr>
           </a:lstStyle>
           <a:p>
-            <a:pPr indent="0" lvl="0" marL="0" rtl="0" algn="r">
+            <a:pPr marL="0" lvl="0" indent="0" algn="r" rtl="0">
               <a:spcBef>
                 <a:spcPts val="0"/>
               </a:spcBef>
@@ -2521,11 +2611,11 @@
 </file>
 
 <file path=ppt/slideLayouts/slideLayout11.xml><?xml version="1.0" encoding="utf-8"?>
-<p:sldLayout xmlns:a="http://schemas.openxmlformats.org/drawingml/2006/main" xmlns:r="http://schemas.openxmlformats.org/officeDocument/2006/relationships" xmlns:mc="http://schemas.openxmlformats.org/markup-compatibility/2006" xmlns:mv="urn:schemas-microsoft-com:mac:vml" xmlns:p="http://schemas.openxmlformats.org/presentationml/2006/main" xmlns:c="http://schemas.openxmlformats.org/drawingml/2006/chart" xmlns:dgm="http://schemas.openxmlformats.org/drawingml/2006/diagram" xmlns:o="urn:schemas-microsoft-com:office:office" xmlns:v="urn:schemas-microsoft-com:vml" xmlns:pvml="urn:schemas-microsoft-com:office:powerpoint" xmlns:com="http://schemas.openxmlformats.org/drawingml/2006/compatibility" xmlns:p14="http://schemas.microsoft.com/office/powerpoint/2010/main" xmlns:p15="http://schemas.microsoft.com/office/powerpoint/2012/main" xmlns:ahyp="http://schemas.microsoft.com/office/drawing/2018/hyperlinkcolor" matchingName="Blank" type="blank">
+<p:sldLayout xmlns:a="http://schemas.openxmlformats.org/drawingml/2006/main" xmlns:r="http://schemas.openxmlformats.org/officeDocument/2006/relationships" xmlns:p="http://schemas.openxmlformats.org/presentationml/2006/main" matchingName="Blank" type="blank">
   <p:cSld name="BLANK">
     <p:spTree>
       <p:nvGrpSpPr>
-        <p:cNvPr id="48" name="Shape 48"/>
+        <p:cNvPr id="1" name="Shape 48"/>
         <p:cNvGrpSpPr/>
         <p:nvPr/>
       </p:nvGrpSpPr>
@@ -2540,9 +2630,11 @@
       <p:sp>
         <p:nvSpPr>
           <p:cNvPr id="49" name="Google Shape;49;p12"/>
-          <p:cNvSpPr txBox="1"/>
+          <p:cNvSpPr txBox="1">
+            <a:spLocks noGrp="1"/>
+          </p:cNvSpPr>
           <p:nvPr>
-            <p:ph idx="12" type="sldNum"/>
+            <p:ph type="sldNum" idx="12"/>
           </p:nvPr>
         </p:nvSpPr>
         <p:spPr>
@@ -2555,7 +2647,7 @@
           </a:prstGeom>
         </p:spPr>
         <p:txBody>
-          <a:bodyPr anchorCtr="0" anchor="ctr" bIns="91425" lIns="91425" spcFirstLastPara="1" rIns="91425" wrap="square" tIns="91425">
+          <a:bodyPr spcFirstLastPara="1" wrap="square" lIns="91425" tIns="91425" rIns="91425" bIns="91425" anchor="ctr" anchorCtr="0">
             <a:normAutofit/>
           </a:bodyPr>
           <a:lstStyle>
@@ -2597,7 +2689,7 @@
             </a:lvl9pPr>
           </a:lstStyle>
           <a:p>
-            <a:pPr indent="0" lvl="0" marL="0" rtl="0" algn="r">
+            <a:pPr marL="0" lvl="0" indent="0" algn="r" rtl="0">
               <a:spcBef>
                 <a:spcPts val="0"/>
               </a:spcBef>
@@ -2623,11 +2715,11 @@
 </file>
 
 <file path=ppt/slideLayouts/slideLayout2.xml><?xml version="1.0" encoding="utf-8"?>
-<p:sldLayout xmlns:a="http://schemas.openxmlformats.org/drawingml/2006/main" xmlns:r="http://schemas.openxmlformats.org/officeDocument/2006/relationships" xmlns:mc="http://schemas.openxmlformats.org/markup-compatibility/2006" xmlns:mv="urn:schemas-microsoft-com:mac:vml" xmlns:p="http://schemas.openxmlformats.org/presentationml/2006/main" xmlns:c="http://schemas.openxmlformats.org/drawingml/2006/chart" xmlns:dgm="http://schemas.openxmlformats.org/drawingml/2006/diagram" xmlns:o="urn:schemas-microsoft-com:office:office" xmlns:v="urn:schemas-microsoft-com:vml" xmlns:pvml="urn:schemas-microsoft-com:office:powerpoint" xmlns:com="http://schemas.openxmlformats.org/drawingml/2006/compatibility" xmlns:p14="http://schemas.microsoft.com/office/powerpoint/2010/main" xmlns:p15="http://schemas.microsoft.com/office/powerpoint/2012/main" xmlns:ahyp="http://schemas.microsoft.com/office/drawing/2018/hyperlinkcolor" matchingName="Section header" type="secHead">
+<p:sldLayout xmlns:a="http://schemas.openxmlformats.org/drawingml/2006/main" xmlns:r="http://schemas.openxmlformats.org/officeDocument/2006/relationships" xmlns:p="http://schemas.openxmlformats.org/presentationml/2006/main" matchingName="Section header" type="secHead">
   <p:cSld name="SECTION_HEADER">
     <p:spTree>
       <p:nvGrpSpPr>
-        <p:cNvPr id="13" name="Shape 13"/>
+        <p:cNvPr id="1" name="Shape 13"/>
         <p:cNvGrpSpPr/>
         <p:nvPr/>
       </p:nvGrpSpPr>
@@ -2642,7 +2734,9 @@
       <p:sp>
         <p:nvSpPr>
           <p:cNvPr id="14" name="Google Shape;14;p3"/>
-          <p:cNvSpPr txBox="1"/>
+          <p:cNvSpPr txBox="1">
+            <a:spLocks noGrp="1"/>
+          </p:cNvSpPr>
           <p:nvPr>
             <p:ph type="title"/>
           </p:nvPr>
@@ -2657,7 +2751,7 @@
           </a:prstGeom>
         </p:spPr>
         <p:txBody>
-          <a:bodyPr anchorCtr="0" anchor="ctr" bIns="91425" lIns="91425" spcFirstLastPara="1" rIns="91425" wrap="square" tIns="91425">
+          <a:bodyPr spcFirstLastPara="1" wrap="square" lIns="91425" tIns="91425" rIns="91425" bIns="91425" anchor="ctr" anchorCtr="0">
             <a:normAutofit/>
           </a:bodyPr>
           <a:lstStyle>
@@ -2761,15 +2855,19 @@
               <a:defRPr sz="3600"/>
             </a:lvl9pPr>
           </a:lstStyle>
-          <a:p/>
+          <a:p>
+            <a:endParaRPr/>
+          </a:p>
         </p:txBody>
       </p:sp>
       <p:sp>
         <p:nvSpPr>
           <p:cNvPr id="15" name="Google Shape;15;p3"/>
-          <p:cNvSpPr txBox="1"/>
+          <p:cNvSpPr txBox="1">
+            <a:spLocks noGrp="1"/>
+          </p:cNvSpPr>
           <p:nvPr>
-            <p:ph idx="12" type="sldNum"/>
+            <p:ph type="sldNum" idx="12"/>
           </p:nvPr>
         </p:nvSpPr>
         <p:spPr>
@@ -2782,7 +2880,7 @@
           </a:prstGeom>
         </p:spPr>
         <p:txBody>
-          <a:bodyPr anchorCtr="0" anchor="ctr" bIns="91425" lIns="91425" spcFirstLastPara="1" rIns="91425" wrap="square" tIns="91425">
+          <a:bodyPr spcFirstLastPara="1" wrap="square" lIns="91425" tIns="91425" rIns="91425" bIns="91425" anchor="ctr" anchorCtr="0">
             <a:normAutofit/>
           </a:bodyPr>
           <a:lstStyle>
@@ -2824,7 +2922,7 @@
             </a:lvl9pPr>
           </a:lstStyle>
           <a:p>
-            <a:pPr indent="0" lvl="0" marL="0" rtl="0" algn="r">
+            <a:pPr marL="0" lvl="0" indent="0" algn="r" rtl="0">
               <a:spcBef>
                 <a:spcPts val="0"/>
               </a:spcBef>
@@ -2850,11 +2948,11 @@
 </file>
 
 <file path=ppt/slideLayouts/slideLayout3.xml><?xml version="1.0" encoding="utf-8"?>
-<p:sldLayout xmlns:a="http://schemas.openxmlformats.org/drawingml/2006/main" xmlns:r="http://schemas.openxmlformats.org/officeDocument/2006/relationships" xmlns:mc="http://schemas.openxmlformats.org/markup-compatibility/2006" xmlns:mv="urn:schemas-microsoft-com:mac:vml" xmlns:p="http://schemas.openxmlformats.org/presentationml/2006/main" xmlns:c="http://schemas.openxmlformats.org/drawingml/2006/chart" xmlns:dgm="http://schemas.openxmlformats.org/drawingml/2006/diagram" xmlns:o="urn:schemas-microsoft-com:office:office" xmlns:v="urn:schemas-microsoft-com:vml" xmlns:pvml="urn:schemas-microsoft-com:office:powerpoint" xmlns:com="http://schemas.openxmlformats.org/drawingml/2006/compatibility" xmlns:p14="http://schemas.microsoft.com/office/powerpoint/2010/main" xmlns:p15="http://schemas.microsoft.com/office/powerpoint/2012/main" xmlns:ahyp="http://schemas.microsoft.com/office/drawing/2018/hyperlinkcolor" matchingName="Title and body" type="tx">
+<p:sldLayout xmlns:a="http://schemas.openxmlformats.org/drawingml/2006/main" xmlns:r="http://schemas.openxmlformats.org/officeDocument/2006/relationships" xmlns:p="http://schemas.openxmlformats.org/presentationml/2006/main" matchingName="Title and body" type="tx">
   <p:cSld name="TITLE_AND_BODY">
     <p:spTree>
       <p:nvGrpSpPr>
-        <p:cNvPr id="16" name="Shape 16"/>
+        <p:cNvPr id="1" name="Shape 16"/>
         <p:cNvGrpSpPr/>
         <p:nvPr/>
       </p:nvGrpSpPr>
@@ -2869,7 +2967,9 @@
       <p:sp>
         <p:nvSpPr>
           <p:cNvPr id="17" name="Google Shape;17;p4"/>
-          <p:cNvSpPr txBox="1"/>
+          <p:cNvSpPr txBox="1">
+            <a:spLocks noGrp="1"/>
+          </p:cNvSpPr>
           <p:nvPr>
             <p:ph type="title"/>
           </p:nvPr>
@@ -2884,7 +2984,7 @@
           </a:prstGeom>
         </p:spPr>
         <p:txBody>
-          <a:bodyPr anchorCtr="0" anchor="t" bIns="91425" lIns="91425" spcFirstLastPara="1" rIns="91425" wrap="square" tIns="91425">
+          <a:bodyPr spcFirstLastPara="1" wrap="square" lIns="91425" tIns="91425" rIns="91425" bIns="91425" anchor="t" anchorCtr="0">
             <a:normAutofit/>
           </a:bodyPr>
           <a:lstStyle>
@@ -2988,15 +3088,19 @@
               <a:defRPr/>
             </a:lvl9pPr>
           </a:lstStyle>
-          <a:p/>
+          <a:p>
+            <a:endParaRPr/>
+          </a:p>
         </p:txBody>
       </p:sp>
       <p:sp>
         <p:nvSpPr>
           <p:cNvPr id="18" name="Google Shape;18;p4"/>
-          <p:cNvSpPr txBox="1"/>
+          <p:cNvSpPr txBox="1">
+            <a:spLocks noGrp="1"/>
+          </p:cNvSpPr>
           <p:nvPr>
-            <p:ph idx="1" type="body"/>
+            <p:ph type="body" idx="1"/>
           </p:nvPr>
         </p:nvSpPr>
         <p:spPr>
@@ -3009,11 +3113,11 @@
           </a:prstGeom>
         </p:spPr>
         <p:txBody>
-          <a:bodyPr anchorCtr="0" anchor="t" bIns="91425" lIns="91425" spcFirstLastPara="1" rIns="91425" wrap="square" tIns="91425">
+          <a:bodyPr spcFirstLastPara="1" wrap="square" lIns="91425" tIns="91425" rIns="91425" bIns="91425" anchor="t" anchorCtr="0">
             <a:normAutofit/>
           </a:bodyPr>
           <a:lstStyle>
-            <a:lvl1pPr indent="-342900" lvl="0" marL="457200">
+            <a:lvl1pPr marL="457200" lvl="0" indent="-342900">
               <a:spcBef>
                 <a:spcPts val="0"/>
               </a:spcBef>
@@ -3024,7 +3128,7 @@
               <a:buChar char="●"/>
               <a:defRPr/>
             </a:lvl1pPr>
-            <a:lvl2pPr indent="-317500" lvl="1" marL="914400">
+            <a:lvl2pPr marL="914400" lvl="1" indent="-317500">
               <a:spcBef>
                 <a:spcPts val="0"/>
               </a:spcBef>
@@ -3035,7 +3139,7 @@
               <a:buChar char="○"/>
               <a:defRPr/>
             </a:lvl2pPr>
-            <a:lvl3pPr indent="-317500" lvl="2" marL="1371600">
+            <a:lvl3pPr marL="1371600" lvl="2" indent="-317500">
               <a:spcBef>
                 <a:spcPts val="0"/>
               </a:spcBef>
@@ -3046,7 +3150,7 @@
               <a:buChar char="■"/>
               <a:defRPr/>
             </a:lvl3pPr>
-            <a:lvl4pPr indent="-317500" lvl="3" marL="1828800">
+            <a:lvl4pPr marL="1828800" lvl="3" indent="-317500">
               <a:spcBef>
                 <a:spcPts val="0"/>
               </a:spcBef>
@@ -3057,7 +3161,7 @@
               <a:buChar char="●"/>
               <a:defRPr/>
             </a:lvl4pPr>
-            <a:lvl5pPr indent="-317500" lvl="4" marL="2286000">
+            <a:lvl5pPr marL="2286000" lvl="4" indent="-317500">
               <a:spcBef>
                 <a:spcPts val="0"/>
               </a:spcBef>
@@ -3068,7 +3172,7 @@
               <a:buChar char="○"/>
               <a:defRPr/>
             </a:lvl5pPr>
-            <a:lvl6pPr indent="-317500" lvl="5" marL="2743200">
+            <a:lvl6pPr marL="2743200" lvl="5" indent="-317500">
               <a:spcBef>
                 <a:spcPts val="0"/>
               </a:spcBef>
@@ -3079,7 +3183,7 @@
               <a:buChar char="■"/>
               <a:defRPr/>
             </a:lvl6pPr>
-            <a:lvl7pPr indent="-317500" lvl="6" marL="3200400">
+            <a:lvl7pPr marL="3200400" lvl="6" indent="-317500">
               <a:spcBef>
                 <a:spcPts val="0"/>
               </a:spcBef>
@@ -3090,7 +3194,7 @@
               <a:buChar char="●"/>
               <a:defRPr/>
             </a:lvl7pPr>
-            <a:lvl8pPr indent="-317500" lvl="7" marL="3657600">
+            <a:lvl8pPr marL="3657600" lvl="7" indent="-317500">
               <a:spcBef>
                 <a:spcPts val="0"/>
               </a:spcBef>
@@ -3101,7 +3205,7 @@
               <a:buChar char="○"/>
               <a:defRPr/>
             </a:lvl8pPr>
-            <a:lvl9pPr indent="-317500" lvl="8" marL="4114800">
+            <a:lvl9pPr marL="4114800" lvl="8" indent="-317500">
               <a:spcBef>
                 <a:spcPts val="0"/>
               </a:spcBef>
@@ -3113,15 +3217,19 @@
               <a:defRPr/>
             </a:lvl9pPr>
           </a:lstStyle>
-          <a:p/>
+          <a:p>
+            <a:endParaRPr/>
+          </a:p>
         </p:txBody>
       </p:sp>
       <p:sp>
         <p:nvSpPr>
           <p:cNvPr id="19" name="Google Shape;19;p4"/>
-          <p:cNvSpPr txBox="1"/>
+          <p:cNvSpPr txBox="1">
+            <a:spLocks noGrp="1"/>
+          </p:cNvSpPr>
           <p:nvPr>
-            <p:ph idx="12" type="sldNum"/>
+            <p:ph type="sldNum" idx="12"/>
           </p:nvPr>
         </p:nvSpPr>
         <p:spPr>
@@ -3134,7 +3242,7 @@
           </a:prstGeom>
         </p:spPr>
         <p:txBody>
-          <a:bodyPr anchorCtr="0" anchor="ctr" bIns="91425" lIns="91425" spcFirstLastPara="1" rIns="91425" wrap="square" tIns="91425">
+          <a:bodyPr spcFirstLastPara="1" wrap="square" lIns="91425" tIns="91425" rIns="91425" bIns="91425" anchor="ctr" anchorCtr="0">
             <a:normAutofit/>
           </a:bodyPr>
           <a:lstStyle>
@@ -3176,7 +3284,7 @@
             </a:lvl9pPr>
           </a:lstStyle>
           <a:p>
-            <a:pPr indent="0" lvl="0" marL="0" rtl="0" algn="r">
+            <a:pPr marL="0" lvl="0" indent="0" algn="r" rtl="0">
               <a:spcBef>
                 <a:spcPts val="0"/>
               </a:spcBef>
@@ -3202,11 +3310,11 @@
 </file>
 
 <file path=ppt/slideLayouts/slideLayout4.xml><?xml version="1.0" encoding="utf-8"?>
-<p:sldLayout xmlns:a="http://schemas.openxmlformats.org/drawingml/2006/main" xmlns:r="http://schemas.openxmlformats.org/officeDocument/2006/relationships" xmlns:mc="http://schemas.openxmlformats.org/markup-compatibility/2006" xmlns:mv="urn:schemas-microsoft-com:mac:vml" xmlns:p="http://schemas.openxmlformats.org/presentationml/2006/main" xmlns:c="http://schemas.openxmlformats.org/drawingml/2006/chart" xmlns:dgm="http://schemas.openxmlformats.org/drawingml/2006/diagram" xmlns:o="urn:schemas-microsoft-com:office:office" xmlns:v="urn:schemas-microsoft-com:vml" xmlns:pvml="urn:schemas-microsoft-com:office:powerpoint" xmlns:com="http://schemas.openxmlformats.org/drawingml/2006/compatibility" xmlns:p14="http://schemas.microsoft.com/office/powerpoint/2010/main" xmlns:p15="http://schemas.microsoft.com/office/powerpoint/2012/main" xmlns:ahyp="http://schemas.microsoft.com/office/drawing/2018/hyperlinkcolor" matchingName="Title and two columns" type="twoColTx">
+<p:sldLayout xmlns:a="http://schemas.openxmlformats.org/drawingml/2006/main" xmlns:r="http://schemas.openxmlformats.org/officeDocument/2006/relationships" xmlns:p="http://schemas.openxmlformats.org/presentationml/2006/main" matchingName="Title and two columns" type="twoColTx">
   <p:cSld name="TITLE_AND_TWO_COLUMNS">
     <p:spTree>
       <p:nvGrpSpPr>
-        <p:cNvPr id="20" name="Shape 20"/>
+        <p:cNvPr id="1" name="Shape 20"/>
         <p:cNvGrpSpPr/>
         <p:nvPr/>
       </p:nvGrpSpPr>
@@ -3221,7 +3329,9 @@
       <p:sp>
         <p:nvSpPr>
           <p:cNvPr id="21" name="Google Shape;21;p5"/>
-          <p:cNvSpPr txBox="1"/>
+          <p:cNvSpPr txBox="1">
+            <a:spLocks noGrp="1"/>
+          </p:cNvSpPr>
           <p:nvPr>
             <p:ph type="title"/>
           </p:nvPr>
@@ -3236,7 +3346,7 @@
           </a:prstGeom>
         </p:spPr>
         <p:txBody>
-          <a:bodyPr anchorCtr="0" anchor="t" bIns="91425" lIns="91425" spcFirstLastPara="1" rIns="91425" wrap="square" tIns="91425">
+          <a:bodyPr spcFirstLastPara="1" wrap="square" lIns="91425" tIns="91425" rIns="91425" bIns="91425" anchor="t" anchorCtr="0">
             <a:normAutofit/>
           </a:bodyPr>
           <a:lstStyle>
@@ -3340,15 +3450,19 @@
               <a:defRPr/>
             </a:lvl9pPr>
           </a:lstStyle>
-          <a:p/>
+          <a:p>
+            <a:endParaRPr/>
+          </a:p>
         </p:txBody>
       </p:sp>
       <p:sp>
         <p:nvSpPr>
           <p:cNvPr id="22" name="Google Shape;22;p5"/>
-          <p:cNvSpPr txBox="1"/>
+          <p:cNvSpPr txBox="1">
+            <a:spLocks noGrp="1"/>
+          </p:cNvSpPr>
           <p:nvPr>
-            <p:ph idx="1" type="body"/>
+            <p:ph type="body" idx="1"/>
           </p:nvPr>
         </p:nvSpPr>
         <p:spPr>
@@ -3361,11 +3475,11 @@
           </a:prstGeom>
         </p:spPr>
         <p:txBody>
-          <a:bodyPr anchorCtr="0" anchor="t" bIns="91425" lIns="91425" spcFirstLastPara="1" rIns="91425" wrap="square" tIns="91425">
+          <a:bodyPr spcFirstLastPara="1" wrap="square" lIns="91425" tIns="91425" rIns="91425" bIns="91425" anchor="t" anchorCtr="0">
             <a:normAutofit/>
           </a:bodyPr>
           <a:lstStyle>
-            <a:lvl1pPr indent="-317500" lvl="0" marL="457200">
+            <a:lvl1pPr marL="457200" lvl="0" indent="-317500">
               <a:spcBef>
                 <a:spcPts val="0"/>
               </a:spcBef>
@@ -3376,7 +3490,7 @@
               <a:buChar char="●"/>
               <a:defRPr sz="1400"/>
             </a:lvl1pPr>
-            <a:lvl2pPr indent="-304800" lvl="1" marL="914400">
+            <a:lvl2pPr marL="914400" lvl="1" indent="-304800">
               <a:spcBef>
                 <a:spcPts val="0"/>
               </a:spcBef>
@@ -3387,7 +3501,7 @@
               <a:buChar char="○"/>
               <a:defRPr sz="1200"/>
             </a:lvl2pPr>
-            <a:lvl3pPr indent="-304800" lvl="2" marL="1371600">
+            <a:lvl3pPr marL="1371600" lvl="2" indent="-304800">
               <a:spcBef>
                 <a:spcPts val="0"/>
               </a:spcBef>
@@ -3398,7 +3512,7 @@
               <a:buChar char="■"/>
               <a:defRPr sz="1200"/>
             </a:lvl3pPr>
-            <a:lvl4pPr indent="-304800" lvl="3" marL="1828800">
+            <a:lvl4pPr marL="1828800" lvl="3" indent="-304800">
               <a:spcBef>
                 <a:spcPts val="0"/>
               </a:spcBef>
@@ -3409,7 +3523,7 @@
               <a:buChar char="●"/>
               <a:defRPr sz="1200"/>
             </a:lvl4pPr>
-            <a:lvl5pPr indent="-304800" lvl="4" marL="2286000">
+            <a:lvl5pPr marL="2286000" lvl="4" indent="-304800">
               <a:spcBef>
                 <a:spcPts val="0"/>
               </a:spcBef>
@@ -3420,7 +3534,7 @@
               <a:buChar char="○"/>
               <a:defRPr sz="1200"/>
             </a:lvl5pPr>
-            <a:lvl6pPr indent="-304800" lvl="5" marL="2743200">
+            <a:lvl6pPr marL="2743200" lvl="5" indent="-304800">
               <a:spcBef>
                 <a:spcPts val="0"/>
               </a:spcBef>
@@ -3431,7 +3545,7 @@
               <a:buChar char="■"/>
               <a:defRPr sz="1200"/>
             </a:lvl6pPr>
-            <a:lvl7pPr indent="-304800" lvl="6" marL="3200400">
+            <a:lvl7pPr marL="3200400" lvl="6" indent="-304800">
               <a:spcBef>
                 <a:spcPts val="0"/>
               </a:spcBef>
@@ -3442,7 +3556,7 @@
               <a:buChar char="●"/>
               <a:defRPr sz="1200"/>
             </a:lvl7pPr>
-            <a:lvl8pPr indent="-304800" lvl="7" marL="3657600">
+            <a:lvl8pPr marL="3657600" lvl="7" indent="-304800">
               <a:spcBef>
                 <a:spcPts val="0"/>
               </a:spcBef>
@@ -3453,7 +3567,7 @@
               <a:buChar char="○"/>
               <a:defRPr sz="1200"/>
             </a:lvl8pPr>
-            <a:lvl9pPr indent="-304800" lvl="8" marL="4114800">
+            <a:lvl9pPr marL="4114800" lvl="8" indent="-304800">
               <a:spcBef>
                 <a:spcPts val="0"/>
               </a:spcBef>
@@ -3465,15 +3579,19 @@
               <a:defRPr sz="1200"/>
             </a:lvl9pPr>
           </a:lstStyle>
-          <a:p/>
+          <a:p>
+            <a:endParaRPr/>
+          </a:p>
         </p:txBody>
       </p:sp>
       <p:sp>
         <p:nvSpPr>
           <p:cNvPr id="23" name="Google Shape;23;p5"/>
-          <p:cNvSpPr txBox="1"/>
+          <p:cNvSpPr txBox="1">
+            <a:spLocks noGrp="1"/>
+          </p:cNvSpPr>
           <p:nvPr>
-            <p:ph idx="2" type="body"/>
+            <p:ph type="body" idx="2"/>
           </p:nvPr>
         </p:nvSpPr>
         <p:spPr>
@@ -3486,11 +3604,11 @@
           </a:prstGeom>
         </p:spPr>
         <p:txBody>
-          <a:bodyPr anchorCtr="0" anchor="t" bIns="91425" lIns="91425" spcFirstLastPara="1" rIns="91425" wrap="square" tIns="91425">
+          <a:bodyPr spcFirstLastPara="1" wrap="square" lIns="91425" tIns="91425" rIns="91425" bIns="91425" anchor="t" anchorCtr="0">
             <a:normAutofit/>
           </a:bodyPr>
           <a:lstStyle>
-            <a:lvl1pPr indent="-317500" lvl="0" marL="457200">
+            <a:lvl1pPr marL="457200" lvl="0" indent="-317500">
               <a:spcBef>
                 <a:spcPts val="0"/>
               </a:spcBef>
@@ -3501,7 +3619,7 @@
               <a:buChar char="●"/>
               <a:defRPr sz="1400"/>
             </a:lvl1pPr>
-            <a:lvl2pPr indent="-304800" lvl="1" marL="914400">
+            <a:lvl2pPr marL="914400" lvl="1" indent="-304800">
               <a:spcBef>
                 <a:spcPts val="0"/>
               </a:spcBef>
@@ -3512,7 +3630,7 @@
               <a:buChar char="○"/>
               <a:defRPr sz="1200"/>
             </a:lvl2pPr>
-            <a:lvl3pPr indent="-304800" lvl="2" marL="1371600">
+            <a:lvl3pPr marL="1371600" lvl="2" indent="-304800">
               <a:spcBef>
                 <a:spcPts val="0"/>
               </a:spcBef>
@@ -3523,7 +3641,7 @@
               <a:buChar char="■"/>
               <a:defRPr sz="1200"/>
             </a:lvl3pPr>
-            <a:lvl4pPr indent="-304800" lvl="3" marL="1828800">
+            <a:lvl4pPr marL="1828800" lvl="3" indent="-304800">
               <a:spcBef>
                 <a:spcPts val="0"/>
               </a:spcBef>
@@ -3534,7 +3652,7 @@
               <a:buChar char="●"/>
               <a:defRPr sz="1200"/>
             </a:lvl4pPr>
-            <a:lvl5pPr indent="-304800" lvl="4" marL="2286000">
+            <a:lvl5pPr marL="2286000" lvl="4" indent="-304800">
               <a:spcBef>
                 <a:spcPts val="0"/>
               </a:spcBef>
@@ -3545,7 +3663,7 @@
               <a:buChar char="○"/>
               <a:defRPr sz="1200"/>
             </a:lvl5pPr>
-            <a:lvl6pPr indent="-304800" lvl="5" marL="2743200">
+            <a:lvl6pPr marL="2743200" lvl="5" indent="-304800">
               <a:spcBef>
                 <a:spcPts val="0"/>
               </a:spcBef>
@@ -3556,7 +3674,7 @@
               <a:buChar char="■"/>
               <a:defRPr sz="1200"/>
             </a:lvl6pPr>
-            <a:lvl7pPr indent="-304800" lvl="6" marL="3200400">
+            <a:lvl7pPr marL="3200400" lvl="6" indent="-304800">
               <a:spcBef>
                 <a:spcPts val="0"/>
               </a:spcBef>
@@ -3567,7 +3685,7 @@
               <a:buChar char="●"/>
               <a:defRPr sz="1200"/>
             </a:lvl7pPr>
-            <a:lvl8pPr indent="-304800" lvl="7" marL="3657600">
+            <a:lvl8pPr marL="3657600" lvl="7" indent="-304800">
               <a:spcBef>
                 <a:spcPts val="0"/>
               </a:spcBef>
@@ -3578,7 +3696,7 @@
               <a:buChar char="○"/>
               <a:defRPr sz="1200"/>
             </a:lvl8pPr>
-            <a:lvl9pPr indent="-304800" lvl="8" marL="4114800">
+            <a:lvl9pPr marL="4114800" lvl="8" indent="-304800">
               <a:spcBef>
                 <a:spcPts val="0"/>
               </a:spcBef>
@@ -3590,15 +3708,19 @@
               <a:defRPr sz="1200"/>
             </a:lvl9pPr>
           </a:lstStyle>
-          <a:p/>
+          <a:p>
+            <a:endParaRPr/>
+          </a:p>
         </p:txBody>
       </p:sp>
       <p:sp>
         <p:nvSpPr>
           <p:cNvPr id="24" name="Google Shape;24;p5"/>
-          <p:cNvSpPr txBox="1"/>
+          <p:cNvSpPr txBox="1">
+            <a:spLocks noGrp="1"/>
+          </p:cNvSpPr>
           <p:nvPr>
-            <p:ph idx="12" type="sldNum"/>
+            <p:ph type="sldNum" idx="12"/>
           </p:nvPr>
         </p:nvSpPr>
         <p:spPr>
@@ -3611,7 +3733,7 @@
           </a:prstGeom>
         </p:spPr>
         <p:txBody>
-          <a:bodyPr anchorCtr="0" anchor="ctr" bIns="91425" lIns="91425" spcFirstLastPara="1" rIns="91425" wrap="square" tIns="91425">
+          <a:bodyPr spcFirstLastPara="1" wrap="square" lIns="91425" tIns="91425" rIns="91425" bIns="91425" anchor="ctr" anchorCtr="0">
             <a:normAutofit/>
           </a:bodyPr>
           <a:lstStyle>
@@ -3653,7 +3775,7 @@
             </a:lvl9pPr>
           </a:lstStyle>
           <a:p>
-            <a:pPr indent="0" lvl="0" marL="0" rtl="0" algn="r">
+            <a:pPr marL="0" lvl="0" indent="0" algn="r" rtl="0">
               <a:spcBef>
                 <a:spcPts val="0"/>
               </a:spcBef>
@@ -3679,11 +3801,11 @@
 </file>
 
 <file path=ppt/slideLayouts/slideLayout5.xml><?xml version="1.0" encoding="utf-8"?>
-<p:sldLayout xmlns:a="http://schemas.openxmlformats.org/drawingml/2006/main" xmlns:r="http://schemas.openxmlformats.org/officeDocument/2006/relationships" xmlns:mc="http://schemas.openxmlformats.org/markup-compatibility/2006" xmlns:mv="urn:schemas-microsoft-com:mac:vml" xmlns:p="http://schemas.openxmlformats.org/presentationml/2006/main" xmlns:c="http://schemas.openxmlformats.org/drawingml/2006/chart" xmlns:dgm="http://schemas.openxmlformats.org/drawingml/2006/diagram" xmlns:o="urn:schemas-microsoft-com:office:office" xmlns:v="urn:schemas-microsoft-com:vml" xmlns:pvml="urn:schemas-microsoft-com:office:powerpoint" xmlns:com="http://schemas.openxmlformats.org/drawingml/2006/compatibility" xmlns:p14="http://schemas.microsoft.com/office/powerpoint/2010/main" xmlns:p15="http://schemas.microsoft.com/office/powerpoint/2012/main" xmlns:ahyp="http://schemas.microsoft.com/office/drawing/2018/hyperlinkcolor" matchingName="Title only" type="titleOnly">
+<p:sldLayout xmlns:a="http://schemas.openxmlformats.org/drawingml/2006/main" xmlns:r="http://schemas.openxmlformats.org/officeDocument/2006/relationships" xmlns:p="http://schemas.openxmlformats.org/presentationml/2006/main" matchingName="Title only" type="titleOnly">
   <p:cSld name="TITLE_ONLY">
     <p:spTree>
       <p:nvGrpSpPr>
-        <p:cNvPr id="25" name="Shape 25"/>
+        <p:cNvPr id="1" name="Shape 25"/>
         <p:cNvGrpSpPr/>
         <p:nvPr/>
       </p:nvGrpSpPr>
@@ -3698,7 +3820,9 @@
       <p:sp>
         <p:nvSpPr>
           <p:cNvPr id="26" name="Google Shape;26;p6"/>
-          <p:cNvSpPr txBox="1"/>
+          <p:cNvSpPr txBox="1">
+            <a:spLocks noGrp="1"/>
+          </p:cNvSpPr>
           <p:nvPr>
             <p:ph type="title"/>
           </p:nvPr>
@@ -3713,7 +3837,7 @@
           </a:prstGeom>
         </p:spPr>
         <p:txBody>
-          <a:bodyPr anchorCtr="0" anchor="t" bIns="91425" lIns="91425" spcFirstLastPara="1" rIns="91425" wrap="square" tIns="91425">
+          <a:bodyPr spcFirstLastPara="1" wrap="square" lIns="91425" tIns="91425" rIns="91425" bIns="91425" anchor="t" anchorCtr="0">
             <a:normAutofit/>
           </a:bodyPr>
           <a:lstStyle>
@@ -3817,15 +3941,19 @@
               <a:defRPr/>
             </a:lvl9pPr>
           </a:lstStyle>
-          <a:p/>
+          <a:p>
+            <a:endParaRPr/>
+          </a:p>
         </p:txBody>
       </p:sp>
       <p:sp>
         <p:nvSpPr>
           <p:cNvPr id="27" name="Google Shape;27;p6"/>
-          <p:cNvSpPr txBox="1"/>
+          <p:cNvSpPr txBox="1">
+            <a:spLocks noGrp="1"/>
+          </p:cNvSpPr>
           <p:nvPr>
-            <p:ph idx="12" type="sldNum"/>
+            <p:ph type="sldNum" idx="12"/>
           </p:nvPr>
         </p:nvSpPr>
         <p:spPr>
@@ -3838,7 +3966,7 @@
           </a:prstGeom>
         </p:spPr>
         <p:txBody>
-          <a:bodyPr anchorCtr="0" anchor="ctr" bIns="91425" lIns="91425" spcFirstLastPara="1" rIns="91425" wrap="square" tIns="91425">
+          <a:bodyPr spcFirstLastPara="1" wrap="square" lIns="91425" tIns="91425" rIns="91425" bIns="91425" anchor="ctr" anchorCtr="0">
             <a:normAutofit/>
           </a:bodyPr>
           <a:lstStyle>
@@ -3880,7 +4008,7 @@
             </a:lvl9pPr>
           </a:lstStyle>
           <a:p>
-            <a:pPr indent="0" lvl="0" marL="0" rtl="0" algn="r">
+            <a:pPr marL="0" lvl="0" indent="0" algn="r" rtl="0">
               <a:spcBef>
                 <a:spcPts val="0"/>
               </a:spcBef>
@@ -3906,11 +4034,11 @@
 </file>
 
 <file path=ppt/slideLayouts/slideLayout6.xml><?xml version="1.0" encoding="utf-8"?>
-<p:sldLayout xmlns:a="http://schemas.openxmlformats.org/drawingml/2006/main" xmlns:r="http://schemas.openxmlformats.org/officeDocument/2006/relationships" xmlns:mc="http://schemas.openxmlformats.org/markup-compatibility/2006" xmlns:mv="urn:schemas-microsoft-com:mac:vml" xmlns:p="http://schemas.openxmlformats.org/presentationml/2006/main" xmlns:c="http://schemas.openxmlformats.org/drawingml/2006/chart" xmlns:dgm="http://schemas.openxmlformats.org/drawingml/2006/diagram" xmlns:o="urn:schemas-microsoft-com:office:office" xmlns:v="urn:schemas-microsoft-com:vml" xmlns:pvml="urn:schemas-microsoft-com:office:powerpoint" xmlns:com="http://schemas.openxmlformats.org/drawingml/2006/compatibility" xmlns:p14="http://schemas.microsoft.com/office/powerpoint/2010/main" xmlns:p15="http://schemas.microsoft.com/office/powerpoint/2012/main" xmlns:ahyp="http://schemas.microsoft.com/office/drawing/2018/hyperlinkcolor" matchingName="One column text">
+<p:sldLayout xmlns:a="http://schemas.openxmlformats.org/drawingml/2006/main" xmlns:r="http://schemas.openxmlformats.org/officeDocument/2006/relationships" xmlns:p="http://schemas.openxmlformats.org/presentationml/2006/main" matchingName="One column text">
   <p:cSld name="ONE_COLUMN_TEXT">
     <p:spTree>
       <p:nvGrpSpPr>
-        <p:cNvPr id="28" name="Shape 28"/>
+        <p:cNvPr id="1" name="Shape 28"/>
         <p:cNvGrpSpPr/>
         <p:nvPr/>
       </p:nvGrpSpPr>
@@ -3925,7 +4053,9 @@
       <p:sp>
         <p:nvSpPr>
           <p:cNvPr id="29" name="Google Shape;29;p7"/>
-          <p:cNvSpPr txBox="1"/>
+          <p:cNvSpPr txBox="1">
+            <a:spLocks noGrp="1"/>
+          </p:cNvSpPr>
           <p:nvPr>
             <p:ph type="title"/>
           </p:nvPr>
@@ -3940,7 +4070,7 @@
           </a:prstGeom>
         </p:spPr>
         <p:txBody>
-          <a:bodyPr anchorCtr="0" anchor="b" bIns="91425" lIns="91425" spcFirstLastPara="1" rIns="91425" wrap="square" tIns="91425">
+          <a:bodyPr spcFirstLastPara="1" wrap="square" lIns="91425" tIns="91425" rIns="91425" bIns="91425" anchor="b" anchorCtr="0">
             <a:normAutofit/>
           </a:bodyPr>
           <a:lstStyle>
@@ -4044,15 +4174,19 @@
               <a:defRPr sz="2400"/>
             </a:lvl9pPr>
           </a:lstStyle>
-          <a:p/>
+          <a:p>
+            <a:endParaRPr/>
+          </a:p>
         </p:txBody>
       </p:sp>
       <p:sp>
         <p:nvSpPr>
           <p:cNvPr id="30" name="Google Shape;30;p7"/>
-          <p:cNvSpPr txBox="1"/>
+          <p:cNvSpPr txBox="1">
+            <a:spLocks noGrp="1"/>
+          </p:cNvSpPr>
           <p:nvPr>
-            <p:ph idx="1" type="body"/>
+            <p:ph type="body" idx="1"/>
           </p:nvPr>
         </p:nvSpPr>
         <p:spPr>
@@ -4065,11 +4199,11 @@
           </a:prstGeom>
         </p:spPr>
         <p:txBody>
-          <a:bodyPr anchorCtr="0" anchor="t" bIns="91425" lIns="91425" spcFirstLastPara="1" rIns="91425" wrap="square" tIns="91425">
+          <a:bodyPr spcFirstLastPara="1" wrap="square" lIns="91425" tIns="91425" rIns="91425" bIns="91425" anchor="t" anchorCtr="0">
             <a:normAutofit/>
           </a:bodyPr>
           <a:lstStyle>
-            <a:lvl1pPr indent="-304800" lvl="0" marL="457200">
+            <a:lvl1pPr marL="457200" lvl="0" indent="-304800">
               <a:spcBef>
                 <a:spcPts val="0"/>
               </a:spcBef>
@@ -4080,7 +4214,7 @@
               <a:buChar char="●"/>
               <a:defRPr sz="1200"/>
             </a:lvl1pPr>
-            <a:lvl2pPr indent="-304800" lvl="1" marL="914400">
+            <a:lvl2pPr marL="914400" lvl="1" indent="-304800">
               <a:spcBef>
                 <a:spcPts val="0"/>
               </a:spcBef>
@@ -4091,7 +4225,7 @@
               <a:buChar char="○"/>
               <a:defRPr sz="1200"/>
             </a:lvl2pPr>
-            <a:lvl3pPr indent="-304800" lvl="2" marL="1371600">
+            <a:lvl3pPr marL="1371600" lvl="2" indent="-304800">
               <a:spcBef>
                 <a:spcPts val="0"/>
               </a:spcBef>
@@ -4102,7 +4236,7 @@
               <a:buChar char="■"/>
               <a:defRPr sz="1200"/>
             </a:lvl3pPr>
-            <a:lvl4pPr indent="-304800" lvl="3" marL="1828800">
+            <a:lvl4pPr marL="1828800" lvl="3" indent="-304800">
               <a:spcBef>
                 <a:spcPts val="0"/>
               </a:spcBef>
@@ -4113,7 +4247,7 @@
               <a:buChar char="●"/>
               <a:defRPr sz="1200"/>
             </a:lvl4pPr>
-            <a:lvl5pPr indent="-304800" lvl="4" marL="2286000">
+            <a:lvl5pPr marL="2286000" lvl="4" indent="-304800">
               <a:spcBef>
                 <a:spcPts val="0"/>
               </a:spcBef>
@@ -4124,7 +4258,7 @@
               <a:buChar char="○"/>
               <a:defRPr sz="1200"/>
             </a:lvl5pPr>
-            <a:lvl6pPr indent="-304800" lvl="5" marL="2743200">
+            <a:lvl6pPr marL="2743200" lvl="5" indent="-304800">
               <a:spcBef>
                 <a:spcPts val="0"/>
               </a:spcBef>
@@ -4135,7 +4269,7 @@
               <a:buChar char="■"/>
               <a:defRPr sz="1200"/>
             </a:lvl6pPr>
-            <a:lvl7pPr indent="-304800" lvl="6" marL="3200400">
+            <a:lvl7pPr marL="3200400" lvl="6" indent="-304800">
               <a:spcBef>
                 <a:spcPts val="0"/>
               </a:spcBef>
@@ -4146,7 +4280,7 @@
               <a:buChar char="●"/>
               <a:defRPr sz="1200"/>
             </a:lvl7pPr>
-            <a:lvl8pPr indent="-304800" lvl="7" marL="3657600">
+            <a:lvl8pPr marL="3657600" lvl="7" indent="-304800">
               <a:spcBef>
                 <a:spcPts val="0"/>
               </a:spcBef>
@@ -4157,7 +4291,7 @@
               <a:buChar char="○"/>
               <a:defRPr sz="1200"/>
             </a:lvl8pPr>
-            <a:lvl9pPr indent="-304800" lvl="8" marL="4114800">
+            <a:lvl9pPr marL="4114800" lvl="8" indent="-304800">
               <a:spcBef>
                 <a:spcPts val="0"/>
               </a:spcBef>
@@ -4169,15 +4303,19 @@
               <a:defRPr sz="1200"/>
             </a:lvl9pPr>
           </a:lstStyle>
-          <a:p/>
+          <a:p>
+            <a:endParaRPr/>
+          </a:p>
         </p:txBody>
       </p:sp>
       <p:sp>
         <p:nvSpPr>
           <p:cNvPr id="31" name="Google Shape;31;p7"/>
-          <p:cNvSpPr txBox="1"/>
+          <p:cNvSpPr txBox="1">
+            <a:spLocks noGrp="1"/>
+          </p:cNvSpPr>
           <p:nvPr>
-            <p:ph idx="12" type="sldNum"/>
+            <p:ph type="sldNum" idx="12"/>
           </p:nvPr>
         </p:nvSpPr>
         <p:spPr>
@@ -4190,7 +4328,7 @@
           </a:prstGeom>
         </p:spPr>
         <p:txBody>
-          <a:bodyPr anchorCtr="0" anchor="ctr" bIns="91425" lIns="91425" spcFirstLastPara="1" rIns="91425" wrap="square" tIns="91425">
+          <a:bodyPr spcFirstLastPara="1" wrap="square" lIns="91425" tIns="91425" rIns="91425" bIns="91425" anchor="ctr" anchorCtr="0">
             <a:normAutofit/>
           </a:bodyPr>
           <a:lstStyle>
@@ -4232,7 +4370,7 @@
             </a:lvl9pPr>
           </a:lstStyle>
           <a:p>
-            <a:pPr indent="0" lvl="0" marL="0" rtl="0" algn="r">
+            <a:pPr marL="0" lvl="0" indent="0" algn="r" rtl="0">
               <a:spcBef>
                 <a:spcPts val="0"/>
               </a:spcBef>
@@ -4258,11 +4396,11 @@
 </file>
 
 <file path=ppt/slideLayouts/slideLayout7.xml><?xml version="1.0" encoding="utf-8"?>
-<p:sldLayout xmlns:a="http://schemas.openxmlformats.org/drawingml/2006/main" xmlns:r="http://schemas.openxmlformats.org/officeDocument/2006/relationships" xmlns:mc="http://schemas.openxmlformats.org/markup-compatibility/2006" xmlns:mv="urn:schemas-microsoft-com:mac:vml" xmlns:p="http://schemas.openxmlformats.org/presentationml/2006/main" xmlns:c="http://schemas.openxmlformats.org/drawingml/2006/chart" xmlns:dgm="http://schemas.openxmlformats.org/drawingml/2006/diagram" xmlns:o="urn:schemas-microsoft-com:office:office" xmlns:v="urn:schemas-microsoft-com:vml" xmlns:pvml="urn:schemas-microsoft-com:office:powerpoint" xmlns:com="http://schemas.openxmlformats.org/drawingml/2006/compatibility" xmlns:p14="http://schemas.microsoft.com/office/powerpoint/2010/main" xmlns:p15="http://schemas.microsoft.com/office/powerpoint/2012/main" xmlns:ahyp="http://schemas.microsoft.com/office/drawing/2018/hyperlinkcolor" matchingName="Main point">
+<p:sldLayout xmlns:a="http://schemas.openxmlformats.org/drawingml/2006/main" xmlns:r="http://schemas.openxmlformats.org/officeDocument/2006/relationships" xmlns:p="http://schemas.openxmlformats.org/presentationml/2006/main" matchingName="Main point">
   <p:cSld name="MAIN_POINT">
     <p:spTree>
       <p:nvGrpSpPr>
-        <p:cNvPr id="32" name="Shape 32"/>
+        <p:cNvPr id="1" name="Shape 32"/>
         <p:cNvGrpSpPr/>
         <p:nvPr/>
       </p:nvGrpSpPr>
@@ -4277,7 +4415,9 @@
       <p:sp>
         <p:nvSpPr>
           <p:cNvPr id="33" name="Google Shape;33;p8"/>
-          <p:cNvSpPr txBox="1"/>
+          <p:cNvSpPr txBox="1">
+            <a:spLocks noGrp="1"/>
+          </p:cNvSpPr>
           <p:nvPr>
             <p:ph type="title"/>
           </p:nvPr>
@@ -4292,7 +4432,7 @@
           </a:prstGeom>
         </p:spPr>
         <p:txBody>
-          <a:bodyPr anchorCtr="0" anchor="ctr" bIns="91425" lIns="91425" spcFirstLastPara="1" rIns="91425" wrap="square" tIns="91425">
+          <a:bodyPr spcFirstLastPara="1" wrap="square" lIns="91425" tIns="91425" rIns="91425" bIns="91425" anchor="ctr" anchorCtr="0">
             <a:normAutofit/>
           </a:bodyPr>
           <a:lstStyle>
@@ -4396,15 +4536,19 @@
               <a:defRPr sz="4800"/>
             </a:lvl9pPr>
           </a:lstStyle>
-          <a:p/>
+          <a:p>
+            <a:endParaRPr/>
+          </a:p>
         </p:txBody>
       </p:sp>
       <p:sp>
         <p:nvSpPr>
           <p:cNvPr id="34" name="Google Shape;34;p8"/>
-          <p:cNvSpPr txBox="1"/>
+          <p:cNvSpPr txBox="1">
+            <a:spLocks noGrp="1"/>
+          </p:cNvSpPr>
           <p:nvPr>
-            <p:ph idx="12" type="sldNum"/>
+            <p:ph type="sldNum" idx="12"/>
           </p:nvPr>
         </p:nvSpPr>
         <p:spPr>
@@ -4417,7 +4561,7 @@
           </a:prstGeom>
         </p:spPr>
         <p:txBody>
-          <a:bodyPr anchorCtr="0" anchor="ctr" bIns="91425" lIns="91425" spcFirstLastPara="1" rIns="91425" wrap="square" tIns="91425">
+          <a:bodyPr spcFirstLastPara="1" wrap="square" lIns="91425" tIns="91425" rIns="91425" bIns="91425" anchor="ctr" anchorCtr="0">
             <a:normAutofit/>
           </a:bodyPr>
           <a:lstStyle>
@@ -4459,7 +4603,7 @@
             </a:lvl9pPr>
           </a:lstStyle>
           <a:p>
-            <a:pPr indent="0" lvl="0" marL="0" rtl="0" algn="r">
+            <a:pPr marL="0" lvl="0" indent="0" algn="r" rtl="0">
               <a:spcBef>
                 <a:spcPts val="0"/>
               </a:spcBef>
@@ -4485,11 +4629,11 @@
 </file>
 
 <file path=ppt/slideLayouts/slideLayout8.xml><?xml version="1.0" encoding="utf-8"?>
-<p:sldLayout xmlns:a="http://schemas.openxmlformats.org/drawingml/2006/main" xmlns:r="http://schemas.openxmlformats.org/officeDocument/2006/relationships" xmlns:mc="http://schemas.openxmlformats.org/markup-compatibility/2006" xmlns:mv="urn:schemas-microsoft-com:mac:vml" xmlns:p="http://schemas.openxmlformats.org/presentationml/2006/main" xmlns:c="http://schemas.openxmlformats.org/drawingml/2006/chart" xmlns:dgm="http://schemas.openxmlformats.org/drawingml/2006/diagram" xmlns:o="urn:schemas-microsoft-com:office:office" xmlns:v="urn:schemas-microsoft-com:vml" xmlns:pvml="urn:schemas-microsoft-com:office:powerpoint" xmlns:com="http://schemas.openxmlformats.org/drawingml/2006/compatibility" xmlns:p14="http://schemas.microsoft.com/office/powerpoint/2010/main" xmlns:p15="http://schemas.microsoft.com/office/powerpoint/2012/main" xmlns:ahyp="http://schemas.microsoft.com/office/drawing/2018/hyperlinkcolor" matchingName="Section title and description">
+<p:sldLayout xmlns:a="http://schemas.openxmlformats.org/drawingml/2006/main" xmlns:r="http://schemas.openxmlformats.org/officeDocument/2006/relationships" xmlns:p="http://schemas.openxmlformats.org/presentationml/2006/main" matchingName="Section title and description">
   <p:cSld name="SECTION_TITLE_AND_DESCRIPTION">
     <p:spTree>
       <p:nvGrpSpPr>
-        <p:cNvPr id="35" name="Shape 35"/>
+        <p:cNvPr id="1" name="Shape 35"/>
         <p:cNvGrpSpPr/>
         <p:nvPr/>
       </p:nvGrpSpPr>
@@ -4523,12 +4667,12 @@
           </a:ln>
         </p:spPr>
         <p:txBody>
-          <a:bodyPr anchorCtr="0" anchor="ctr" bIns="91425" lIns="91425" spcFirstLastPara="1" rIns="91425" wrap="square" tIns="91425">
+          <a:bodyPr spcFirstLastPara="1" wrap="square" lIns="91425" tIns="91425" rIns="91425" bIns="91425" anchor="ctr" anchorCtr="0">
             <a:noAutofit/>
           </a:bodyPr>
           <a:lstStyle/>
           <a:p>
-            <a:pPr indent="0" lvl="0" marL="0" rtl="0" algn="l">
+            <a:pPr marL="0" lvl="0" indent="0" algn="l" rtl="0">
               <a:spcBef>
                 <a:spcPts val="0"/>
               </a:spcBef>
@@ -4537,9 +4681,6 @@
               </a:spcAft>
               <a:buNone/>
             </a:pPr>
-            <a:r>
-              <a:t/>
-            </a:r>
             <a:endParaRPr/>
           </a:p>
         </p:txBody>
@@ -4547,7 +4688,9 @@
       <p:sp>
         <p:nvSpPr>
           <p:cNvPr id="37" name="Google Shape;37;p9"/>
-          <p:cNvSpPr txBox="1"/>
+          <p:cNvSpPr txBox="1">
+            <a:spLocks noGrp="1"/>
+          </p:cNvSpPr>
           <p:nvPr>
             <p:ph type="title"/>
           </p:nvPr>
@@ -4562,7 +4705,7 @@
           </a:prstGeom>
         </p:spPr>
         <p:txBody>
-          <a:bodyPr anchorCtr="0" anchor="b" bIns="91425" lIns="91425" spcFirstLastPara="1" rIns="91425" wrap="square" tIns="91425">
+          <a:bodyPr spcFirstLastPara="1" wrap="square" lIns="91425" tIns="91425" rIns="91425" bIns="91425" anchor="b" anchorCtr="0">
             <a:normAutofit/>
           </a:bodyPr>
           <a:lstStyle>
@@ -4666,15 +4809,19 @@
               <a:defRPr sz="4200"/>
             </a:lvl9pPr>
           </a:lstStyle>
-          <a:p/>
+          <a:p>
+            <a:endParaRPr/>
+          </a:p>
         </p:txBody>
       </p:sp>
       <p:sp>
         <p:nvSpPr>
           <p:cNvPr id="38" name="Google Shape;38;p9"/>
-          <p:cNvSpPr txBox="1"/>
+          <p:cNvSpPr txBox="1">
+            <a:spLocks noGrp="1"/>
+          </p:cNvSpPr>
           <p:nvPr>
-            <p:ph idx="1" type="subTitle"/>
+            <p:ph type="subTitle" idx="1"/>
           </p:nvPr>
         </p:nvSpPr>
         <p:spPr>
@@ -4687,7 +4834,7 @@
           </a:prstGeom>
         </p:spPr>
         <p:txBody>
-          <a:bodyPr anchorCtr="0" anchor="t" bIns="91425" lIns="91425" spcFirstLastPara="1" rIns="91425" wrap="square" tIns="91425">
+          <a:bodyPr spcFirstLastPara="1" wrap="square" lIns="91425" tIns="91425" rIns="91425" bIns="91425" anchor="t" anchorCtr="0">
             <a:normAutofit/>
           </a:bodyPr>
           <a:lstStyle>
@@ -4818,15 +4965,19 @@
               <a:defRPr sz="2100"/>
             </a:lvl9pPr>
           </a:lstStyle>
-          <a:p/>
+          <a:p>
+            <a:endParaRPr/>
+          </a:p>
         </p:txBody>
       </p:sp>
       <p:sp>
         <p:nvSpPr>
           <p:cNvPr id="39" name="Google Shape;39;p9"/>
-          <p:cNvSpPr txBox="1"/>
+          <p:cNvSpPr txBox="1">
+            <a:spLocks noGrp="1"/>
+          </p:cNvSpPr>
           <p:nvPr>
-            <p:ph idx="2" type="body"/>
+            <p:ph type="body" idx="2"/>
           </p:nvPr>
         </p:nvSpPr>
         <p:spPr>
@@ -4839,11 +4990,11 @@
           </a:prstGeom>
         </p:spPr>
         <p:txBody>
-          <a:bodyPr anchorCtr="0" anchor="ctr" bIns="91425" lIns="91425" spcFirstLastPara="1" rIns="91425" wrap="square" tIns="91425">
+          <a:bodyPr spcFirstLastPara="1" wrap="square" lIns="91425" tIns="91425" rIns="91425" bIns="91425" anchor="ctr" anchorCtr="0">
             <a:normAutofit/>
           </a:bodyPr>
           <a:lstStyle>
-            <a:lvl1pPr indent="-342900" lvl="0" marL="457200">
+            <a:lvl1pPr marL="457200" lvl="0" indent="-342900">
               <a:spcBef>
                 <a:spcPts val="0"/>
               </a:spcBef>
@@ -4854,7 +5005,7 @@
               <a:buChar char="●"/>
               <a:defRPr/>
             </a:lvl1pPr>
-            <a:lvl2pPr indent="-317500" lvl="1" marL="914400">
+            <a:lvl2pPr marL="914400" lvl="1" indent="-317500">
               <a:spcBef>
                 <a:spcPts val="0"/>
               </a:spcBef>
@@ -4865,7 +5016,7 @@
               <a:buChar char="○"/>
               <a:defRPr/>
             </a:lvl2pPr>
-            <a:lvl3pPr indent="-317500" lvl="2" marL="1371600">
+            <a:lvl3pPr marL="1371600" lvl="2" indent="-317500">
               <a:spcBef>
                 <a:spcPts val="0"/>
               </a:spcBef>
@@ -4876,7 +5027,7 @@
               <a:buChar char="■"/>
               <a:defRPr/>
             </a:lvl3pPr>
-            <a:lvl4pPr indent="-317500" lvl="3" marL="1828800">
+            <a:lvl4pPr marL="1828800" lvl="3" indent="-317500">
               <a:spcBef>
                 <a:spcPts val="0"/>
               </a:spcBef>
@@ -4887,7 +5038,7 @@
               <a:buChar char="●"/>
               <a:defRPr/>
             </a:lvl4pPr>
-            <a:lvl5pPr indent="-317500" lvl="4" marL="2286000">
+            <a:lvl5pPr marL="2286000" lvl="4" indent="-317500">
               <a:spcBef>
                 <a:spcPts val="0"/>
               </a:spcBef>
@@ -4898,7 +5049,7 @@
               <a:buChar char="○"/>
               <a:defRPr/>
             </a:lvl5pPr>
-            <a:lvl6pPr indent="-317500" lvl="5" marL="2743200">
+            <a:lvl6pPr marL="2743200" lvl="5" indent="-317500">
               <a:spcBef>
                 <a:spcPts val="0"/>
               </a:spcBef>
@@ -4909,7 +5060,7 @@
               <a:buChar char="■"/>
               <a:defRPr/>
             </a:lvl6pPr>
-            <a:lvl7pPr indent="-317500" lvl="6" marL="3200400">
+            <a:lvl7pPr marL="3200400" lvl="6" indent="-317500">
               <a:spcBef>
                 <a:spcPts val="0"/>
               </a:spcBef>
@@ -4920,7 +5071,7 @@
               <a:buChar char="●"/>
               <a:defRPr/>
             </a:lvl7pPr>
-            <a:lvl8pPr indent="-317500" lvl="7" marL="3657600">
+            <a:lvl8pPr marL="3657600" lvl="7" indent="-317500">
               <a:spcBef>
                 <a:spcPts val="0"/>
               </a:spcBef>
@@ -4931,7 +5082,7 @@
               <a:buChar char="○"/>
               <a:defRPr/>
             </a:lvl8pPr>
-            <a:lvl9pPr indent="-317500" lvl="8" marL="4114800">
+            <a:lvl9pPr marL="4114800" lvl="8" indent="-317500">
               <a:spcBef>
                 <a:spcPts val="0"/>
               </a:spcBef>
@@ -4943,15 +5094,19 @@
               <a:defRPr/>
             </a:lvl9pPr>
           </a:lstStyle>
-          <a:p/>
+          <a:p>
+            <a:endParaRPr/>
+          </a:p>
         </p:txBody>
       </p:sp>
       <p:sp>
         <p:nvSpPr>
           <p:cNvPr id="40" name="Google Shape;40;p9"/>
-          <p:cNvSpPr txBox="1"/>
+          <p:cNvSpPr txBox="1">
+            <a:spLocks noGrp="1"/>
+          </p:cNvSpPr>
           <p:nvPr>
-            <p:ph idx="12" type="sldNum"/>
+            <p:ph type="sldNum" idx="12"/>
           </p:nvPr>
         </p:nvSpPr>
         <p:spPr>
@@ -4964,7 +5119,7 @@
           </a:prstGeom>
         </p:spPr>
         <p:txBody>
-          <a:bodyPr anchorCtr="0" anchor="ctr" bIns="91425" lIns="91425" spcFirstLastPara="1" rIns="91425" wrap="square" tIns="91425">
+          <a:bodyPr spcFirstLastPara="1" wrap="square" lIns="91425" tIns="91425" rIns="91425" bIns="91425" anchor="ctr" anchorCtr="0">
             <a:normAutofit/>
           </a:bodyPr>
           <a:lstStyle>
@@ -5006,7 +5161,7 @@
             </a:lvl9pPr>
           </a:lstStyle>
           <a:p>
-            <a:pPr indent="0" lvl="0" marL="0" rtl="0" algn="r">
+            <a:pPr marL="0" lvl="0" indent="0" algn="r" rtl="0">
               <a:spcBef>
                 <a:spcPts val="0"/>
               </a:spcBef>
@@ -5032,11 +5187,11 @@
 </file>
 
 <file path=ppt/slideLayouts/slideLayout9.xml><?xml version="1.0" encoding="utf-8"?>
-<p:sldLayout xmlns:a="http://schemas.openxmlformats.org/drawingml/2006/main" xmlns:r="http://schemas.openxmlformats.org/officeDocument/2006/relationships" xmlns:mc="http://schemas.openxmlformats.org/markup-compatibility/2006" xmlns:mv="urn:schemas-microsoft-com:mac:vml" xmlns:p="http://schemas.openxmlformats.org/presentationml/2006/main" xmlns:c="http://schemas.openxmlformats.org/drawingml/2006/chart" xmlns:dgm="http://schemas.openxmlformats.org/drawingml/2006/diagram" xmlns:o="urn:schemas-microsoft-com:office:office" xmlns:v="urn:schemas-microsoft-com:vml" xmlns:pvml="urn:schemas-microsoft-com:office:powerpoint" xmlns:com="http://schemas.openxmlformats.org/drawingml/2006/compatibility" xmlns:p14="http://schemas.microsoft.com/office/powerpoint/2010/main" xmlns:p15="http://schemas.microsoft.com/office/powerpoint/2012/main" xmlns:ahyp="http://schemas.microsoft.com/office/drawing/2018/hyperlinkcolor" matchingName="Caption">
+<p:sldLayout xmlns:a="http://schemas.openxmlformats.org/drawingml/2006/main" xmlns:r="http://schemas.openxmlformats.org/officeDocument/2006/relationships" xmlns:p="http://schemas.openxmlformats.org/presentationml/2006/main" matchingName="Caption">
   <p:cSld name="CAPTION_ONLY">
     <p:spTree>
       <p:nvGrpSpPr>
-        <p:cNvPr id="41" name="Shape 41"/>
+        <p:cNvPr id="1" name="Shape 41"/>
         <p:cNvGrpSpPr/>
         <p:nvPr/>
       </p:nvGrpSpPr>
@@ -5051,9 +5206,11 @@
       <p:sp>
         <p:nvSpPr>
           <p:cNvPr id="42" name="Google Shape;42;p10"/>
-          <p:cNvSpPr txBox="1"/>
+          <p:cNvSpPr txBox="1">
+            <a:spLocks noGrp="1"/>
+          </p:cNvSpPr>
           <p:nvPr>
-            <p:ph idx="1" type="body"/>
+            <p:ph type="body" idx="1"/>
           </p:nvPr>
         </p:nvSpPr>
         <p:spPr>
@@ -5066,11 +5223,11 @@
           </a:prstGeom>
         </p:spPr>
         <p:txBody>
-          <a:bodyPr anchorCtr="0" anchor="ctr" bIns="91425" lIns="91425" spcFirstLastPara="1" rIns="91425" wrap="square" tIns="91425">
+          <a:bodyPr spcFirstLastPara="1" wrap="square" lIns="91425" tIns="91425" rIns="91425" bIns="91425" anchor="ctr" anchorCtr="0">
             <a:normAutofit/>
           </a:bodyPr>
           <a:lstStyle>
-            <a:lvl1pPr indent="-228600" lvl="0" marL="457200">
+            <a:lvl1pPr marL="457200" lvl="0" indent="-228600">
               <a:lnSpc>
                 <a:spcPct val="100000"/>
               </a:lnSpc>
@@ -5085,15 +5242,19 @@
               <a:defRPr/>
             </a:lvl1pPr>
           </a:lstStyle>
-          <a:p/>
+          <a:p>
+            <a:endParaRPr/>
+          </a:p>
         </p:txBody>
       </p:sp>
       <p:sp>
         <p:nvSpPr>
           <p:cNvPr id="43" name="Google Shape;43;p10"/>
-          <p:cNvSpPr txBox="1"/>
+          <p:cNvSpPr txBox="1">
+            <a:spLocks noGrp="1"/>
+          </p:cNvSpPr>
           <p:nvPr>
-            <p:ph idx="12" type="sldNum"/>
+            <p:ph type="sldNum" idx="12"/>
           </p:nvPr>
         </p:nvSpPr>
         <p:spPr>
@@ -5106,7 +5267,7 @@
           </a:prstGeom>
         </p:spPr>
         <p:txBody>
-          <a:bodyPr anchorCtr="0" anchor="ctr" bIns="91425" lIns="91425" spcFirstLastPara="1" rIns="91425" wrap="square" tIns="91425">
+          <a:bodyPr spcFirstLastPara="1" wrap="square" lIns="91425" tIns="91425" rIns="91425" bIns="91425" anchor="ctr" anchorCtr="0">
             <a:normAutofit/>
           </a:bodyPr>
           <a:lstStyle>
@@ -5148,7 +5309,7 @@
             </a:lvl9pPr>
           </a:lstStyle>
           <a:p>
-            <a:pPr indent="0" lvl="0" marL="0" rtl="0" algn="r">
+            <a:pPr marL="0" lvl="0" indent="0" algn="r" rtl="0">
               <a:spcBef>
                 <a:spcPts val="0"/>
               </a:spcBef>
@@ -5174,18 +5335,19 @@
 </file>
 
 <file path=ppt/slideMasters/slideMaster1.xml><?xml version="1.0" encoding="utf-8"?>
-<p:sldMaster xmlns:a="http://schemas.openxmlformats.org/drawingml/2006/main" xmlns:r="http://schemas.openxmlformats.org/officeDocument/2006/relationships" xmlns:mc="http://schemas.openxmlformats.org/markup-compatibility/2006" xmlns:mv="urn:schemas-microsoft-com:mac:vml" xmlns:p="http://schemas.openxmlformats.org/presentationml/2006/main" xmlns:c="http://schemas.openxmlformats.org/drawingml/2006/chart" xmlns:dgm="http://schemas.openxmlformats.org/drawingml/2006/diagram" xmlns:o="urn:schemas-microsoft-com:office:office" xmlns:v="urn:schemas-microsoft-com:vml" xmlns:pvml="urn:schemas-microsoft-com:office:powerpoint" xmlns:com="http://schemas.openxmlformats.org/drawingml/2006/compatibility" xmlns:p14="http://schemas.microsoft.com/office/powerpoint/2010/main" xmlns:p15="http://schemas.microsoft.com/office/powerpoint/2012/main" xmlns:ahyp="http://schemas.microsoft.com/office/drawing/2018/hyperlinkcolor">
+<p:sldMaster xmlns:a="http://schemas.openxmlformats.org/drawingml/2006/main" xmlns:r="http://schemas.openxmlformats.org/officeDocument/2006/relationships" xmlns:p="http://schemas.openxmlformats.org/presentationml/2006/main">
   <p:cSld name="simple-light-2">
     <p:bg>
       <p:bgPr>
         <a:solidFill>
           <a:schemeClr val="lt1"/>
         </a:solidFill>
+        <a:effectLst/>
       </p:bgPr>
     </p:bg>
     <p:spTree>
       <p:nvGrpSpPr>
-        <p:cNvPr id="5" name="Shape 5"/>
+        <p:cNvPr id="1" name="Shape 5"/>
         <p:cNvGrpSpPr/>
         <p:nvPr/>
       </p:nvGrpSpPr>
@@ -5200,7 +5362,9 @@
       <p:sp>
         <p:nvSpPr>
           <p:cNvPr id="6" name="Google Shape;6;p1"/>
-          <p:cNvSpPr txBox="1"/>
+          <p:cNvSpPr txBox="1">
+            <a:spLocks noGrp="1"/>
+          </p:cNvSpPr>
           <p:nvPr>
             <p:ph type="title"/>
           </p:nvPr>
@@ -5219,7 +5383,7 @@
           </a:ln>
         </p:spPr>
         <p:txBody>
-          <a:bodyPr anchorCtr="0" anchor="t" bIns="91425" lIns="91425" spcFirstLastPara="1" rIns="91425" wrap="square" tIns="91425">
+          <a:bodyPr spcFirstLastPara="1" wrap="square" lIns="91425" tIns="91425" rIns="91425" bIns="91425" anchor="t" anchorCtr="0">
             <a:normAutofit/>
           </a:bodyPr>
           <a:lstStyle>
@@ -5386,15 +5550,19 @@
               </a:defRPr>
             </a:lvl9pPr>
           </a:lstStyle>
-          <a:p/>
+          <a:p>
+            <a:endParaRPr/>
+          </a:p>
         </p:txBody>
       </p:sp>
       <p:sp>
         <p:nvSpPr>
           <p:cNvPr id="7" name="Google Shape;7;p1"/>
-          <p:cNvSpPr txBox="1"/>
+          <p:cNvSpPr txBox="1">
+            <a:spLocks noGrp="1"/>
+          </p:cNvSpPr>
           <p:nvPr>
-            <p:ph idx="1" type="body"/>
+            <p:ph type="body" idx="1"/>
           </p:nvPr>
         </p:nvSpPr>
         <p:spPr>
@@ -5411,11 +5579,11 @@
           </a:ln>
         </p:spPr>
         <p:txBody>
-          <a:bodyPr anchorCtr="0" anchor="t" bIns="91425" lIns="91425" spcFirstLastPara="1" rIns="91425" wrap="square" tIns="91425">
+          <a:bodyPr spcFirstLastPara="1" wrap="square" lIns="91425" tIns="91425" rIns="91425" bIns="91425" anchor="t" anchorCtr="0">
             <a:normAutofit/>
           </a:bodyPr>
           <a:lstStyle>
-            <a:lvl1pPr indent="-342900" lvl="0" marL="457200">
+            <a:lvl1pPr marL="457200" lvl="0" indent="-342900">
               <a:lnSpc>
                 <a:spcPct val="115000"/>
               </a:lnSpc>
@@ -5436,7 +5604,7 @@
                 </a:solidFill>
               </a:defRPr>
             </a:lvl1pPr>
-            <a:lvl2pPr indent="-317500" lvl="1" marL="914400">
+            <a:lvl2pPr marL="914400" lvl="1" indent="-317500">
               <a:lnSpc>
                 <a:spcPct val="115000"/>
               </a:lnSpc>
@@ -5457,7 +5625,7 @@
                 </a:solidFill>
               </a:defRPr>
             </a:lvl2pPr>
-            <a:lvl3pPr indent="-317500" lvl="2" marL="1371600">
+            <a:lvl3pPr marL="1371600" lvl="2" indent="-317500">
               <a:lnSpc>
                 <a:spcPct val="115000"/>
               </a:lnSpc>
@@ -5478,7 +5646,7 @@
                 </a:solidFill>
               </a:defRPr>
             </a:lvl3pPr>
-            <a:lvl4pPr indent="-317500" lvl="3" marL="1828800">
+            <a:lvl4pPr marL="1828800" lvl="3" indent="-317500">
               <a:lnSpc>
                 <a:spcPct val="115000"/>
               </a:lnSpc>
@@ -5499,7 +5667,7 @@
                 </a:solidFill>
               </a:defRPr>
             </a:lvl4pPr>
-            <a:lvl5pPr indent="-317500" lvl="4" marL="2286000">
+            <a:lvl5pPr marL="2286000" lvl="4" indent="-317500">
               <a:lnSpc>
                 <a:spcPct val="115000"/>
               </a:lnSpc>
@@ -5520,7 +5688,7 @@
                 </a:solidFill>
               </a:defRPr>
             </a:lvl5pPr>
-            <a:lvl6pPr indent="-317500" lvl="5" marL="2743200">
+            <a:lvl6pPr marL="2743200" lvl="5" indent="-317500">
               <a:lnSpc>
                 <a:spcPct val="115000"/>
               </a:lnSpc>
@@ -5541,7 +5709,7 @@
                 </a:solidFill>
               </a:defRPr>
             </a:lvl6pPr>
-            <a:lvl7pPr indent="-317500" lvl="6" marL="3200400">
+            <a:lvl7pPr marL="3200400" lvl="6" indent="-317500">
               <a:lnSpc>
                 <a:spcPct val="115000"/>
               </a:lnSpc>
@@ -5562,7 +5730,7 @@
                 </a:solidFill>
               </a:defRPr>
             </a:lvl7pPr>
-            <a:lvl8pPr indent="-317500" lvl="7" marL="3657600">
+            <a:lvl8pPr marL="3657600" lvl="7" indent="-317500">
               <a:lnSpc>
                 <a:spcPct val="115000"/>
               </a:lnSpc>
@@ -5583,7 +5751,7 @@
                 </a:solidFill>
               </a:defRPr>
             </a:lvl8pPr>
-            <a:lvl9pPr indent="-317500" lvl="8" marL="4114800">
+            <a:lvl9pPr marL="4114800" lvl="8" indent="-317500">
               <a:lnSpc>
                 <a:spcPct val="115000"/>
               </a:lnSpc>
@@ -5605,15 +5773,19 @@
               </a:defRPr>
             </a:lvl9pPr>
           </a:lstStyle>
-          <a:p/>
+          <a:p>
+            <a:endParaRPr/>
+          </a:p>
         </p:txBody>
       </p:sp>
       <p:sp>
         <p:nvSpPr>
           <p:cNvPr id="8" name="Google Shape;8;p1"/>
-          <p:cNvSpPr txBox="1"/>
+          <p:cNvSpPr txBox="1">
+            <a:spLocks noGrp="1"/>
+          </p:cNvSpPr>
           <p:nvPr>
-            <p:ph idx="12" type="sldNum"/>
+            <p:ph type="sldNum" idx="12"/>
           </p:nvPr>
         </p:nvSpPr>
         <p:spPr>
@@ -5630,7 +5802,7 @@
           </a:ln>
         </p:spPr>
         <p:txBody>
-          <a:bodyPr anchorCtr="0" anchor="ctr" bIns="91425" lIns="91425" spcFirstLastPara="1" rIns="91425" wrap="square" tIns="91425">
+          <a:bodyPr spcFirstLastPara="1" wrap="square" lIns="91425" tIns="91425" rIns="91425" bIns="91425" anchor="ctr" anchorCtr="0">
             <a:normAutofit/>
           </a:bodyPr>
           <a:lstStyle>
@@ -5708,7 +5880,7 @@
             </a:lvl9pPr>
           </a:lstStyle>
           <a:p>
-            <a:pPr indent="0" lvl="0" marL="0" rtl="0" algn="r">
+            <a:pPr marL="0" lvl="0" indent="0" algn="r" rtl="0">
               <a:spcBef>
                 <a:spcPts val="0"/>
               </a:spcBef>
@@ -5727,7 +5899,7 @@
       </p:sp>
     </p:spTree>
   </p:cSld>
-  <p:clrMap accent1="accent1" accent2="accent2" accent3="accent3" accent4="accent4" accent5="accent5" accent6="accent6" bg1="lt1" bg2="dk2" tx1="dk1" tx2="lt2" folHlink="folHlink" hlink="hlink"/>
+  <p:clrMap bg1="lt1" tx1="dk1" bg2="dk2" tx2="lt2" accent1="accent1" accent2="accent2" accent3="accent3" accent4="accent4" accent5="accent5" accent6="accent6" hlink="hlink" folHlink="folHlink"/>
   <p:sldLayoutIdLst>
     <p:sldLayoutId id="2147483648" r:id="rId1"/>
     <p:sldLayoutId id="2147483649" r:id="rId2"/>
@@ -5741,10 +5913,10 @@
     <p:sldLayoutId id="2147483657" r:id="rId10"/>
     <p:sldLayoutId id="2147483658" r:id="rId11"/>
   </p:sldLayoutIdLst>
-  <p:hf dt="0" ftr="0" hdr="0" sldNum="0"/>
+  <p:hf sldNum="0" hdr="0" ftr="0" dt="0"/>
   <p:txStyles>
     <p:titleStyle>
-      <a:defPPr lvl="0" marR="0" rtl="0" algn="l">
+      <a:defPPr marR="0" lvl="0" algn="l" rtl="0">
         <a:lnSpc>
           <a:spcPct val="100000"/>
         </a:lnSpc>
@@ -5755,7 +5927,7 @@
           <a:spcPts val="0"/>
         </a:spcAft>
       </a:defPPr>
-      <a:lvl1pPr lvl="0" marR="0" rtl="0" algn="l">
+      <a:lvl1pPr marR="0" lvl="0" algn="l" rtl="0">
         <a:lnSpc>
           <a:spcPct val="100000"/>
         </a:lnSpc>
@@ -5769,7 +5941,7 @@
           <a:srgbClr val="000000"/>
         </a:buClr>
         <a:buFont typeface="Arial"/>
-        <a:defRPr b="0" i="0" sz="1400" u="none" cap="none" strike="noStrike">
+        <a:defRPr sz="1400" b="0" i="0" u="none" strike="noStrike" cap="none">
           <a:solidFill>
             <a:srgbClr val="000000"/>
           </a:solidFill>
@@ -5779,7 +5951,7 @@
           <a:sym typeface="Arial"/>
         </a:defRPr>
       </a:lvl1pPr>
-      <a:lvl2pPr lvl="1" marR="0" rtl="0" algn="l">
+      <a:lvl2pPr marR="0" lvl="1" algn="l" rtl="0">
         <a:lnSpc>
           <a:spcPct val="100000"/>
         </a:lnSpc>
@@ -5793,7 +5965,7 @@
           <a:srgbClr val="000000"/>
         </a:buClr>
         <a:buFont typeface="Arial"/>
-        <a:defRPr b="0" i="0" sz="1400" u="none" cap="none" strike="noStrike">
+        <a:defRPr sz="1400" b="0" i="0" u="none" strike="noStrike" cap="none">
           <a:solidFill>
             <a:srgbClr val="000000"/>
           </a:solidFill>
@@ -5803,7 +5975,7 @@
           <a:sym typeface="Arial"/>
         </a:defRPr>
       </a:lvl2pPr>
-      <a:lvl3pPr lvl="2" marR="0" rtl="0" algn="l">
+      <a:lvl3pPr marR="0" lvl="2" algn="l" rtl="0">
         <a:lnSpc>
           <a:spcPct val="100000"/>
         </a:lnSpc>
@@ -5817,7 +5989,7 @@
           <a:srgbClr val="000000"/>
         </a:buClr>
         <a:buFont typeface="Arial"/>
-        <a:defRPr b="0" i="0" sz="1400" u="none" cap="none" strike="noStrike">
+        <a:defRPr sz="1400" b="0" i="0" u="none" strike="noStrike" cap="none">
           <a:solidFill>
             <a:srgbClr val="000000"/>
           </a:solidFill>
@@ -5827,7 +5999,7 @@
           <a:sym typeface="Arial"/>
         </a:defRPr>
       </a:lvl3pPr>
-      <a:lvl4pPr lvl="3" marR="0" rtl="0" algn="l">
+      <a:lvl4pPr marR="0" lvl="3" algn="l" rtl="0">
         <a:lnSpc>
           <a:spcPct val="100000"/>
         </a:lnSpc>
@@ -5841,7 +6013,7 @@
           <a:srgbClr val="000000"/>
         </a:buClr>
         <a:buFont typeface="Arial"/>
-        <a:defRPr b="0" i="0" sz="1400" u="none" cap="none" strike="noStrike">
+        <a:defRPr sz="1400" b="0" i="0" u="none" strike="noStrike" cap="none">
           <a:solidFill>
             <a:srgbClr val="000000"/>
           </a:solidFill>
@@ -5851,7 +6023,7 @@
           <a:sym typeface="Arial"/>
         </a:defRPr>
       </a:lvl4pPr>
-      <a:lvl5pPr lvl="4" marR="0" rtl="0" algn="l">
+      <a:lvl5pPr marR="0" lvl="4" algn="l" rtl="0">
         <a:lnSpc>
           <a:spcPct val="100000"/>
         </a:lnSpc>
@@ -5865,7 +6037,7 @@
           <a:srgbClr val="000000"/>
         </a:buClr>
         <a:buFont typeface="Arial"/>
-        <a:defRPr b="0" i="0" sz="1400" u="none" cap="none" strike="noStrike">
+        <a:defRPr sz="1400" b="0" i="0" u="none" strike="noStrike" cap="none">
           <a:solidFill>
             <a:srgbClr val="000000"/>
           </a:solidFill>
@@ -5875,7 +6047,7 @@
           <a:sym typeface="Arial"/>
         </a:defRPr>
       </a:lvl5pPr>
-      <a:lvl6pPr lvl="5" marR="0" rtl="0" algn="l">
+      <a:lvl6pPr marR="0" lvl="5" algn="l" rtl="0">
         <a:lnSpc>
           <a:spcPct val="100000"/>
         </a:lnSpc>
@@ -5889,7 +6061,7 @@
           <a:srgbClr val="000000"/>
         </a:buClr>
         <a:buFont typeface="Arial"/>
-        <a:defRPr b="0" i="0" sz="1400" u="none" cap="none" strike="noStrike">
+        <a:defRPr sz="1400" b="0" i="0" u="none" strike="noStrike" cap="none">
           <a:solidFill>
             <a:srgbClr val="000000"/>
           </a:solidFill>
@@ -5899,7 +6071,7 @@
           <a:sym typeface="Arial"/>
         </a:defRPr>
       </a:lvl6pPr>
-      <a:lvl7pPr lvl="6" marR="0" rtl="0" algn="l">
+      <a:lvl7pPr marR="0" lvl="6" algn="l" rtl="0">
         <a:lnSpc>
           <a:spcPct val="100000"/>
         </a:lnSpc>
@@ -5913,7 +6085,7 @@
           <a:srgbClr val="000000"/>
         </a:buClr>
         <a:buFont typeface="Arial"/>
-        <a:defRPr b="0" i="0" sz="1400" u="none" cap="none" strike="noStrike">
+        <a:defRPr sz="1400" b="0" i="0" u="none" strike="noStrike" cap="none">
           <a:solidFill>
             <a:srgbClr val="000000"/>
           </a:solidFill>
@@ -5923,7 +6095,7 @@
           <a:sym typeface="Arial"/>
         </a:defRPr>
       </a:lvl7pPr>
-      <a:lvl8pPr lvl="7" marR="0" rtl="0" algn="l">
+      <a:lvl8pPr marR="0" lvl="7" algn="l" rtl="0">
         <a:lnSpc>
           <a:spcPct val="100000"/>
         </a:lnSpc>
@@ -5937,7 +6109,7 @@
           <a:srgbClr val="000000"/>
         </a:buClr>
         <a:buFont typeface="Arial"/>
-        <a:defRPr b="0" i="0" sz="1400" u="none" cap="none" strike="noStrike">
+        <a:defRPr sz="1400" b="0" i="0" u="none" strike="noStrike" cap="none">
           <a:solidFill>
             <a:srgbClr val="000000"/>
           </a:solidFill>
@@ -5947,7 +6119,7 @@
           <a:sym typeface="Arial"/>
         </a:defRPr>
       </a:lvl8pPr>
-      <a:lvl9pPr lvl="8" marR="0" rtl="0" algn="l">
+      <a:lvl9pPr marR="0" lvl="8" algn="l" rtl="0">
         <a:lnSpc>
           <a:spcPct val="100000"/>
         </a:lnSpc>
@@ -5961,7 +6133,7 @@
           <a:srgbClr val="000000"/>
         </a:buClr>
         <a:buFont typeface="Arial"/>
-        <a:defRPr b="0" i="0" sz="1400" u="none" cap="none" strike="noStrike">
+        <a:defRPr sz="1400" b="0" i="0" u="none" strike="noStrike" cap="none">
           <a:solidFill>
             <a:srgbClr val="000000"/>
           </a:solidFill>
@@ -5973,7 +6145,7 @@
       </a:lvl9pPr>
     </p:titleStyle>
     <p:bodyStyle>
-      <a:defPPr lvl="0" marR="0" rtl="0" algn="l">
+      <a:defPPr marR="0" lvl="0" algn="l" rtl="0">
         <a:lnSpc>
           <a:spcPct val="100000"/>
         </a:lnSpc>
@@ -5984,7 +6156,7 @@
           <a:spcPts val="0"/>
         </a:spcAft>
       </a:defPPr>
-      <a:lvl1pPr lvl="0" marR="0" rtl="0" algn="l">
+      <a:lvl1pPr marR="0" lvl="0" algn="l" rtl="0">
         <a:lnSpc>
           <a:spcPct val="100000"/>
         </a:lnSpc>
@@ -5998,7 +6170,7 @@
           <a:srgbClr val="000000"/>
         </a:buClr>
         <a:buFont typeface="Arial"/>
-        <a:defRPr b="0" i="0" sz="1400" u="none" cap="none" strike="noStrike">
+        <a:defRPr sz="1400" b="0" i="0" u="none" strike="noStrike" cap="none">
           <a:solidFill>
             <a:srgbClr val="000000"/>
           </a:solidFill>
@@ -6008,7 +6180,7 @@
           <a:sym typeface="Arial"/>
         </a:defRPr>
       </a:lvl1pPr>
-      <a:lvl2pPr lvl="1" marR="0" rtl="0" algn="l">
+      <a:lvl2pPr marR="0" lvl="1" algn="l" rtl="0">
         <a:lnSpc>
           <a:spcPct val="100000"/>
         </a:lnSpc>
@@ -6022,7 +6194,7 @@
           <a:srgbClr val="000000"/>
         </a:buClr>
         <a:buFont typeface="Arial"/>
-        <a:defRPr b="0" i="0" sz="1400" u="none" cap="none" strike="noStrike">
+        <a:defRPr sz="1400" b="0" i="0" u="none" strike="noStrike" cap="none">
           <a:solidFill>
             <a:srgbClr val="000000"/>
           </a:solidFill>
@@ -6032,7 +6204,7 @@
           <a:sym typeface="Arial"/>
         </a:defRPr>
       </a:lvl2pPr>
-      <a:lvl3pPr lvl="2" marR="0" rtl="0" algn="l">
+      <a:lvl3pPr marR="0" lvl="2" algn="l" rtl="0">
         <a:lnSpc>
           <a:spcPct val="100000"/>
         </a:lnSpc>
@@ -6046,7 +6218,7 @@
           <a:srgbClr val="000000"/>
         </a:buClr>
         <a:buFont typeface="Arial"/>
-        <a:defRPr b="0" i="0" sz="1400" u="none" cap="none" strike="noStrike">
+        <a:defRPr sz="1400" b="0" i="0" u="none" strike="noStrike" cap="none">
           <a:solidFill>
             <a:srgbClr val="000000"/>
           </a:solidFill>
@@ -6056,7 +6228,7 @@
           <a:sym typeface="Arial"/>
         </a:defRPr>
       </a:lvl3pPr>
-      <a:lvl4pPr lvl="3" marR="0" rtl="0" algn="l">
+      <a:lvl4pPr marR="0" lvl="3" algn="l" rtl="0">
         <a:lnSpc>
           <a:spcPct val="100000"/>
         </a:lnSpc>
@@ -6070,7 +6242,7 @@
           <a:srgbClr val="000000"/>
         </a:buClr>
         <a:buFont typeface="Arial"/>
-        <a:defRPr b="0" i="0" sz="1400" u="none" cap="none" strike="noStrike">
+        <a:defRPr sz="1400" b="0" i="0" u="none" strike="noStrike" cap="none">
           <a:solidFill>
             <a:srgbClr val="000000"/>
           </a:solidFill>
@@ -6080,7 +6252,7 @@
           <a:sym typeface="Arial"/>
         </a:defRPr>
       </a:lvl4pPr>
-      <a:lvl5pPr lvl="4" marR="0" rtl="0" algn="l">
+      <a:lvl5pPr marR="0" lvl="4" algn="l" rtl="0">
         <a:lnSpc>
           <a:spcPct val="100000"/>
         </a:lnSpc>
@@ -6094,7 +6266,7 @@
           <a:srgbClr val="000000"/>
         </a:buClr>
         <a:buFont typeface="Arial"/>
-        <a:defRPr b="0" i="0" sz="1400" u="none" cap="none" strike="noStrike">
+        <a:defRPr sz="1400" b="0" i="0" u="none" strike="noStrike" cap="none">
           <a:solidFill>
             <a:srgbClr val="000000"/>
           </a:solidFill>
@@ -6104,7 +6276,7 @@
           <a:sym typeface="Arial"/>
         </a:defRPr>
       </a:lvl5pPr>
-      <a:lvl6pPr lvl="5" marR="0" rtl="0" algn="l">
+      <a:lvl6pPr marR="0" lvl="5" algn="l" rtl="0">
         <a:lnSpc>
           <a:spcPct val="100000"/>
         </a:lnSpc>
@@ -6118,7 +6290,7 @@
           <a:srgbClr val="000000"/>
         </a:buClr>
         <a:buFont typeface="Arial"/>
-        <a:defRPr b="0" i="0" sz="1400" u="none" cap="none" strike="noStrike">
+        <a:defRPr sz="1400" b="0" i="0" u="none" strike="noStrike" cap="none">
           <a:solidFill>
             <a:srgbClr val="000000"/>
           </a:solidFill>
@@ -6128,7 +6300,7 @@
           <a:sym typeface="Arial"/>
         </a:defRPr>
       </a:lvl6pPr>
-      <a:lvl7pPr lvl="6" marR="0" rtl="0" algn="l">
+      <a:lvl7pPr marR="0" lvl="6" algn="l" rtl="0">
         <a:lnSpc>
           <a:spcPct val="100000"/>
         </a:lnSpc>
@@ -6142,7 +6314,7 @@
           <a:srgbClr val="000000"/>
         </a:buClr>
         <a:buFont typeface="Arial"/>
-        <a:defRPr b="0" i="0" sz="1400" u="none" cap="none" strike="noStrike">
+        <a:defRPr sz="1400" b="0" i="0" u="none" strike="noStrike" cap="none">
           <a:solidFill>
             <a:srgbClr val="000000"/>
           </a:solidFill>
@@ -6152,7 +6324,7 @@
           <a:sym typeface="Arial"/>
         </a:defRPr>
       </a:lvl7pPr>
-      <a:lvl8pPr lvl="7" marR="0" rtl="0" algn="l">
+      <a:lvl8pPr marR="0" lvl="7" algn="l" rtl="0">
         <a:lnSpc>
           <a:spcPct val="100000"/>
         </a:lnSpc>
@@ -6166,7 +6338,7 @@
           <a:srgbClr val="000000"/>
         </a:buClr>
         <a:buFont typeface="Arial"/>
-        <a:defRPr b="0" i="0" sz="1400" u="none" cap="none" strike="noStrike">
+        <a:defRPr sz="1400" b="0" i="0" u="none" strike="noStrike" cap="none">
           <a:solidFill>
             <a:srgbClr val="000000"/>
           </a:solidFill>
@@ -6176,7 +6348,7 @@
           <a:sym typeface="Arial"/>
         </a:defRPr>
       </a:lvl8pPr>
-      <a:lvl9pPr lvl="8" marR="0" rtl="0" algn="l">
+      <a:lvl9pPr marR="0" lvl="8" algn="l" rtl="0">
         <a:lnSpc>
           <a:spcPct val="100000"/>
         </a:lnSpc>
@@ -6190,7 +6362,7 @@
           <a:srgbClr val="000000"/>
         </a:buClr>
         <a:buFont typeface="Arial"/>
-        <a:defRPr b="0" i="0" sz="1400" u="none" cap="none" strike="noStrike">
+        <a:defRPr sz="1400" b="0" i="0" u="none" strike="noStrike" cap="none">
           <a:solidFill>
             <a:srgbClr val="000000"/>
           </a:solidFill>
@@ -6202,7 +6374,7 @@
       </a:lvl9pPr>
     </p:bodyStyle>
     <p:otherStyle>
-      <a:defPPr lvl="0" marR="0" rtl="0" algn="l">
+      <a:defPPr marR="0" lvl="0" algn="l" rtl="0">
         <a:lnSpc>
           <a:spcPct val="100000"/>
         </a:lnSpc>
@@ -6213,7 +6385,7 @@
           <a:spcPts val="0"/>
         </a:spcAft>
       </a:defPPr>
-      <a:lvl1pPr lvl="0" marR="0" rtl="0" algn="l">
+      <a:lvl1pPr marR="0" lvl="0" algn="l" rtl="0">
         <a:lnSpc>
           <a:spcPct val="100000"/>
         </a:lnSpc>
@@ -6227,7 +6399,7 @@
           <a:srgbClr val="000000"/>
         </a:buClr>
         <a:buFont typeface="Arial"/>
-        <a:defRPr b="0" i="0" sz="1400" u="none" cap="none" strike="noStrike">
+        <a:defRPr sz="1400" b="0" i="0" u="none" strike="noStrike" cap="none">
           <a:solidFill>
             <a:srgbClr val="000000"/>
           </a:solidFill>
@@ -6237,7 +6409,7 @@
           <a:sym typeface="Arial"/>
         </a:defRPr>
       </a:lvl1pPr>
-      <a:lvl2pPr lvl="1" marR="0" rtl="0" algn="l">
+      <a:lvl2pPr marR="0" lvl="1" algn="l" rtl="0">
         <a:lnSpc>
           <a:spcPct val="100000"/>
         </a:lnSpc>
@@ -6251,7 +6423,7 @@
           <a:srgbClr val="000000"/>
         </a:buClr>
         <a:buFont typeface="Arial"/>
-        <a:defRPr b="0" i="0" sz="1400" u="none" cap="none" strike="noStrike">
+        <a:defRPr sz="1400" b="0" i="0" u="none" strike="noStrike" cap="none">
           <a:solidFill>
             <a:srgbClr val="000000"/>
           </a:solidFill>
@@ -6261,7 +6433,7 @@
           <a:sym typeface="Arial"/>
         </a:defRPr>
       </a:lvl2pPr>
-      <a:lvl3pPr lvl="2" marR="0" rtl="0" algn="l">
+      <a:lvl3pPr marR="0" lvl="2" algn="l" rtl="0">
         <a:lnSpc>
           <a:spcPct val="100000"/>
         </a:lnSpc>
@@ -6275,7 +6447,7 @@
           <a:srgbClr val="000000"/>
         </a:buClr>
         <a:buFont typeface="Arial"/>
-        <a:defRPr b="0" i="0" sz="1400" u="none" cap="none" strike="noStrike">
+        <a:defRPr sz="1400" b="0" i="0" u="none" strike="noStrike" cap="none">
           <a:solidFill>
             <a:srgbClr val="000000"/>
           </a:solidFill>
@@ -6285,7 +6457,7 @@
           <a:sym typeface="Arial"/>
         </a:defRPr>
       </a:lvl3pPr>
-      <a:lvl4pPr lvl="3" marR="0" rtl="0" algn="l">
+      <a:lvl4pPr marR="0" lvl="3" algn="l" rtl="0">
         <a:lnSpc>
           <a:spcPct val="100000"/>
         </a:lnSpc>
@@ -6299,7 +6471,7 @@
           <a:srgbClr val="000000"/>
         </a:buClr>
         <a:buFont typeface="Arial"/>
-        <a:defRPr b="0" i="0" sz="1400" u="none" cap="none" strike="noStrike">
+        <a:defRPr sz="1400" b="0" i="0" u="none" strike="noStrike" cap="none">
           <a:solidFill>
             <a:srgbClr val="000000"/>
           </a:solidFill>
@@ -6309,7 +6481,7 @@
           <a:sym typeface="Arial"/>
         </a:defRPr>
       </a:lvl4pPr>
-      <a:lvl5pPr lvl="4" marR="0" rtl="0" algn="l">
+      <a:lvl5pPr marR="0" lvl="4" algn="l" rtl="0">
         <a:lnSpc>
           <a:spcPct val="100000"/>
         </a:lnSpc>
@@ -6323,7 +6495,7 @@
           <a:srgbClr val="000000"/>
         </a:buClr>
         <a:buFont typeface="Arial"/>
-        <a:defRPr b="0" i="0" sz="1400" u="none" cap="none" strike="noStrike">
+        <a:defRPr sz="1400" b="0" i="0" u="none" strike="noStrike" cap="none">
           <a:solidFill>
             <a:srgbClr val="000000"/>
           </a:solidFill>
@@ -6333,7 +6505,7 @@
           <a:sym typeface="Arial"/>
         </a:defRPr>
       </a:lvl5pPr>
-      <a:lvl6pPr lvl="5" marR="0" rtl="0" algn="l">
+      <a:lvl6pPr marR="0" lvl="5" algn="l" rtl="0">
         <a:lnSpc>
           <a:spcPct val="100000"/>
         </a:lnSpc>
@@ -6347,7 +6519,7 @@
           <a:srgbClr val="000000"/>
         </a:buClr>
         <a:buFont typeface="Arial"/>
-        <a:defRPr b="0" i="0" sz="1400" u="none" cap="none" strike="noStrike">
+        <a:defRPr sz="1400" b="0" i="0" u="none" strike="noStrike" cap="none">
           <a:solidFill>
             <a:srgbClr val="000000"/>
           </a:solidFill>
@@ -6357,7 +6529,7 @@
           <a:sym typeface="Arial"/>
         </a:defRPr>
       </a:lvl6pPr>
-      <a:lvl7pPr lvl="6" marR="0" rtl="0" algn="l">
+      <a:lvl7pPr marR="0" lvl="6" algn="l" rtl="0">
         <a:lnSpc>
           <a:spcPct val="100000"/>
         </a:lnSpc>
@@ -6371,7 +6543,7 @@
           <a:srgbClr val="000000"/>
         </a:buClr>
         <a:buFont typeface="Arial"/>
-        <a:defRPr b="0" i="0" sz="1400" u="none" cap="none" strike="noStrike">
+        <a:defRPr sz="1400" b="0" i="0" u="none" strike="noStrike" cap="none">
           <a:solidFill>
             <a:srgbClr val="000000"/>
           </a:solidFill>
@@ -6381,7 +6553,7 @@
           <a:sym typeface="Arial"/>
         </a:defRPr>
       </a:lvl7pPr>
-      <a:lvl8pPr lvl="7" marR="0" rtl="0" algn="l">
+      <a:lvl8pPr marR="0" lvl="7" algn="l" rtl="0">
         <a:lnSpc>
           <a:spcPct val="100000"/>
         </a:lnSpc>
@@ -6395,7 +6567,7 @@
           <a:srgbClr val="000000"/>
         </a:buClr>
         <a:buFont typeface="Arial"/>
-        <a:defRPr b="0" i="0" sz="1400" u="none" cap="none" strike="noStrike">
+        <a:defRPr sz="1400" b="0" i="0" u="none" strike="noStrike" cap="none">
           <a:solidFill>
             <a:srgbClr val="000000"/>
           </a:solidFill>
@@ -6405,7 +6577,7 @@
           <a:sym typeface="Arial"/>
         </a:defRPr>
       </a:lvl8pPr>
-      <a:lvl9pPr lvl="8" marR="0" rtl="0" algn="l">
+      <a:lvl9pPr marR="0" lvl="8" algn="l" rtl="0">
         <a:lnSpc>
           <a:spcPct val="100000"/>
         </a:lnSpc>
@@ -6419,7 +6591,7 @@
           <a:srgbClr val="000000"/>
         </a:buClr>
         <a:buFont typeface="Arial"/>
-        <a:defRPr b="0" i="0" sz="1400" u="none" cap="none" strike="noStrike">
+        <a:defRPr sz="1400" b="0" i="0" u="none" strike="noStrike" cap="none">
           <a:solidFill>
             <a:srgbClr val="000000"/>
           </a:solidFill>
@@ -6435,11 +6607,11 @@
 </file>
 
 <file path=ppt/slides/slide1.xml><?xml version="1.0" encoding="utf-8"?>
-<p:sld xmlns:a="http://schemas.openxmlformats.org/drawingml/2006/main" xmlns:r="http://schemas.openxmlformats.org/officeDocument/2006/relationships" xmlns:mc="http://schemas.openxmlformats.org/markup-compatibility/2006" xmlns:mv="urn:schemas-microsoft-com:mac:vml" xmlns:p="http://schemas.openxmlformats.org/presentationml/2006/main" xmlns:c="http://schemas.openxmlformats.org/drawingml/2006/chart" xmlns:dgm="http://schemas.openxmlformats.org/drawingml/2006/diagram" xmlns:o="urn:schemas-microsoft-com:office:office" xmlns:v="urn:schemas-microsoft-com:vml" xmlns:pvml="urn:schemas-microsoft-com:office:powerpoint" xmlns:com="http://schemas.openxmlformats.org/drawingml/2006/compatibility" xmlns:p14="http://schemas.microsoft.com/office/powerpoint/2010/main" xmlns:p15="http://schemas.microsoft.com/office/powerpoint/2012/main" xmlns:ahyp="http://schemas.microsoft.com/office/drawing/2018/hyperlinkcolor">
+<p:sld xmlns:a="http://schemas.openxmlformats.org/drawingml/2006/main" xmlns:r="http://schemas.openxmlformats.org/officeDocument/2006/relationships" xmlns:p="http://schemas.openxmlformats.org/presentationml/2006/main">
   <p:cSld>
     <p:spTree>
       <p:nvGrpSpPr>
-        <p:cNvPr id="53" name="Shape 53"/>
+        <p:cNvPr id="1" name="Shape 53"/>
         <p:cNvGrpSpPr/>
         <p:nvPr/>
       </p:nvGrpSpPr>
@@ -6454,7 +6626,9 @@
       <p:sp>
         <p:nvSpPr>
           <p:cNvPr id="54" name="Google Shape;54;p13"/>
-          <p:cNvSpPr txBox="1"/>
+          <p:cNvSpPr txBox="1">
+            <a:spLocks noGrp="1"/>
+          </p:cNvSpPr>
           <p:nvPr>
             <p:ph type="ctrTitle"/>
           </p:nvPr>
@@ -6469,12 +6643,12 @@
           </a:prstGeom>
         </p:spPr>
         <p:txBody>
-          <a:bodyPr anchorCtr="0" anchor="b" bIns="91425" lIns="91425" spcFirstLastPara="1" rIns="91425" wrap="square" tIns="91425">
+          <a:bodyPr spcFirstLastPara="1" wrap="square" lIns="91425" tIns="91425" rIns="91425" bIns="91425" anchor="b" anchorCtr="0">
             <a:normAutofit fontScale="90000"/>
           </a:bodyPr>
           <a:lstStyle/>
           <a:p>
-            <a:pPr indent="0" lvl="0" marL="0" rtl="0" algn="ctr">
+            <a:pPr marL="0" lvl="0" indent="0" algn="ctr" rtl="0">
               <a:spcBef>
                 <a:spcPts val="0"/>
               </a:spcBef>
@@ -6494,9 +6668,11 @@
       <p:sp>
         <p:nvSpPr>
           <p:cNvPr id="55" name="Google Shape;55;p13"/>
-          <p:cNvSpPr txBox="1"/>
+          <p:cNvSpPr txBox="1">
+            <a:spLocks noGrp="1"/>
+          </p:cNvSpPr>
           <p:nvPr>
-            <p:ph idx="1" type="subTitle"/>
+            <p:ph type="subTitle" idx="1"/>
           </p:nvPr>
         </p:nvSpPr>
         <p:spPr>
@@ -6509,12 +6685,12 @@
           </a:prstGeom>
         </p:spPr>
         <p:txBody>
-          <a:bodyPr anchorCtr="0" anchor="t" bIns="91425" lIns="91425" spcFirstLastPara="1" rIns="91425" wrap="square" tIns="91425">
+          <a:bodyPr spcFirstLastPara="1" wrap="square" lIns="91425" tIns="91425" rIns="91425" bIns="91425" anchor="t" anchorCtr="0">
             <a:noAutofit/>
           </a:bodyPr>
           <a:lstStyle/>
           <a:p>
-            <a:pPr indent="0" lvl="0" marL="3657600" rtl="0" algn="just">
+            <a:pPr marL="3657600" lvl="0" indent="0" algn="just" rtl="0">
               <a:spcBef>
                 <a:spcPts val="0"/>
               </a:spcBef>
@@ -6531,7 +6707,7 @@
             <a:endParaRPr sz="1610"/>
           </a:p>
           <a:p>
-            <a:pPr indent="457200" lvl="0" marL="3657600" rtl="0" algn="just">
+            <a:pPr marL="3657600" lvl="0" indent="457200" algn="just" rtl="0">
               <a:spcBef>
                 <a:spcPts val="0"/>
               </a:spcBef>
@@ -6548,7 +6724,7 @@
             <a:endParaRPr sz="1610"/>
           </a:p>
           <a:p>
-            <a:pPr indent="0" lvl="0" marL="4114800" rtl="0" algn="just">
+            <a:pPr marL="4114800" lvl="0" indent="0" algn="just" rtl="0">
               <a:spcBef>
                 <a:spcPts val="0"/>
               </a:spcBef>
@@ -6565,7 +6741,7 @@
             <a:endParaRPr sz="1610"/>
           </a:p>
           <a:p>
-            <a:pPr indent="457200" lvl="0" marL="3657600" rtl="0" algn="just">
+            <a:pPr marL="3657600" lvl="0" indent="457200" algn="just" rtl="0">
               <a:spcBef>
                 <a:spcPts val="0"/>
               </a:spcBef>
@@ -6592,11 +6768,227 @@
 </file>
 
 <file path=ppt/slides/slide10.xml><?xml version="1.0" encoding="utf-8"?>
-<p:sld xmlns:a="http://schemas.openxmlformats.org/drawingml/2006/main" xmlns:r="http://schemas.openxmlformats.org/officeDocument/2006/relationships" xmlns:mc="http://schemas.openxmlformats.org/markup-compatibility/2006" xmlns:mv="urn:schemas-microsoft-com:mac:vml" xmlns:p="http://schemas.openxmlformats.org/presentationml/2006/main" xmlns:c="http://schemas.openxmlformats.org/drawingml/2006/chart" xmlns:dgm="http://schemas.openxmlformats.org/drawingml/2006/diagram" xmlns:o="urn:schemas-microsoft-com:office:office" xmlns:v="urn:schemas-microsoft-com:vml" xmlns:pvml="urn:schemas-microsoft-com:office:powerpoint" xmlns:com="http://schemas.openxmlformats.org/drawingml/2006/compatibility" xmlns:p14="http://schemas.microsoft.com/office/powerpoint/2010/main" xmlns:p15="http://schemas.microsoft.com/office/powerpoint/2012/main" xmlns:ahyp="http://schemas.microsoft.com/office/drawing/2018/hyperlinkcolor">
+<p:sld xmlns:a="http://schemas.openxmlformats.org/drawingml/2006/main" xmlns:r="http://schemas.openxmlformats.org/officeDocument/2006/relationships" xmlns:p="http://schemas.openxmlformats.org/presentationml/2006/main">
   <p:cSld>
     <p:spTree>
       <p:nvGrpSpPr>
-        <p:cNvPr id="114" name="Shape 114"/>
+        <p:cNvPr id="1" name="Shape 106"/>
+        <p:cNvGrpSpPr/>
+        <p:nvPr/>
+      </p:nvGrpSpPr>
+      <p:grpSpPr>
+        <a:xfrm>
+          <a:off x="0" y="0"/>
+          <a:ext cx="0" cy="0"/>
+          <a:chOff x="0" y="0"/>
+          <a:chExt cx="0" cy="0"/>
+        </a:xfrm>
+      </p:grpSpPr>
+      <p:sp>
+        <p:nvSpPr>
+          <p:cNvPr id="107" name="Google Shape;107;p21"/>
+          <p:cNvSpPr txBox="1">
+            <a:spLocks noGrp="1"/>
+          </p:cNvSpPr>
+          <p:nvPr>
+            <p:ph type="title"/>
+          </p:nvPr>
+        </p:nvSpPr>
+        <p:spPr>
+          <a:xfrm>
+            <a:off x="311700" y="445025"/>
+            <a:ext cx="8520600" cy="572700"/>
+          </a:xfrm>
+          <a:prstGeom prst="rect">
+            <a:avLst/>
+          </a:prstGeom>
+        </p:spPr>
+        <p:txBody>
+          <a:bodyPr spcFirstLastPara="1" wrap="square" lIns="91425" tIns="91425" rIns="91425" bIns="91425" anchor="t" anchorCtr="0">
+            <a:normAutofit fontScale="90000"/>
+          </a:bodyPr>
+          <a:lstStyle/>
+          <a:p>
+            <a:pPr marL="0" lvl="0" indent="0" algn="l" rtl="0">
+              <a:spcBef>
+                <a:spcPts val="0"/>
+              </a:spcBef>
+              <a:spcAft>
+                <a:spcPts val="0"/>
+              </a:spcAft>
+              <a:buNone/>
+            </a:pPr>
+            <a:r>
+              <a:rPr lang="en-GB"/>
+              <a:t>Deep Learning Model for stability prediction</a:t>
+            </a:r>
+            <a:endParaRPr/>
+          </a:p>
+        </p:txBody>
+      </p:sp>
+      <p:sp>
+        <p:nvSpPr>
+          <p:cNvPr id="108" name="Google Shape;108;p21"/>
+          <p:cNvSpPr txBox="1">
+            <a:spLocks noGrp="1"/>
+          </p:cNvSpPr>
+          <p:nvPr>
+            <p:ph type="body" idx="1"/>
+          </p:nvPr>
+        </p:nvSpPr>
+        <p:spPr>
+          <a:xfrm>
+            <a:off x="311700" y="1152475"/>
+            <a:ext cx="8520600" cy="3416400"/>
+          </a:xfrm>
+          <a:prstGeom prst="rect">
+            <a:avLst/>
+          </a:prstGeom>
+        </p:spPr>
+        <p:txBody>
+          <a:bodyPr spcFirstLastPara="1" wrap="square" lIns="91425" tIns="91425" rIns="91425" bIns="91425" anchor="t" anchorCtr="0">
+            <a:normAutofit/>
+          </a:bodyPr>
+          <a:lstStyle/>
+          <a:p>
+            <a:pPr marL="457200" lvl="0" indent="-342900" algn="l" rtl="0">
+              <a:spcBef>
+                <a:spcPts val="0"/>
+              </a:spcBef>
+              <a:spcAft>
+                <a:spcPts val="0"/>
+              </a:spcAft>
+              <a:buSzPts val="1800"/>
+              <a:buChar char="●"/>
+            </a:pPr>
+            <a:r>
+              <a:rPr lang="en-GB" dirty="0"/>
+              <a:t>A dense neural network was trained on these encoded features (x1,x2,x3,x5,x6,x10) with heat of formation(  H)  as the dependent variable.</a:t>
+            </a:r>
+          </a:p>
+          <a:p>
+            <a:pPr marL="457200" lvl="0" indent="-342900" algn="l" rtl="0">
+              <a:spcBef>
+                <a:spcPts val="0"/>
+              </a:spcBef>
+              <a:spcAft>
+                <a:spcPts val="0"/>
+              </a:spcAft>
+              <a:buSzPts val="1800"/>
+              <a:buChar char="●"/>
+            </a:pPr>
+            <a:r>
+              <a:rPr lang="en-GB" dirty="0"/>
+              <a:t>The model was trained with a final loss of 0.13%.</a:t>
+            </a:r>
+            <a:endParaRPr dirty="0"/>
+          </a:p>
+          <a:p>
+            <a:pPr marL="457200" lvl="0" indent="0" algn="l" rtl="0">
+              <a:spcBef>
+                <a:spcPts val="1200"/>
+              </a:spcBef>
+              <a:spcAft>
+                <a:spcPts val="1200"/>
+              </a:spcAft>
+              <a:buNone/>
+            </a:pPr>
+            <a:endParaRPr dirty="0"/>
+          </a:p>
+        </p:txBody>
+      </p:sp>
+      <p:sp>
+        <p:nvSpPr>
+          <p:cNvPr id="110" name="Google Shape;110;p21"/>
+          <p:cNvSpPr/>
+          <p:nvPr/>
+        </p:nvSpPr>
+        <p:spPr>
+          <a:xfrm>
+            <a:off x="5216977" y="1636863"/>
+            <a:ext cx="134400" cy="159300"/>
+          </a:xfrm>
+          <a:prstGeom prst="triangle">
+            <a:avLst>
+              <a:gd name="adj" fmla="val 50000"/>
+            </a:avLst>
+          </a:prstGeom>
+          <a:solidFill>
+            <a:schemeClr val="lt2"/>
+          </a:solidFill>
+          <a:ln w="9525" cap="flat" cmpd="sng">
+            <a:solidFill>
+              <a:schemeClr val="dk2"/>
+            </a:solidFill>
+            <a:prstDash val="solid"/>
+            <a:round/>
+            <a:headEnd type="none" w="sm" len="sm"/>
+            <a:tailEnd type="none" w="sm" len="sm"/>
+          </a:ln>
+        </p:spPr>
+        <p:txBody>
+          <a:bodyPr spcFirstLastPara="1" wrap="square" lIns="91425" tIns="91425" rIns="91425" bIns="91425" anchor="ctr" anchorCtr="0">
+            <a:noAutofit/>
+          </a:bodyPr>
+          <a:lstStyle/>
+          <a:p>
+            <a:pPr marL="0" lvl="0" indent="0" algn="l" rtl="0">
+              <a:spcBef>
+                <a:spcPts val="0"/>
+              </a:spcBef>
+              <a:spcAft>
+                <a:spcPts val="0"/>
+              </a:spcAft>
+              <a:buNone/>
+            </a:pPr>
+            <a:endParaRPr/>
+          </a:p>
+        </p:txBody>
+      </p:sp>
+      <p:pic>
+        <p:nvPicPr>
+          <p:cNvPr id="3" name="Picture 2" descr="A picture containing text, shoji&#10;&#10;Description automatically generated">
+            <a:extLst>
+              <a:ext uri="{FF2B5EF4-FFF2-40B4-BE49-F238E27FC236}">
+                <a16:creationId xmlns:a16="http://schemas.microsoft.com/office/drawing/2014/main" id="{A11D40B7-D5F0-599C-20A7-037A46C940D4}"/>
+              </a:ext>
+            </a:extLst>
+          </p:cNvPr>
+          <p:cNvPicPr>
+            <a:picLocks noChangeAspect="1"/>
+          </p:cNvPicPr>
+          <p:nvPr/>
+        </p:nvPicPr>
+        <p:blipFill>
+          <a:blip r:embed="rId3"/>
+          <a:stretch>
+            <a:fillRect/>
+          </a:stretch>
+        </p:blipFill>
+        <p:spPr>
+          <a:xfrm>
+            <a:off x="1699333" y="2191422"/>
+            <a:ext cx="4965420" cy="2616178"/>
+          </a:xfrm>
+          <a:prstGeom prst="rect">
+            <a:avLst/>
+          </a:prstGeom>
+        </p:spPr>
+      </p:pic>
+    </p:spTree>
+  </p:cSld>
+  <p:clrMapOvr>
+    <a:masterClrMapping/>
+  </p:clrMapOvr>
+</p:sld>
+</file>
+
+<file path=ppt/slides/slide11.xml><?xml version="1.0" encoding="utf-8"?>
+<p:sld xmlns:a="http://schemas.openxmlformats.org/drawingml/2006/main" xmlns:r="http://schemas.openxmlformats.org/officeDocument/2006/relationships" xmlns:p="http://schemas.openxmlformats.org/presentationml/2006/main">
+  <p:cSld>
+    <p:spTree>
+      <p:nvGrpSpPr>
+        <p:cNvPr id="1" name="Shape 114"/>
         <p:cNvGrpSpPr/>
         <p:nvPr/>
       </p:nvGrpSpPr>
@@ -6611,7 +7003,9 @@
       <p:sp>
         <p:nvSpPr>
           <p:cNvPr id="115" name="Google Shape;115;p22"/>
-          <p:cNvSpPr txBox="1"/>
+          <p:cNvSpPr txBox="1">
+            <a:spLocks noGrp="1"/>
+          </p:cNvSpPr>
           <p:nvPr>
             <p:ph type="title"/>
           </p:nvPr>
@@ -6626,12 +7020,12 @@
           </a:prstGeom>
         </p:spPr>
         <p:txBody>
-          <a:bodyPr anchorCtr="0" anchor="t" bIns="91425" lIns="91425" spcFirstLastPara="1" rIns="91425" wrap="square" tIns="91425">
+          <a:bodyPr spcFirstLastPara="1" wrap="square" lIns="91425" tIns="91425" rIns="91425" bIns="91425" anchor="t" anchorCtr="0">
             <a:normAutofit fontScale="90000"/>
           </a:bodyPr>
           <a:lstStyle/>
           <a:p>
-            <a:pPr indent="0" lvl="0" marL="0" rtl="0" algn="l">
+            <a:pPr marL="0" lvl="0" indent="0" algn="l" rtl="0">
               <a:spcBef>
                 <a:spcPts val="0"/>
               </a:spcBef>
@@ -6651,9 +7045,11 @@
       <p:sp>
         <p:nvSpPr>
           <p:cNvPr id="116" name="Google Shape;116;p22"/>
-          <p:cNvSpPr txBox="1"/>
+          <p:cNvSpPr txBox="1">
+            <a:spLocks noGrp="1"/>
+          </p:cNvSpPr>
           <p:nvPr>
-            <p:ph idx="1" type="body"/>
+            <p:ph type="body" idx="1"/>
           </p:nvPr>
         </p:nvSpPr>
         <p:spPr>
@@ -6666,12 +7062,12 @@
           </a:prstGeom>
         </p:spPr>
         <p:txBody>
-          <a:bodyPr anchorCtr="0" anchor="t" bIns="91425" lIns="91425" spcFirstLastPara="1" rIns="91425" wrap="square" tIns="91425">
+          <a:bodyPr spcFirstLastPara="1" wrap="square" lIns="91425" tIns="91425" rIns="91425" bIns="91425" anchor="t" anchorCtr="0">
             <a:normAutofit/>
           </a:bodyPr>
           <a:lstStyle/>
           <a:p>
-            <a:pPr indent="0" lvl="0" marL="0" rtl="0" algn="l">
+            <a:pPr marL="0" lvl="0" indent="0" algn="l" rtl="0">
               <a:spcBef>
                 <a:spcPts val="0"/>
               </a:spcBef>
@@ -6680,9 +7076,6 @@
               </a:spcAft>
               <a:buNone/>
             </a:pPr>
-            <a:r>
-              <a:t/>
-            </a:r>
             <a:endParaRPr/>
           </a:p>
         </p:txBody>
@@ -6723,12 +7116,181 @@
 </p:sld>
 </file>
 
-<file path=ppt/slides/slide11.xml><?xml version="1.0" encoding="utf-8"?>
-<p:sld xmlns:a="http://schemas.openxmlformats.org/drawingml/2006/main" xmlns:r="http://schemas.openxmlformats.org/officeDocument/2006/relationships" xmlns:mc="http://schemas.openxmlformats.org/markup-compatibility/2006" xmlns:mv="urn:schemas-microsoft-com:mac:vml" xmlns:p="http://schemas.openxmlformats.org/presentationml/2006/main" xmlns:c="http://schemas.openxmlformats.org/drawingml/2006/chart" xmlns:dgm="http://schemas.openxmlformats.org/drawingml/2006/diagram" xmlns:o="urn:schemas-microsoft-com:office:office" xmlns:v="urn:schemas-microsoft-com:vml" xmlns:pvml="urn:schemas-microsoft-com:office:powerpoint" xmlns:com="http://schemas.openxmlformats.org/drawingml/2006/compatibility" xmlns:p14="http://schemas.microsoft.com/office/powerpoint/2010/main" xmlns:p15="http://schemas.microsoft.com/office/powerpoint/2012/main" xmlns:ahyp="http://schemas.microsoft.com/office/drawing/2018/hyperlinkcolor">
+<file path=ppt/slides/slide12.xml><?xml version="1.0" encoding="utf-8"?>
+<p:sld xmlns:a="http://schemas.openxmlformats.org/drawingml/2006/main" xmlns:r="http://schemas.openxmlformats.org/officeDocument/2006/relationships" xmlns:p="http://schemas.openxmlformats.org/presentationml/2006/main">
   <p:cSld>
     <p:spTree>
       <p:nvGrpSpPr>
-        <p:cNvPr id="121" name="Shape 121"/>
+        <p:cNvPr id="1" name=""/>
+        <p:cNvGrpSpPr/>
+        <p:nvPr/>
+      </p:nvGrpSpPr>
+      <p:grpSpPr>
+        <a:xfrm>
+          <a:off x="0" y="0"/>
+          <a:ext cx="0" cy="0"/>
+          <a:chOff x="0" y="0"/>
+          <a:chExt cx="0" cy="0"/>
+        </a:xfrm>
+      </p:grpSpPr>
+      <p:sp>
+        <p:nvSpPr>
+          <p:cNvPr id="2" name="Title 1">
+            <a:extLst>
+              <a:ext uri="{FF2B5EF4-FFF2-40B4-BE49-F238E27FC236}">
+                <a16:creationId xmlns:a16="http://schemas.microsoft.com/office/drawing/2014/main" id="{83CC2BB9-C676-CF36-6014-DE0D4FE23025}"/>
+              </a:ext>
+            </a:extLst>
+          </p:cNvPr>
+          <p:cNvSpPr>
+            <a:spLocks noGrp="1"/>
+          </p:cNvSpPr>
+          <p:nvPr>
+            <p:ph type="title"/>
+          </p:nvPr>
+        </p:nvSpPr>
+        <p:spPr/>
+        <p:txBody>
+          <a:bodyPr>
+            <a:normAutofit fontScale="90000"/>
+          </a:bodyPr>
+          <a:lstStyle/>
+          <a:p>
+            <a:r>
+              <a:rPr lang="en-US" dirty="0"/>
+              <a:t>Testing The Model</a:t>
+            </a:r>
+            <a:endParaRPr lang="en-IN" dirty="0"/>
+          </a:p>
+        </p:txBody>
+      </p:sp>
+      <p:sp>
+        <p:nvSpPr>
+          <p:cNvPr id="3" name="Text Placeholder 2">
+            <a:extLst>
+              <a:ext uri="{FF2B5EF4-FFF2-40B4-BE49-F238E27FC236}">
+                <a16:creationId xmlns:a16="http://schemas.microsoft.com/office/drawing/2014/main" id="{01392D09-5844-B1E2-DB2B-4D2DB6A360CE}"/>
+              </a:ext>
+            </a:extLst>
+          </p:cNvPr>
+          <p:cNvSpPr>
+            <a:spLocks noGrp="1"/>
+          </p:cNvSpPr>
+          <p:nvPr>
+            <p:ph type="body" idx="1"/>
+          </p:nvPr>
+        </p:nvSpPr>
+        <p:spPr/>
+        <p:txBody>
+          <a:bodyPr>
+            <a:normAutofit lnSpcReduction="10000"/>
+          </a:bodyPr>
+          <a:lstStyle/>
+          <a:p>
+            <a:r>
+              <a:rPr lang="en-US" dirty="0"/>
+              <a:t>The encoded dataset was split into 2 sets, 432 samples were used to train the deep learning model and 108 samples were used to test the model’s prediction performance.</a:t>
+            </a:r>
+          </a:p>
+          <a:p>
+            <a:r>
+              <a:rPr lang="en-US" dirty="0"/>
+              <a:t>The model predicted the heat of formation with a mean squared error of about 0.24% and the R2 score of the model is 0.9535 which is a good fit for the deep learning regression model.</a:t>
+            </a:r>
+          </a:p>
+          <a:p>
+            <a:r>
+              <a:rPr lang="en-IN" dirty="0"/>
+              <a:t>From the plot of predicted heat of formation</a:t>
+            </a:r>
+          </a:p>
+          <a:p>
+            <a:pPr marL="114300" indent="0">
+              <a:buNone/>
+            </a:pPr>
+            <a:r>
+              <a:rPr lang="en-IN" dirty="0"/>
+              <a:t> vs the true heat of formation we can see that </a:t>
+            </a:r>
+          </a:p>
+          <a:p>
+            <a:pPr marL="114300" indent="0">
+              <a:buNone/>
+            </a:pPr>
+            <a:r>
+              <a:rPr lang="en-IN" dirty="0"/>
+              <a:t>the plot almost follows a straight line at 45 </a:t>
+            </a:r>
+          </a:p>
+          <a:p>
+            <a:pPr marL="114300" indent="0">
+              <a:buNone/>
+            </a:pPr>
+            <a:r>
+              <a:rPr lang="en-IN" dirty="0"/>
+              <a:t>degrees passing through the origin which also</a:t>
+            </a:r>
+          </a:p>
+          <a:p>
+            <a:pPr marL="114300" indent="0">
+              <a:buNone/>
+            </a:pPr>
+            <a:r>
+              <a:rPr lang="en-IN" dirty="0"/>
+              <a:t> indicates the goodness of fit of the model.</a:t>
+            </a:r>
+          </a:p>
+        </p:txBody>
+      </p:sp>
+      <p:pic>
+        <p:nvPicPr>
+          <p:cNvPr id="5" name="Picture 4" descr="Chart, scatter chart&#10;&#10;Description automatically generated">
+            <a:extLst>
+              <a:ext uri="{FF2B5EF4-FFF2-40B4-BE49-F238E27FC236}">
+                <a16:creationId xmlns:a16="http://schemas.microsoft.com/office/drawing/2014/main" id="{397B7F29-0F54-F6AD-B971-ED214D93581E}"/>
+              </a:ext>
+            </a:extLst>
+          </p:cNvPr>
+          <p:cNvPicPr>
+            <a:picLocks noChangeAspect="1"/>
+          </p:cNvPicPr>
+          <p:nvPr/>
+        </p:nvPicPr>
+        <p:blipFill>
+          <a:blip r:embed="rId2"/>
+          <a:stretch>
+            <a:fillRect/>
+          </a:stretch>
+        </p:blipFill>
+        <p:spPr>
+          <a:xfrm>
+            <a:off x="5305331" y="2860675"/>
+            <a:ext cx="3635612" cy="1910501"/>
+          </a:xfrm>
+          <a:prstGeom prst="rect">
+            <a:avLst/>
+          </a:prstGeom>
+        </p:spPr>
+      </p:pic>
+    </p:spTree>
+    <p:extLst>
+      <p:ext uri="{BB962C8B-B14F-4D97-AF65-F5344CB8AC3E}">
+        <p14:creationId xmlns:p14="http://schemas.microsoft.com/office/powerpoint/2010/main" val="2033308177"/>
+      </p:ext>
+    </p:extLst>
+  </p:cSld>
+  <p:clrMapOvr>
+    <a:masterClrMapping/>
+  </p:clrMapOvr>
+</p:sld>
+</file>
+
+<file path=ppt/slides/slide13.xml><?xml version="1.0" encoding="utf-8"?>
+<p:sld xmlns:a="http://schemas.openxmlformats.org/drawingml/2006/main" xmlns:r="http://schemas.openxmlformats.org/officeDocument/2006/relationships" xmlns:p="http://schemas.openxmlformats.org/presentationml/2006/main">
+  <p:cSld>
+    <p:spTree>
+      <p:nvGrpSpPr>
+        <p:cNvPr id="1" name="Shape 121"/>
         <p:cNvGrpSpPr/>
         <p:nvPr/>
       </p:nvGrpSpPr>
@@ -6743,7 +7305,9 @@
       <p:sp>
         <p:nvSpPr>
           <p:cNvPr id="122" name="Google Shape;122;p23"/>
-          <p:cNvSpPr txBox="1"/>
+          <p:cNvSpPr txBox="1">
+            <a:spLocks noGrp="1"/>
+          </p:cNvSpPr>
           <p:nvPr>
             <p:ph type="title"/>
           </p:nvPr>
@@ -6758,12 +7322,12 @@
           </a:prstGeom>
         </p:spPr>
         <p:txBody>
-          <a:bodyPr anchorCtr="0" anchor="t" bIns="91425" lIns="91425" spcFirstLastPara="1" rIns="91425" wrap="square" tIns="91425">
+          <a:bodyPr spcFirstLastPara="1" wrap="square" lIns="91425" tIns="91425" rIns="91425" bIns="91425" anchor="t" anchorCtr="0">
             <a:normAutofit fontScale="90000"/>
           </a:bodyPr>
           <a:lstStyle/>
           <a:p>
-            <a:pPr indent="0" lvl="0" marL="0" rtl="0" algn="l">
+            <a:pPr marL="0" lvl="0" indent="0" algn="l" rtl="0">
               <a:spcBef>
                 <a:spcPts val="0"/>
               </a:spcBef>
@@ -6783,9 +7347,11 @@
       <p:sp>
         <p:nvSpPr>
           <p:cNvPr id="123" name="Google Shape;123;p23"/>
-          <p:cNvSpPr txBox="1"/>
+          <p:cNvSpPr txBox="1">
+            <a:spLocks noGrp="1"/>
+          </p:cNvSpPr>
           <p:nvPr>
-            <p:ph idx="1" type="body"/>
+            <p:ph type="body" idx="1"/>
           </p:nvPr>
         </p:nvSpPr>
         <p:spPr>
@@ -6798,12 +7364,12 @@
           </a:prstGeom>
         </p:spPr>
         <p:txBody>
-          <a:bodyPr anchorCtr="0" anchor="t" bIns="91425" lIns="91425" spcFirstLastPara="1" rIns="91425" wrap="square" tIns="91425">
+          <a:bodyPr spcFirstLastPara="1" wrap="square" lIns="91425" tIns="91425" rIns="91425" bIns="91425" anchor="t" anchorCtr="0">
             <a:normAutofit/>
           </a:bodyPr>
           <a:lstStyle/>
           <a:p>
-            <a:pPr indent="0" lvl="0" marL="0" rtl="0" algn="l">
+            <a:pPr marL="0" lvl="0" indent="0" algn="l" rtl="0">
               <a:spcBef>
                 <a:spcPts val="0"/>
               </a:spcBef>
@@ -6828,7 +7394,7 @@
             <a:endParaRPr/>
           </a:p>
           <a:p>
-            <a:pPr indent="0" lvl="0" marL="0" rtl="0" algn="l">
+            <a:pPr marL="0" lvl="0" indent="0" algn="l" rtl="0">
               <a:spcBef>
                 <a:spcPts val="1200"/>
               </a:spcBef>
@@ -6853,7 +7419,7 @@
             <a:endParaRPr/>
           </a:p>
           <a:p>
-            <a:pPr indent="0" lvl="0" marL="0" rtl="0" algn="l">
+            <a:pPr marL="0" lvl="0" indent="0" algn="l" rtl="0">
               <a:spcBef>
                 <a:spcPts val="1200"/>
               </a:spcBef>
@@ -6882,7 +7448,9 @@
       <p:sp>
         <p:nvSpPr>
           <p:cNvPr id="124" name="Google Shape;124;p23"/>
-          <p:cNvSpPr txBox="1"/>
+          <p:cNvSpPr txBox="1">
+            <a:spLocks noGrp="1"/>
+          </p:cNvSpPr>
           <p:nvPr>
             <p:ph type="title"/>
           </p:nvPr>
@@ -6897,12 +7465,12 @@
           </a:prstGeom>
         </p:spPr>
         <p:txBody>
-          <a:bodyPr anchorCtr="0" anchor="t" bIns="91425" lIns="91425" spcFirstLastPara="1" rIns="91425" wrap="square" tIns="91425">
+          <a:bodyPr spcFirstLastPara="1" wrap="square" lIns="91425" tIns="91425" rIns="91425" bIns="91425" anchor="t" anchorCtr="0">
             <a:normAutofit fontScale="90000"/>
           </a:bodyPr>
           <a:lstStyle/>
           <a:p>
-            <a:pPr indent="0" lvl="0" marL="0" rtl="0" algn="l">
+            <a:pPr marL="0" lvl="0" indent="0" algn="l" rtl="0">
               <a:spcBef>
                 <a:spcPts val="0"/>
               </a:spcBef>
@@ -6922,9 +7490,11 @@
       <p:sp>
         <p:nvSpPr>
           <p:cNvPr id="125" name="Google Shape;125;p23"/>
-          <p:cNvSpPr txBox="1"/>
+          <p:cNvSpPr txBox="1">
+            <a:spLocks noGrp="1"/>
+          </p:cNvSpPr>
           <p:nvPr>
-            <p:ph idx="1" type="body"/>
+            <p:ph type="body" idx="1"/>
           </p:nvPr>
         </p:nvSpPr>
         <p:spPr>
@@ -6937,12 +7507,12 @@
           </a:prstGeom>
         </p:spPr>
         <p:txBody>
-          <a:bodyPr anchorCtr="0" anchor="t" bIns="91425" lIns="91425" spcFirstLastPara="1" rIns="91425" wrap="square" tIns="91425">
+          <a:bodyPr spcFirstLastPara="1" wrap="square" lIns="91425" tIns="91425" rIns="91425" bIns="91425" anchor="t" anchorCtr="0">
             <a:noAutofit/>
           </a:bodyPr>
           <a:lstStyle/>
           <a:p>
-            <a:pPr indent="-333674" lvl="0" marL="457200" rtl="0" algn="l">
+            <a:pPr marL="457200" lvl="0" indent="-333674" algn="l" rtl="0">
               <a:lnSpc>
                 <a:spcPct val="105000"/>
               </a:lnSpc>
@@ -6983,7 +7553,7 @@
             </a:endParaRPr>
           </a:p>
           <a:p>
-            <a:pPr indent="-333674" lvl="0" marL="457200" rtl="0" algn="l">
+            <a:pPr marL="457200" lvl="0" indent="-333674" algn="l" rtl="0">
               <a:lnSpc>
                 <a:spcPct val="105000"/>
               </a:lnSpc>
@@ -7030,7 +7600,7 @@
             </a:endParaRPr>
           </a:p>
           <a:p>
-            <a:pPr indent="0" lvl="0" marL="457200" rtl="0" algn="l">
+            <a:pPr marL="457200" lvl="0" indent="0" algn="l" rtl="0">
               <a:lnSpc>
                 <a:spcPct val="105000"/>
               </a:lnSpc>
@@ -7043,9 +7613,6 @@
               <a:buSzPts val="605"/>
               <a:buNone/>
             </a:pPr>
-            <a:r>
-              <a:t/>
-            </a:r>
             <a:endParaRPr sz="1590">
               <a:solidFill>
                 <a:srgbClr val="505050"/>
@@ -7057,7 +7624,7 @@
             </a:endParaRPr>
           </a:p>
           <a:p>
-            <a:pPr indent="0" lvl="0" marL="0" rtl="0" algn="l">
+            <a:pPr marL="0" lvl="0" indent="0" algn="l" rtl="0">
               <a:lnSpc>
                 <a:spcPct val="105000"/>
               </a:lnSpc>
@@ -7070,9 +7637,6 @@
               <a:buSzPts val="605"/>
               <a:buNone/>
             </a:pPr>
-            <a:r>
-              <a:t/>
-            </a:r>
             <a:endParaRPr sz="1590"/>
           </a:p>
         </p:txBody>
@@ -7086,11 +7650,11 @@
 </file>
 
 <file path=ppt/slides/slide2.xml><?xml version="1.0" encoding="utf-8"?>
-<p:sld xmlns:a="http://schemas.openxmlformats.org/drawingml/2006/main" xmlns:r="http://schemas.openxmlformats.org/officeDocument/2006/relationships" xmlns:mc="http://schemas.openxmlformats.org/markup-compatibility/2006" xmlns:mv="urn:schemas-microsoft-com:mac:vml" xmlns:p="http://schemas.openxmlformats.org/presentationml/2006/main" xmlns:c="http://schemas.openxmlformats.org/drawingml/2006/chart" xmlns:dgm="http://schemas.openxmlformats.org/drawingml/2006/diagram" xmlns:o="urn:schemas-microsoft-com:office:office" xmlns:v="urn:schemas-microsoft-com:vml" xmlns:pvml="urn:schemas-microsoft-com:office:powerpoint" xmlns:com="http://schemas.openxmlformats.org/drawingml/2006/compatibility" xmlns:p14="http://schemas.microsoft.com/office/powerpoint/2010/main" xmlns:p15="http://schemas.microsoft.com/office/powerpoint/2012/main" xmlns:ahyp="http://schemas.microsoft.com/office/drawing/2018/hyperlinkcolor">
+<p:sld xmlns:a="http://schemas.openxmlformats.org/drawingml/2006/main" xmlns:r="http://schemas.openxmlformats.org/officeDocument/2006/relationships" xmlns:p="http://schemas.openxmlformats.org/presentationml/2006/main">
   <p:cSld>
     <p:spTree>
       <p:nvGrpSpPr>
-        <p:cNvPr id="59" name="Shape 59"/>
+        <p:cNvPr id="1" name="Shape 59"/>
         <p:cNvGrpSpPr/>
         <p:nvPr/>
       </p:nvGrpSpPr>
@@ -7105,7 +7669,9 @@
       <p:sp>
         <p:nvSpPr>
           <p:cNvPr id="60" name="Google Shape;60;p14"/>
-          <p:cNvSpPr txBox="1"/>
+          <p:cNvSpPr txBox="1">
+            <a:spLocks noGrp="1"/>
+          </p:cNvSpPr>
           <p:nvPr>
             <p:ph type="title"/>
           </p:nvPr>
@@ -7120,12 +7686,12 @@
           </a:prstGeom>
         </p:spPr>
         <p:txBody>
-          <a:bodyPr anchorCtr="0" anchor="t" bIns="91425" lIns="91425" spcFirstLastPara="1" rIns="91425" wrap="square" tIns="91425">
+          <a:bodyPr spcFirstLastPara="1" wrap="square" lIns="91425" tIns="91425" rIns="91425" bIns="91425" anchor="t" anchorCtr="0">
             <a:normAutofit fontScale="90000"/>
           </a:bodyPr>
           <a:lstStyle/>
           <a:p>
-            <a:pPr indent="0" lvl="0" marL="0" rtl="0" algn="l">
+            <a:pPr marL="0" lvl="0" indent="0" algn="l" rtl="0">
               <a:spcBef>
                 <a:spcPts val="0"/>
               </a:spcBef>
@@ -7145,9 +7711,11 @@
       <p:sp>
         <p:nvSpPr>
           <p:cNvPr id="61" name="Google Shape;61;p14"/>
-          <p:cNvSpPr txBox="1"/>
+          <p:cNvSpPr txBox="1">
+            <a:spLocks noGrp="1"/>
+          </p:cNvSpPr>
           <p:nvPr>
-            <p:ph idx="1" type="body"/>
+            <p:ph type="body" idx="1"/>
           </p:nvPr>
         </p:nvSpPr>
         <p:spPr>
@@ -7160,12 +7728,12 @@
           </a:prstGeom>
         </p:spPr>
         <p:txBody>
-          <a:bodyPr anchorCtr="0" anchor="t" bIns="91425" lIns="91425" spcFirstLastPara="1" rIns="91425" wrap="square" tIns="91425">
+          <a:bodyPr spcFirstLastPara="1" wrap="square" lIns="91425" tIns="91425" rIns="91425" bIns="91425" anchor="t" anchorCtr="0">
             <a:normAutofit lnSpcReduction="10000"/>
           </a:bodyPr>
           <a:lstStyle/>
           <a:p>
-            <a:pPr indent="0" lvl="0" marL="0" rtl="0" algn="l">
+            <a:pPr marL="0" lvl="0" indent="0" algn="l" rtl="0">
               <a:spcBef>
                 <a:spcPts val="0"/>
               </a:spcBef>
@@ -7174,13 +7742,10 @@
               </a:spcAft>
               <a:buNone/>
             </a:pPr>
-            <a:r>
-              <a:t/>
-            </a:r>
             <a:endParaRPr/>
           </a:p>
           <a:p>
-            <a:pPr indent="-342900" lvl="0" marL="457200" rtl="0" algn="l">
+            <a:pPr marL="457200" lvl="0" indent="-342900" algn="l" rtl="0">
               <a:spcBef>
                 <a:spcPts val="1200"/>
               </a:spcBef>
@@ -7192,20 +7757,12 @@
             </a:pPr>
             <a:r>
               <a:rPr lang="en-GB"/>
-              <a:t>540 datasets of </a:t>
-            </a:r>
-            <a:r>
-              <a:rPr lang="en-GB"/>
-              <a:t>halide</a:t>
-            </a:r>
-            <a:r>
-              <a:rPr lang="en-GB"/>
-              <a:t> double perovskites were chosen to build the model.</a:t>
+              <a:t>540 datasets of halide double perovskites were chosen to build the model.</a:t>
             </a:r>
             <a:endParaRPr/>
           </a:p>
           <a:p>
-            <a:pPr indent="-342900" lvl="0" marL="457200" rtl="0" algn="l">
+            <a:pPr marL="457200" lvl="0" indent="-342900" algn="l" rtl="0">
               <a:spcBef>
                 <a:spcPts val="0"/>
               </a:spcBef>
@@ -7217,16 +7774,12 @@
             </a:pPr>
             <a:r>
               <a:rPr lang="en-GB"/>
-              <a:t>The datasets </a:t>
-            </a:r>
-            <a:r>
-              <a:rPr lang="en-GB"/>
-              <a:t>contained information about the properties of the elements which were present in the double perovskites which were calculated using first principles.</a:t>
+              <a:t>The datasets contained information about the properties of the elements which were present in the double perovskites which were calculated using first principles.</a:t>
             </a:r>
             <a:endParaRPr/>
           </a:p>
           <a:p>
-            <a:pPr indent="-342900" lvl="0" marL="457200" rtl="0" algn="l">
+            <a:pPr marL="457200" lvl="0" indent="-342900" algn="l" rtl="0">
               <a:spcBef>
                 <a:spcPts val="0"/>
               </a:spcBef>
@@ -7256,7 +7809,7 @@
             <a:endParaRPr/>
           </a:p>
           <a:p>
-            <a:pPr indent="-342900" lvl="0" marL="457200" rtl="0" algn="l">
+            <a:pPr marL="457200" lvl="0" indent="-342900" algn="l" rtl="0">
               <a:spcBef>
                 <a:spcPts val="0"/>
               </a:spcBef>
@@ -7273,7 +7826,7 @@
             <a:endParaRPr/>
           </a:p>
           <a:p>
-            <a:pPr indent="-342900" lvl="0" marL="457200" rtl="0" algn="l">
+            <a:pPr marL="457200" lvl="0" indent="-342900" algn="l" rtl="0">
               <a:spcBef>
                 <a:spcPts val="0"/>
               </a:spcBef>
@@ -7300,11 +7853,11 @@
 </file>
 
 <file path=ppt/slides/slide3.xml><?xml version="1.0" encoding="utf-8"?>
-<p:sld xmlns:a="http://schemas.openxmlformats.org/drawingml/2006/main" xmlns:r="http://schemas.openxmlformats.org/officeDocument/2006/relationships" xmlns:mc="http://schemas.openxmlformats.org/markup-compatibility/2006" xmlns:mv="urn:schemas-microsoft-com:mac:vml" xmlns:p="http://schemas.openxmlformats.org/presentationml/2006/main" xmlns:c="http://schemas.openxmlformats.org/drawingml/2006/chart" xmlns:dgm="http://schemas.openxmlformats.org/drawingml/2006/diagram" xmlns:o="urn:schemas-microsoft-com:office:office" xmlns:v="urn:schemas-microsoft-com:vml" xmlns:pvml="urn:schemas-microsoft-com:office:powerpoint" xmlns:com="http://schemas.openxmlformats.org/drawingml/2006/compatibility" xmlns:p14="http://schemas.microsoft.com/office/powerpoint/2010/main" xmlns:p15="http://schemas.microsoft.com/office/powerpoint/2012/main" xmlns:ahyp="http://schemas.microsoft.com/office/drawing/2018/hyperlinkcolor">
+<p:sld xmlns:a="http://schemas.openxmlformats.org/drawingml/2006/main" xmlns:r="http://schemas.openxmlformats.org/officeDocument/2006/relationships" xmlns:p="http://schemas.openxmlformats.org/presentationml/2006/main">
   <p:cSld>
     <p:spTree>
       <p:nvGrpSpPr>
-        <p:cNvPr id="65" name="Shape 65"/>
+        <p:cNvPr id="1" name="Shape 65"/>
         <p:cNvGrpSpPr/>
         <p:nvPr/>
       </p:nvGrpSpPr>
@@ -7319,7 +7872,9 @@
       <p:sp>
         <p:nvSpPr>
           <p:cNvPr id="66" name="Google Shape;66;p15"/>
-          <p:cNvSpPr txBox="1"/>
+          <p:cNvSpPr txBox="1">
+            <a:spLocks noGrp="1"/>
+          </p:cNvSpPr>
           <p:nvPr>
             <p:ph type="title"/>
           </p:nvPr>
@@ -7334,12 +7889,12 @@
           </a:prstGeom>
         </p:spPr>
         <p:txBody>
-          <a:bodyPr anchorCtr="0" anchor="t" bIns="91425" lIns="91425" spcFirstLastPara="1" rIns="91425" wrap="square" tIns="91425">
+          <a:bodyPr spcFirstLastPara="1" wrap="square" lIns="91425" tIns="91425" rIns="91425" bIns="91425" anchor="t" anchorCtr="0">
             <a:normAutofit fontScale="90000"/>
           </a:bodyPr>
           <a:lstStyle/>
           <a:p>
-            <a:pPr indent="0" lvl="0" marL="0" rtl="0" algn="l">
+            <a:pPr marL="0" lvl="0" indent="0" algn="l" rtl="0">
               <a:spcBef>
                 <a:spcPts val="0"/>
               </a:spcBef>
@@ -7359,9 +7914,11 @@
       <p:sp>
         <p:nvSpPr>
           <p:cNvPr id="67" name="Google Shape;67;p15"/>
-          <p:cNvSpPr txBox="1"/>
+          <p:cNvSpPr txBox="1">
+            <a:spLocks noGrp="1"/>
+          </p:cNvSpPr>
           <p:nvPr>
-            <p:ph idx="1" type="body"/>
+            <p:ph type="body" idx="1"/>
           </p:nvPr>
         </p:nvSpPr>
         <p:spPr>
@@ -7374,12 +7931,12 @@
           </a:prstGeom>
         </p:spPr>
         <p:txBody>
-          <a:bodyPr anchorCtr="0" anchor="t" bIns="91425" lIns="91425" spcFirstLastPara="1" rIns="91425" wrap="square" tIns="91425">
+          <a:bodyPr spcFirstLastPara="1" wrap="square" lIns="91425" tIns="91425" rIns="91425" bIns="91425" anchor="t" anchorCtr="0">
             <a:normAutofit/>
           </a:bodyPr>
           <a:lstStyle/>
           <a:p>
-            <a:pPr indent="-342900" lvl="0" marL="457200" rtl="0" algn="l">
+            <a:pPr marL="457200" lvl="0" indent="-342900" algn="l" rtl="0">
               <a:spcBef>
                 <a:spcPts val="0"/>
               </a:spcBef>
@@ -7396,7 +7953,7 @@
             <a:endParaRPr/>
           </a:p>
           <a:p>
-            <a:pPr indent="-342900" lvl="0" marL="457200" rtl="0" algn="l">
+            <a:pPr marL="457200" lvl="0" indent="-342900" algn="l" rtl="0">
               <a:spcBef>
                 <a:spcPts val="0"/>
               </a:spcBef>
@@ -7413,7 +7970,7 @@
             <a:endParaRPr/>
           </a:p>
           <a:p>
-            <a:pPr indent="-342900" lvl="0" marL="457200" rtl="0" algn="l">
+            <a:pPr marL="457200" lvl="0" indent="-342900" algn="l" rtl="0">
               <a:spcBef>
                 <a:spcPts val="0"/>
               </a:spcBef>
@@ -7425,15 +7982,7 @@
             </a:pPr>
             <a:r>
               <a:rPr lang="en-GB"/>
-              <a:t>Instead of using normal dimensionality reduction techniques like PCA (Principal Component Analysis) which do not account for the non-linear relationships in the dataset , we use a </a:t>
-            </a:r>
-            <a:r>
-              <a:rPr lang="en-GB"/>
-              <a:t>deep learning</a:t>
-            </a:r>
-            <a:r>
-              <a:rPr lang="en-GB"/>
-              <a:t> model  called ‘Autoencoders’ to encode these 32 features into 10 features.</a:t>
+              <a:t>Instead of using normal dimensionality reduction techniques like PCA (Principal Component Analysis) which do not account for the non-linear relationships in the dataset , we use a deep learning model  called ‘Autoencoders’ to encode these 32 features into 10 features.</a:t>
             </a:r>
             <a:endParaRPr/>
           </a:p>
@@ -7448,11 +7997,11 @@
 </file>
 
 <file path=ppt/slides/slide4.xml><?xml version="1.0" encoding="utf-8"?>
-<p:sld xmlns:a="http://schemas.openxmlformats.org/drawingml/2006/main" xmlns:r="http://schemas.openxmlformats.org/officeDocument/2006/relationships" xmlns:mc="http://schemas.openxmlformats.org/markup-compatibility/2006" xmlns:mv="urn:schemas-microsoft-com:mac:vml" xmlns:p="http://schemas.openxmlformats.org/presentationml/2006/main" xmlns:c="http://schemas.openxmlformats.org/drawingml/2006/chart" xmlns:dgm="http://schemas.openxmlformats.org/drawingml/2006/diagram" xmlns:o="urn:schemas-microsoft-com:office:office" xmlns:v="urn:schemas-microsoft-com:vml" xmlns:pvml="urn:schemas-microsoft-com:office:powerpoint" xmlns:com="http://schemas.openxmlformats.org/drawingml/2006/compatibility" xmlns:p14="http://schemas.microsoft.com/office/powerpoint/2010/main" xmlns:p15="http://schemas.microsoft.com/office/powerpoint/2012/main" xmlns:ahyp="http://schemas.microsoft.com/office/drawing/2018/hyperlinkcolor">
+<p:sld xmlns:a="http://schemas.openxmlformats.org/drawingml/2006/main" xmlns:r="http://schemas.openxmlformats.org/officeDocument/2006/relationships" xmlns:p="http://schemas.openxmlformats.org/presentationml/2006/main">
   <p:cSld>
     <p:spTree>
       <p:nvGrpSpPr>
-        <p:cNvPr id="71" name="Shape 71"/>
+        <p:cNvPr id="1" name="Shape 71"/>
         <p:cNvGrpSpPr/>
         <p:nvPr/>
       </p:nvGrpSpPr>
@@ -7501,11 +8050,11 @@
 </file>
 
 <file path=ppt/slides/slide5.xml><?xml version="1.0" encoding="utf-8"?>
-<p:sld xmlns:a="http://schemas.openxmlformats.org/drawingml/2006/main" xmlns:r="http://schemas.openxmlformats.org/officeDocument/2006/relationships" xmlns:mc="http://schemas.openxmlformats.org/markup-compatibility/2006" xmlns:mv="urn:schemas-microsoft-com:mac:vml" xmlns:p="http://schemas.openxmlformats.org/presentationml/2006/main" xmlns:c="http://schemas.openxmlformats.org/drawingml/2006/chart" xmlns:dgm="http://schemas.openxmlformats.org/drawingml/2006/diagram" xmlns:o="urn:schemas-microsoft-com:office:office" xmlns:v="urn:schemas-microsoft-com:vml" xmlns:pvml="urn:schemas-microsoft-com:office:powerpoint" xmlns:com="http://schemas.openxmlformats.org/drawingml/2006/compatibility" xmlns:p14="http://schemas.microsoft.com/office/powerpoint/2010/main" xmlns:p15="http://schemas.microsoft.com/office/powerpoint/2012/main" xmlns:ahyp="http://schemas.microsoft.com/office/drawing/2018/hyperlinkcolor">
+<p:sld xmlns:a="http://schemas.openxmlformats.org/drawingml/2006/main" xmlns:r="http://schemas.openxmlformats.org/officeDocument/2006/relationships" xmlns:p="http://schemas.openxmlformats.org/presentationml/2006/main">
   <p:cSld>
     <p:spTree>
       <p:nvGrpSpPr>
-        <p:cNvPr id="76" name="Shape 76"/>
+        <p:cNvPr id="1" name="Shape 76"/>
         <p:cNvGrpSpPr/>
         <p:nvPr/>
       </p:nvGrpSpPr>
@@ -7520,7 +8069,9 @@
       <p:sp>
         <p:nvSpPr>
           <p:cNvPr id="77" name="Google Shape;77;p17"/>
-          <p:cNvSpPr txBox="1"/>
+          <p:cNvSpPr txBox="1">
+            <a:spLocks noGrp="1"/>
+          </p:cNvSpPr>
           <p:nvPr>
             <p:ph type="title"/>
           </p:nvPr>
@@ -7535,12 +8086,12 @@
           </a:prstGeom>
         </p:spPr>
         <p:txBody>
-          <a:bodyPr anchorCtr="0" anchor="t" bIns="91425" lIns="91425" spcFirstLastPara="1" rIns="91425" wrap="square" tIns="91425">
+          <a:bodyPr spcFirstLastPara="1" wrap="square" lIns="91425" tIns="91425" rIns="91425" bIns="91425" anchor="t" anchorCtr="0">
             <a:normAutofit fontScale="90000"/>
           </a:bodyPr>
           <a:lstStyle/>
           <a:p>
-            <a:pPr indent="0" lvl="0" marL="0" rtl="0" algn="l">
+            <a:pPr marL="0" lvl="0" indent="0" algn="l" rtl="0">
               <a:spcBef>
                 <a:spcPts val="0"/>
               </a:spcBef>
@@ -7560,9 +8111,11 @@
       <p:sp>
         <p:nvSpPr>
           <p:cNvPr id="78" name="Google Shape;78;p17"/>
-          <p:cNvSpPr txBox="1"/>
+          <p:cNvSpPr txBox="1">
+            <a:spLocks noGrp="1"/>
+          </p:cNvSpPr>
           <p:nvPr>
-            <p:ph idx="1" type="body"/>
+            <p:ph type="body" idx="1"/>
           </p:nvPr>
         </p:nvSpPr>
         <p:spPr>
@@ -7575,12 +8128,12 @@
           </a:prstGeom>
         </p:spPr>
         <p:txBody>
-          <a:bodyPr anchorCtr="0" anchor="t" bIns="91425" lIns="91425" spcFirstLastPara="1" rIns="91425" wrap="square" tIns="91425">
+          <a:bodyPr spcFirstLastPara="1" wrap="square" lIns="91425" tIns="91425" rIns="91425" bIns="91425" anchor="t" anchorCtr="0">
             <a:normAutofit/>
           </a:bodyPr>
           <a:lstStyle/>
           <a:p>
-            <a:pPr indent="-342900" lvl="0" marL="457200" rtl="0" algn="l">
+            <a:pPr marL="457200" lvl="0" indent="-342900" algn="l" rtl="0">
               <a:spcBef>
                 <a:spcPts val="0"/>
               </a:spcBef>
@@ -7597,7 +8150,7 @@
             <a:endParaRPr/>
           </a:p>
           <a:p>
-            <a:pPr indent="0" lvl="0" marL="457200" rtl="0" algn="l">
+            <a:pPr marL="457200" lvl="0" indent="0" algn="l" rtl="0">
               <a:spcBef>
                 <a:spcPts val="1200"/>
               </a:spcBef>
@@ -7606,9 +8159,6 @@
               </a:spcAft>
               <a:buNone/>
             </a:pPr>
-            <a:r>
-              <a:t/>
-            </a:r>
             <a:endParaRPr/>
           </a:p>
         </p:txBody>
@@ -7678,11 +8228,11 @@
 </file>
 
 <file path=ppt/slides/slide6.xml><?xml version="1.0" encoding="utf-8"?>
-<p:sld xmlns:a="http://schemas.openxmlformats.org/drawingml/2006/main" xmlns:r="http://schemas.openxmlformats.org/officeDocument/2006/relationships" xmlns:mc="http://schemas.openxmlformats.org/markup-compatibility/2006" xmlns:mv="urn:schemas-microsoft-com:mac:vml" xmlns:p="http://schemas.openxmlformats.org/presentationml/2006/main" xmlns:c="http://schemas.openxmlformats.org/drawingml/2006/chart" xmlns:dgm="http://schemas.openxmlformats.org/drawingml/2006/diagram" xmlns:o="urn:schemas-microsoft-com:office:office" xmlns:v="urn:schemas-microsoft-com:vml" xmlns:pvml="urn:schemas-microsoft-com:office:powerpoint" xmlns:com="http://schemas.openxmlformats.org/drawingml/2006/compatibility" xmlns:p14="http://schemas.microsoft.com/office/powerpoint/2010/main" xmlns:p15="http://schemas.microsoft.com/office/powerpoint/2012/main" xmlns:ahyp="http://schemas.microsoft.com/office/drawing/2018/hyperlinkcolor">
+<p:sld xmlns:a="http://schemas.openxmlformats.org/drawingml/2006/main" xmlns:r="http://schemas.openxmlformats.org/officeDocument/2006/relationships" xmlns:p="http://schemas.openxmlformats.org/presentationml/2006/main">
   <p:cSld>
     <p:spTree>
       <p:nvGrpSpPr>
-        <p:cNvPr id="84" name="Shape 84"/>
+        <p:cNvPr id="1" name="Shape 84"/>
         <p:cNvGrpSpPr/>
         <p:nvPr/>
       </p:nvGrpSpPr>
@@ -7697,9 +8247,11 @@
       <p:sp>
         <p:nvSpPr>
           <p:cNvPr id="85" name="Google Shape;85;p18"/>
-          <p:cNvSpPr txBox="1"/>
+          <p:cNvSpPr txBox="1">
+            <a:spLocks noGrp="1"/>
+          </p:cNvSpPr>
           <p:nvPr>
-            <p:ph idx="1" type="body"/>
+            <p:ph type="body" idx="1"/>
           </p:nvPr>
         </p:nvSpPr>
         <p:spPr>
@@ -7712,12 +8264,12 @@
           </a:prstGeom>
         </p:spPr>
         <p:txBody>
-          <a:bodyPr anchorCtr="0" anchor="t" bIns="91425" lIns="91425" spcFirstLastPara="1" rIns="91425" wrap="square" tIns="91425">
-            <a:normAutofit lnSpcReduction="20000"/>
+          <a:bodyPr spcFirstLastPara="1" wrap="square" lIns="91425" tIns="91425" rIns="91425" bIns="91425" anchor="t" anchorCtr="0">
+            <a:normAutofit lnSpcReduction="10000"/>
           </a:bodyPr>
           <a:lstStyle/>
           <a:p>
-            <a:pPr indent="-342900" lvl="0" marL="457200" rtl="0" algn="l">
+            <a:pPr marL="457200" lvl="0" indent="-342900" algn="l" rtl="0">
               <a:spcBef>
                 <a:spcPts val="0"/>
               </a:spcBef>
@@ -7728,29 +8280,13 @@
               <a:buChar char="●"/>
             </a:pPr>
             <a:r>
-              <a:rPr lang="en-GB"/>
-              <a:t>The encoder part of the network encodes the input into a hidden bottle-neck layer and the decoder part uses specific </a:t>
+              <a:rPr lang="en-GB" dirty="0"/>
+              <a:t>The encoder part of the network encodes the input into a hidden bottle-neck layer and the decoder part uses specific weights and biases to reconstruct those inputs from these hidden layers.</a:t>
             </a:r>
-            <a:r>
-              <a:rPr lang="en-GB"/>
-              <a:t>weights</a:t>
-            </a:r>
-            <a:r>
-              <a:rPr lang="en-GB"/>
-              <a:t> and biases to reconstruct </a:t>
-            </a:r>
-            <a:r>
-              <a:rPr lang="en-GB"/>
-              <a:t>those</a:t>
-            </a:r>
-            <a:r>
-              <a:rPr lang="en-GB"/>
-              <a:t> inputs from these hidden layers.</a:t>
-            </a:r>
-            <a:endParaRPr/>
-          </a:p>
-          <a:p>
-            <a:pPr indent="-342900" lvl="0" marL="457200" rtl="0" algn="l">
+            <a:endParaRPr dirty="0"/>
+          </a:p>
+          <a:p>
+            <a:pPr marL="457200" lvl="0" indent="-342900" algn="l" rtl="0">
               <a:spcBef>
                 <a:spcPts val="0"/>
               </a:spcBef>
@@ -7761,13 +8297,13 @@
               <a:buChar char="●"/>
             </a:pPr>
             <a:r>
-              <a:rPr lang="en-GB"/>
+              <a:rPr lang="en-GB" dirty="0"/>
               <a:t>Once the encoder-decoder networks learns to replicate the input (X) in the output (X’) the hidden bottle-neck layer would represent a compressed version of the input (X). </a:t>
             </a:r>
-            <a:endParaRPr/>
-          </a:p>
-          <a:p>
-            <a:pPr indent="-342900" lvl="0" marL="457200" rtl="0" algn="l">
+            <a:endParaRPr dirty="0"/>
+          </a:p>
+          <a:p>
+            <a:pPr marL="457200" lvl="0" indent="-342900" algn="l" rtl="0">
               <a:spcBef>
                 <a:spcPts val="0"/>
               </a:spcBef>
@@ -7778,13 +8314,13 @@
               <a:buChar char="●"/>
             </a:pPr>
             <a:r>
-              <a:rPr lang="en-GB"/>
+              <a:rPr lang="en-GB" dirty="0"/>
               <a:t>The number of hidden neurons in the bottle-neck layer (here its 10) is smaller than the input layer neurons (32) so the dimension of the feature space also gets reduced to the latent space dimension (10).</a:t>
             </a:r>
-            <a:endParaRPr/>
-          </a:p>
-          <a:p>
-            <a:pPr indent="-342900" lvl="0" marL="457200" rtl="0" algn="l">
+            <a:endParaRPr dirty="0"/>
+          </a:p>
+          <a:p>
+            <a:pPr marL="457200" lvl="0" indent="-342900" algn="l" rtl="0">
               <a:spcBef>
                 <a:spcPts val="0"/>
               </a:spcBef>
@@ -7795,21 +8331,13 @@
               <a:buChar char="●"/>
             </a:pPr>
             <a:r>
-              <a:rPr lang="en-GB"/>
-              <a:t>Autoencoders can learn more non-linear complex </a:t>
+              <a:rPr lang="en-GB" dirty="0"/>
+              <a:t>Autoencoders can learn more non-linear complex representations in the data compared to PCA, this is the reason for the usage of Autoencoders.</a:t>
             </a:r>
-            <a:r>
-              <a:rPr lang="en-GB"/>
-              <a:t>representations</a:t>
-            </a:r>
-            <a:r>
-              <a:rPr lang="en-GB"/>
-              <a:t> in the data compared to PCA, this is the reason for the usage of Autoencoders.</a:t>
-            </a:r>
-            <a:endParaRPr/>
-          </a:p>
-          <a:p>
-            <a:pPr indent="0" lvl="0" marL="0" rtl="0" algn="l">
+            <a:endParaRPr dirty="0"/>
+          </a:p>
+          <a:p>
+            <a:pPr marL="0" lvl="0" indent="0" algn="l" rtl="0">
               <a:spcBef>
                 <a:spcPts val="1200"/>
               </a:spcBef>
@@ -7818,10 +8346,7 @@
               </a:spcAft>
               <a:buNone/>
             </a:pPr>
-            <a:r>
-              <a:t/>
-            </a:r>
-            <a:endParaRPr/>
+            <a:endParaRPr dirty="0"/>
           </a:p>
         </p:txBody>
       </p:sp>
@@ -7834,11 +8359,11 @@
 </file>
 
 <file path=ppt/slides/slide7.xml><?xml version="1.0" encoding="utf-8"?>
-<p:sld xmlns:a="http://schemas.openxmlformats.org/drawingml/2006/main" xmlns:r="http://schemas.openxmlformats.org/officeDocument/2006/relationships" xmlns:mc="http://schemas.openxmlformats.org/markup-compatibility/2006" xmlns:mv="urn:schemas-microsoft-com:mac:vml" xmlns:p="http://schemas.openxmlformats.org/presentationml/2006/main" xmlns:c="http://schemas.openxmlformats.org/drawingml/2006/chart" xmlns:dgm="http://schemas.openxmlformats.org/drawingml/2006/diagram" xmlns:o="urn:schemas-microsoft-com:office:office" xmlns:v="urn:schemas-microsoft-com:vml" xmlns:pvml="urn:schemas-microsoft-com:office:powerpoint" xmlns:com="http://schemas.openxmlformats.org/drawingml/2006/compatibility" xmlns:p14="http://schemas.microsoft.com/office/powerpoint/2010/main" xmlns:p15="http://schemas.microsoft.com/office/powerpoint/2012/main" xmlns:ahyp="http://schemas.microsoft.com/office/drawing/2018/hyperlinkcolor">
+<p:sld xmlns:a="http://schemas.openxmlformats.org/drawingml/2006/main" xmlns:r="http://schemas.openxmlformats.org/officeDocument/2006/relationships" xmlns:p="http://schemas.openxmlformats.org/presentationml/2006/main">
   <p:cSld>
     <p:spTree>
       <p:nvGrpSpPr>
-        <p:cNvPr id="89" name="Shape 89"/>
+        <p:cNvPr id="1" name="Shape 89"/>
         <p:cNvGrpSpPr/>
         <p:nvPr/>
       </p:nvGrpSpPr>
@@ -7853,7 +8378,9 @@
       <p:sp>
         <p:nvSpPr>
           <p:cNvPr id="90" name="Google Shape;90;p19"/>
-          <p:cNvSpPr txBox="1"/>
+          <p:cNvSpPr txBox="1">
+            <a:spLocks noGrp="1"/>
+          </p:cNvSpPr>
           <p:nvPr>
             <p:ph type="title"/>
           </p:nvPr>
@@ -7868,12 +8395,12 @@
           </a:prstGeom>
         </p:spPr>
         <p:txBody>
-          <a:bodyPr anchorCtr="0" anchor="t" bIns="91425" lIns="91425" spcFirstLastPara="1" rIns="91425" wrap="square" tIns="91425">
+          <a:bodyPr spcFirstLastPara="1" wrap="square" lIns="91425" tIns="91425" rIns="91425" bIns="91425" anchor="t" anchorCtr="0">
             <a:normAutofit fontScale="90000"/>
           </a:bodyPr>
           <a:lstStyle/>
           <a:p>
-            <a:pPr indent="0" lvl="0" marL="0" rtl="0" algn="l">
+            <a:pPr marL="0" lvl="0" indent="0" algn="l" rtl="0">
               <a:spcBef>
                 <a:spcPts val="0"/>
               </a:spcBef>
@@ -7893,9 +8420,11 @@
       <p:sp>
         <p:nvSpPr>
           <p:cNvPr id="91" name="Google Shape;91;p19"/>
-          <p:cNvSpPr txBox="1"/>
+          <p:cNvSpPr txBox="1">
+            <a:spLocks noGrp="1"/>
+          </p:cNvSpPr>
           <p:nvPr>
-            <p:ph idx="1" type="body"/>
+            <p:ph type="body" idx="1"/>
           </p:nvPr>
         </p:nvSpPr>
         <p:spPr>
@@ -7908,12 +8437,12 @@
           </a:prstGeom>
         </p:spPr>
         <p:txBody>
-          <a:bodyPr anchorCtr="0" anchor="t" bIns="91425" lIns="91425" spcFirstLastPara="1" rIns="91425" wrap="square" tIns="91425">
+          <a:bodyPr spcFirstLastPara="1" wrap="square" lIns="91425" tIns="91425" rIns="91425" bIns="91425" anchor="t" anchorCtr="0">
             <a:normAutofit/>
           </a:bodyPr>
           <a:lstStyle/>
           <a:p>
-            <a:pPr indent="0" lvl="0" marL="0" rtl="0" algn="l">
+            <a:pPr marL="0" lvl="0" indent="0" algn="l" rtl="0">
               <a:spcBef>
                 <a:spcPts val="0"/>
               </a:spcBef>
@@ -7922,9 +8451,6 @@
               </a:spcAft>
               <a:buNone/>
             </a:pPr>
-            <a:r>
-              <a:t/>
-            </a:r>
             <a:endParaRPr/>
           </a:p>
         </p:txBody>
@@ -8005,12 +8531,12 @@
           </a:ln>
         </p:spPr>
         <p:txBody>
-          <a:bodyPr anchorCtr="0" anchor="t" bIns="91425" lIns="91425" spcFirstLastPara="1" rIns="91425" wrap="square" tIns="91425">
+          <a:bodyPr spcFirstLastPara="1" wrap="square" lIns="91425" tIns="91425" rIns="91425" bIns="91425" anchor="t" anchorCtr="0">
             <a:spAutoFit/>
           </a:bodyPr>
           <a:lstStyle/>
           <a:p>
-            <a:pPr indent="0" lvl="0" marL="0" rtl="0" algn="ctr">
+            <a:pPr marL="0" lvl="0" indent="0" algn="ctr" rtl="0">
               <a:spcBef>
                 <a:spcPts val="0"/>
               </a:spcBef>
@@ -8047,12 +8573,12 @@
           </a:ln>
         </p:spPr>
         <p:txBody>
-          <a:bodyPr anchorCtr="0" anchor="t" bIns="91425" lIns="91425" spcFirstLastPara="1" rIns="91425" wrap="square" tIns="91425">
+          <a:bodyPr spcFirstLastPara="1" wrap="square" lIns="91425" tIns="91425" rIns="91425" bIns="91425" anchor="t" anchorCtr="0">
             <a:spAutoFit/>
           </a:bodyPr>
           <a:lstStyle/>
           <a:p>
-            <a:pPr indent="0" lvl="0" marL="0" rtl="0" algn="ctr">
+            <a:pPr marL="0" lvl="0" indent="0" algn="ctr" rtl="0">
               <a:spcBef>
                 <a:spcPts val="0"/>
               </a:spcBef>
@@ -8078,11 +8604,11 @@
 </file>
 
 <file path=ppt/slides/slide8.xml><?xml version="1.0" encoding="utf-8"?>
-<p:sld xmlns:a="http://schemas.openxmlformats.org/drawingml/2006/main" xmlns:r="http://schemas.openxmlformats.org/officeDocument/2006/relationships" xmlns:mc="http://schemas.openxmlformats.org/markup-compatibility/2006" xmlns:mv="urn:schemas-microsoft-com:mac:vml" xmlns:p="http://schemas.openxmlformats.org/presentationml/2006/main" xmlns:c="http://schemas.openxmlformats.org/drawingml/2006/chart" xmlns:dgm="http://schemas.openxmlformats.org/drawingml/2006/diagram" xmlns:o="urn:schemas-microsoft-com:office:office" xmlns:v="urn:schemas-microsoft-com:vml" xmlns:pvml="urn:schemas-microsoft-com:office:powerpoint" xmlns:com="http://schemas.openxmlformats.org/drawingml/2006/compatibility" xmlns:p14="http://schemas.microsoft.com/office/powerpoint/2010/main" xmlns:p15="http://schemas.microsoft.com/office/powerpoint/2012/main" xmlns:ahyp="http://schemas.microsoft.com/office/drawing/2018/hyperlinkcolor">
+<p:sld xmlns:a="http://schemas.openxmlformats.org/drawingml/2006/main" xmlns:r="http://schemas.openxmlformats.org/officeDocument/2006/relationships" xmlns:p="http://schemas.openxmlformats.org/presentationml/2006/main">
   <p:cSld>
     <p:spTree>
       <p:nvGrpSpPr>
-        <p:cNvPr id="99" name="Shape 99"/>
+        <p:cNvPr id="1" name="Shape 99"/>
         <p:cNvGrpSpPr/>
         <p:nvPr/>
       </p:nvGrpSpPr>
@@ -8097,7 +8623,9 @@
       <p:sp>
         <p:nvSpPr>
           <p:cNvPr id="100" name="Google Shape;100;p20"/>
-          <p:cNvSpPr txBox="1"/>
+          <p:cNvSpPr txBox="1">
+            <a:spLocks noGrp="1"/>
+          </p:cNvSpPr>
           <p:nvPr>
             <p:ph type="title"/>
           </p:nvPr>
@@ -8112,12 +8640,12 @@
           </a:prstGeom>
         </p:spPr>
         <p:txBody>
-          <a:bodyPr anchorCtr="0" anchor="t" bIns="91425" lIns="91425" spcFirstLastPara="1" rIns="91425" wrap="square" tIns="91425">
+          <a:bodyPr spcFirstLastPara="1" wrap="square" lIns="91425" tIns="91425" rIns="91425" bIns="91425" anchor="t" anchorCtr="0">
             <a:normAutofit fontScale="90000"/>
           </a:bodyPr>
           <a:lstStyle/>
           <a:p>
-            <a:pPr indent="0" lvl="0" marL="0" rtl="0" algn="l">
+            <a:pPr marL="0" lvl="0" indent="0" algn="l" rtl="0">
               <a:spcBef>
                 <a:spcPts val="0"/>
               </a:spcBef>
@@ -8137,9 +8665,11 @@
       <p:sp>
         <p:nvSpPr>
           <p:cNvPr id="101" name="Google Shape;101;p20"/>
-          <p:cNvSpPr txBox="1"/>
+          <p:cNvSpPr txBox="1">
+            <a:spLocks noGrp="1"/>
+          </p:cNvSpPr>
           <p:nvPr>
-            <p:ph idx="1" type="body"/>
+            <p:ph type="body" idx="1"/>
           </p:nvPr>
         </p:nvSpPr>
         <p:spPr>
@@ -8152,12 +8682,12 @@
           </a:prstGeom>
         </p:spPr>
         <p:txBody>
-          <a:bodyPr anchorCtr="0" anchor="t" bIns="91425" lIns="91425" spcFirstLastPara="1" rIns="91425" wrap="square" tIns="91425">
+          <a:bodyPr spcFirstLastPara="1" wrap="square" lIns="91425" tIns="91425" rIns="91425" bIns="91425" anchor="t" anchorCtr="0">
             <a:normAutofit/>
           </a:bodyPr>
           <a:lstStyle/>
           <a:p>
-            <a:pPr indent="-342900" lvl="0" marL="457200" rtl="0" algn="l">
+            <a:pPr marL="457200" lvl="0" indent="-342900" algn="l" rtl="0">
               <a:spcBef>
                 <a:spcPts val="0"/>
               </a:spcBef>
@@ -8169,16 +8699,12 @@
             </a:pPr>
             <a:r>
               <a:rPr lang="en-GB"/>
-              <a:t>The autoencoder was trained on the 32 </a:t>
-            </a:r>
-            <a:r>
-              <a:rPr lang="en-GB"/>
-              <a:t>input parameters with about 1.03 % error .</a:t>
+              <a:t>The autoencoder was trained on the 32 input parameters with about 1.03 % error .</a:t>
             </a:r>
             <a:endParaRPr/>
           </a:p>
           <a:p>
-            <a:pPr indent="-342900" lvl="0" marL="457200" rtl="0" algn="l">
+            <a:pPr marL="457200" lvl="0" indent="-342900" algn="l" rtl="0">
               <a:spcBef>
                 <a:spcPts val="0"/>
               </a:spcBef>
@@ -8233,11 +8759,11 @@
 </file>
 
 <file path=ppt/slides/slide9.xml><?xml version="1.0" encoding="utf-8"?>
-<p:sld xmlns:a="http://schemas.openxmlformats.org/drawingml/2006/main" xmlns:r="http://schemas.openxmlformats.org/officeDocument/2006/relationships" xmlns:mc="http://schemas.openxmlformats.org/markup-compatibility/2006" xmlns:mv="urn:schemas-microsoft-com:mac:vml" xmlns:p="http://schemas.openxmlformats.org/presentationml/2006/main" xmlns:c="http://schemas.openxmlformats.org/drawingml/2006/chart" xmlns:dgm="http://schemas.openxmlformats.org/drawingml/2006/diagram" xmlns:o="urn:schemas-microsoft-com:office:office" xmlns:v="urn:schemas-microsoft-com:vml" xmlns:pvml="urn:schemas-microsoft-com:office:powerpoint" xmlns:com="http://schemas.openxmlformats.org/drawingml/2006/compatibility" xmlns:p14="http://schemas.microsoft.com/office/powerpoint/2010/main" xmlns:p15="http://schemas.microsoft.com/office/powerpoint/2012/main" xmlns:ahyp="http://schemas.microsoft.com/office/drawing/2018/hyperlinkcolor">
+<p:sld xmlns:a="http://schemas.openxmlformats.org/drawingml/2006/main" xmlns:r="http://schemas.openxmlformats.org/officeDocument/2006/relationships" xmlns:p="http://schemas.openxmlformats.org/presentationml/2006/main">
   <p:cSld>
     <p:spTree>
       <p:nvGrpSpPr>
-        <p:cNvPr id="106" name="Shape 106"/>
+        <p:cNvPr id="1" name=""/>
         <p:cNvGrpSpPr/>
         <p:nvPr/>
       </p:nvGrpSpPr>
@@ -8251,197 +8777,159 @@
       </p:grpSpPr>
       <p:sp>
         <p:nvSpPr>
-          <p:cNvPr id="107" name="Google Shape;107;p21"/>
-          <p:cNvSpPr txBox="1"/>
+          <p:cNvPr id="2" name="Title 1">
+            <a:extLst>
+              <a:ext uri="{FF2B5EF4-FFF2-40B4-BE49-F238E27FC236}">
+                <a16:creationId xmlns:a16="http://schemas.microsoft.com/office/drawing/2014/main" id="{D585F23F-B9CD-AA96-B441-24F8ADA5E058}"/>
+              </a:ext>
+            </a:extLst>
+          </p:cNvPr>
+          <p:cNvSpPr>
+            <a:spLocks noGrp="1"/>
+          </p:cNvSpPr>
           <p:nvPr>
             <p:ph type="title"/>
           </p:nvPr>
         </p:nvSpPr>
-        <p:spPr>
-          <a:xfrm>
-            <a:off x="311700" y="445025"/>
-            <a:ext cx="8520600" cy="572700"/>
-          </a:xfrm>
-          <a:prstGeom prst="rect">
-            <a:avLst/>
-          </a:prstGeom>
-        </p:spPr>
+        <p:spPr/>
         <p:txBody>
-          <a:bodyPr anchorCtr="0" anchor="t" bIns="91425" lIns="91425" spcFirstLastPara="1" rIns="91425" wrap="square" tIns="91425">
+          <a:bodyPr>
             <a:normAutofit fontScale="90000"/>
           </a:bodyPr>
           <a:lstStyle/>
           <a:p>
-            <a:pPr indent="0" lvl="0" marL="0" rtl="0" algn="l">
-              <a:spcBef>
-                <a:spcPts val="0"/>
-              </a:spcBef>
-              <a:spcAft>
-                <a:spcPts val="0"/>
-              </a:spcAft>
-              <a:buNone/>
-            </a:pPr>
             <a:r>
-              <a:rPr lang="en-GB"/>
-              <a:t>Deep Learning Model for stability prediction</a:t>
+              <a:rPr lang="en-US" dirty="0"/>
+              <a:t>Eliminating Multicollinearity From Encoded Data</a:t>
             </a:r>
-            <a:endParaRPr/>
+            <a:endParaRPr lang="en-IN" dirty="0"/>
           </a:p>
         </p:txBody>
       </p:sp>
       <p:sp>
         <p:nvSpPr>
-          <p:cNvPr id="108" name="Google Shape;108;p21"/>
-          <p:cNvSpPr txBox="1"/>
+          <p:cNvPr id="3" name="Text Placeholder 2">
+            <a:extLst>
+              <a:ext uri="{FF2B5EF4-FFF2-40B4-BE49-F238E27FC236}">
+                <a16:creationId xmlns:a16="http://schemas.microsoft.com/office/drawing/2014/main" id="{D4B6E51D-398F-3D4C-34F1-89FBC3D93FDC}"/>
+              </a:ext>
+            </a:extLst>
+          </p:cNvPr>
+          <p:cNvSpPr>
+            <a:spLocks noGrp="1"/>
+          </p:cNvSpPr>
           <p:nvPr>
-            <p:ph idx="1" type="body"/>
+            <p:ph type="body" idx="1"/>
           </p:nvPr>
         </p:nvSpPr>
-        <p:spPr>
-          <a:xfrm>
-            <a:off x="311700" y="1152475"/>
-            <a:ext cx="8520600" cy="3416400"/>
-          </a:xfrm>
-          <a:prstGeom prst="rect">
-            <a:avLst/>
-          </a:prstGeom>
-        </p:spPr>
+        <p:spPr/>
         <p:txBody>
-          <a:bodyPr anchorCtr="0" anchor="t" bIns="91425" lIns="91425" spcFirstLastPara="1" rIns="91425" wrap="square" tIns="91425">
-            <a:normAutofit/>
-          </a:bodyPr>
+          <a:bodyPr/>
           <a:lstStyle/>
           <a:p>
-            <a:pPr indent="-342900" lvl="0" marL="457200" rtl="0" algn="l">
-              <a:spcBef>
-                <a:spcPts val="0"/>
-              </a:spcBef>
-              <a:spcAft>
-                <a:spcPts val="0"/>
-              </a:spcAft>
-              <a:buSzPts val="1800"/>
-              <a:buChar char="●"/>
+            <a:r>
+              <a:rPr lang="en-US" dirty="0"/>
+              <a:t>We use correlation matrix and heatmap to eliminate multicollinearity (correlation between independent variables) so that our regression model becomes more robust and statistically correct in predictions. </a:t>
+            </a:r>
+          </a:p>
+          <a:p>
+            <a:r>
+              <a:rPr lang="en-US" dirty="0"/>
+              <a:t>From the correlation matrix we can see the </a:t>
+            </a:r>
+          </a:p>
+          <a:p>
+            <a:pPr marL="114300" indent="0">
+              <a:buNone/>
             </a:pPr>
             <a:r>
-              <a:rPr lang="en-GB"/>
-              <a:t>A dense neural network was trained on these encoded features (x1,x2,x3 …x10) with heat of formation(  H)  as the dependent variable.</a:t>
+              <a:rPr lang="en-US" dirty="0"/>
+              <a:t>variable pairs (x2,x8) , (x4,x9) , (x2,x7) have </a:t>
             </a:r>
-            <a:endParaRPr/>
-          </a:p>
-          <a:p>
-            <a:pPr indent="-342900" lvl="0" marL="457200" rtl="0" algn="l">
-              <a:spcBef>
-                <a:spcPts val="0"/>
-              </a:spcBef>
-              <a:spcAft>
-                <a:spcPts val="0"/>
-              </a:spcAft>
-              <a:buSzPts val="1800"/>
-              <a:buChar char="●"/>
+          </a:p>
+          <a:p>
+            <a:pPr marL="114300" indent="0">
+              <a:buNone/>
             </a:pPr>
             <a:r>
-              <a:rPr lang="en-GB"/>
-              <a:t>The network was trained with final mean squared error to be 0.07 % and an R2 score of 0.987.</a:t>
+              <a:rPr lang="en-US" dirty="0"/>
+              <a:t>absolute correlation &gt; 0.75 , also x4 and x9 have </a:t>
             </a:r>
-            <a:endParaRPr/>
-          </a:p>
-          <a:p>
-            <a:pPr indent="0" lvl="0" marL="457200" rtl="0" algn="l">
-              <a:spcBef>
-                <a:spcPts val="1200"/>
-              </a:spcBef>
-              <a:spcAft>
-                <a:spcPts val="1200"/>
-              </a:spcAft>
+          </a:p>
+          <a:p>
+            <a:pPr marL="114300" indent="0">
               <a:buNone/>
             </a:pPr>
             <a:r>
-              <a:t/>
+              <a:rPr lang="en-US" dirty="0"/>
+              <a:t>less correlation with the heat of formation, so we</a:t>
             </a:r>
-            <a:endParaRPr/>
+          </a:p>
+          <a:p>
+            <a:pPr marL="114300" indent="0">
+              <a:buNone/>
+            </a:pPr>
+            <a:r>
+              <a:rPr lang="en-US" dirty="0"/>
+              <a:t>can discard the variables x4,x7,x8,x9 .</a:t>
+            </a:r>
+          </a:p>
+          <a:p>
+            <a:r>
+              <a:rPr lang="en-US" dirty="0"/>
+              <a:t>Now our model has 6 variables to </a:t>
+            </a:r>
+          </a:p>
+          <a:p>
+            <a:pPr marL="114300" indent="0">
+              <a:buNone/>
+            </a:pPr>
+            <a:r>
+              <a:rPr lang="en-US" dirty="0"/>
+              <a:t>predict the heat of formation.</a:t>
+            </a:r>
+          </a:p>
+          <a:p>
+            <a:endParaRPr lang="en-IN" dirty="0"/>
           </a:p>
         </p:txBody>
       </p:sp>
       <p:pic>
         <p:nvPicPr>
-          <p:cNvPr id="109" name="Google Shape;109;p21"/>
-          <p:cNvPicPr preferRelativeResize="0"/>
+          <p:cNvPr id="5" name="Picture 4" descr="Chart&#10;&#10;Description automatically generated">
+            <a:extLst>
+              <a:ext uri="{FF2B5EF4-FFF2-40B4-BE49-F238E27FC236}">
+                <a16:creationId xmlns:a16="http://schemas.microsoft.com/office/drawing/2014/main" id="{2B791C14-49A1-B8D2-F9B0-AC5C53E8C1BB}"/>
+              </a:ext>
+            </a:extLst>
+          </p:cNvPr>
+          <p:cNvPicPr>
+            <a:picLocks noChangeAspect="1"/>
+          </p:cNvPicPr>
           <p:nvPr/>
         </p:nvPicPr>
         <p:blipFill>
-          <a:blip r:embed="rId3">
-            <a:alphaModFix/>
-          </a:blip>
+          <a:blip r:embed="rId2"/>
           <a:stretch>
             <a:fillRect/>
           </a:stretch>
         </p:blipFill>
         <p:spPr>
           <a:xfrm>
-            <a:off x="3388950" y="2280550"/>
-            <a:ext cx="5152226" cy="2661500"/>
+            <a:off x="5417573" y="2218390"/>
+            <a:ext cx="3414727" cy="2498758"/>
           </a:xfrm>
           <a:prstGeom prst="rect">
             <a:avLst/>
           </a:prstGeom>
-          <a:noFill/>
-          <a:ln>
-            <a:noFill/>
-          </a:ln>
         </p:spPr>
       </p:pic>
-      <p:sp>
-        <p:nvSpPr>
-          <p:cNvPr id="110" name="Google Shape;110;p21"/>
-          <p:cNvSpPr/>
-          <p:nvPr/>
-        </p:nvSpPr>
-        <p:spPr>
-          <a:xfrm>
-            <a:off x="3840850" y="1588650"/>
-            <a:ext cx="134400" cy="159300"/>
-          </a:xfrm>
-          <a:prstGeom prst="triangle">
-            <a:avLst>
-              <a:gd fmla="val 50000" name="adj"/>
-            </a:avLst>
-          </a:prstGeom>
-          <a:solidFill>
-            <a:schemeClr val="lt2"/>
-          </a:solidFill>
-          <a:ln cap="flat" cmpd="sng" w="9525">
-            <a:solidFill>
-              <a:schemeClr val="dk2"/>
-            </a:solidFill>
-            <a:prstDash val="solid"/>
-            <a:round/>
-            <a:headEnd len="sm" w="sm" type="none"/>
-            <a:tailEnd len="sm" w="sm" type="none"/>
-          </a:ln>
-        </p:spPr>
-        <p:txBody>
-          <a:bodyPr anchorCtr="0" anchor="ctr" bIns="91425" lIns="91425" spcFirstLastPara="1" rIns="91425" wrap="square" tIns="91425">
-            <a:noAutofit/>
-          </a:bodyPr>
-          <a:lstStyle/>
-          <a:p>
-            <a:pPr indent="0" lvl="0" marL="0" rtl="0" algn="l">
-              <a:spcBef>
-                <a:spcPts val="0"/>
-              </a:spcBef>
-              <a:spcAft>
-                <a:spcPts val="0"/>
-              </a:spcAft>
-              <a:buNone/>
-            </a:pPr>
-            <a:r>
-              <a:t/>
-            </a:r>
-            <a:endParaRPr/>
-          </a:p>
-        </p:txBody>
-      </p:sp>
     </p:spTree>
+    <p:extLst>
+      <p:ext uri="{BB962C8B-B14F-4D97-AF65-F5344CB8AC3E}">
+        <p14:creationId xmlns:p14="http://schemas.microsoft.com/office/powerpoint/2010/main" val="2815362080"/>
+      </p:ext>
+    </p:extLst>
   </p:cSld>
   <p:clrMapOvr>
     <a:masterClrMapping/>
@@ -8450,7 +8938,7 @@
 </file>
 
 <file path=ppt/theme/theme1.xml><?xml version="1.0" encoding="utf-8"?>
-<a:theme xmlns:a="http://schemas.openxmlformats.org/drawingml/2006/main" xmlns:r="http://schemas.openxmlformats.org/officeDocument/2006/relationships" name="Simple Light">
+<a:theme xmlns:a="http://schemas.openxmlformats.org/drawingml/2006/main" name="Simple Light">
   <a:themeElements>
     <a:clrScheme name="Simple Light">
       <a:dk1>
@@ -8725,11 +9213,13 @@
       </a:bgFillStyleLst>
     </a:fmtScheme>
   </a:themeElements>
+  <a:objectDefaults/>
+  <a:extraClrSchemeLst/>
 </a:theme>
 </file>
 
 <file path=ppt/theme/theme2.xml><?xml version="1.0" encoding="utf-8"?>
-<a:theme xmlns:a="http://schemas.openxmlformats.org/drawingml/2006/main" xmlns:r="http://schemas.openxmlformats.org/officeDocument/2006/relationships">
+<a:theme xmlns:a="http://schemas.openxmlformats.org/drawingml/2006/main">
   <a:themeElements>
     <a:clrScheme name="Default">
       <a:dk1>
@@ -9004,5 +9494,7 @@
       </a:bgFillStyleLst>
     </a:fmtScheme>
   </a:themeElements>
+  <a:objectDefaults/>
+  <a:extraClrSchemeLst/>
 </a:theme>
 </file>